--- a/Ai 설명.pptx
+++ b/Ai 설명.pptx
@@ -9,18 +9,18 @@
     <p:sldId id="257" r:id="rId3"/>
     <p:sldId id="258" r:id="rId4"/>
     <p:sldId id="266" r:id="rId5"/>
-    <p:sldId id="271" r:id="rId6"/>
-    <p:sldId id="272" r:id="rId7"/>
-    <p:sldId id="259" r:id="rId8"/>
-    <p:sldId id="260" r:id="rId9"/>
-    <p:sldId id="264" r:id="rId10"/>
-    <p:sldId id="265" r:id="rId11"/>
-    <p:sldId id="261" r:id="rId12"/>
-    <p:sldId id="270" r:id="rId13"/>
-    <p:sldId id="262" r:id="rId14"/>
-    <p:sldId id="267" r:id="rId15"/>
-    <p:sldId id="269" r:id="rId16"/>
-    <p:sldId id="268" r:id="rId17"/>
+    <p:sldId id="259" r:id="rId6"/>
+    <p:sldId id="260" r:id="rId7"/>
+    <p:sldId id="264" r:id="rId8"/>
+    <p:sldId id="265" r:id="rId9"/>
+    <p:sldId id="261" r:id="rId10"/>
+    <p:sldId id="270" r:id="rId11"/>
+    <p:sldId id="262" r:id="rId12"/>
+    <p:sldId id="267" r:id="rId13"/>
+    <p:sldId id="269" r:id="rId14"/>
+    <p:sldId id="268" r:id="rId15"/>
+    <p:sldId id="271" r:id="rId16"/>
+    <p:sldId id="272" r:id="rId17"/>
     <p:sldId id="263" r:id="rId18"/>
   </p:sldIdLst>
   <p:sldSz cx="12192000" cy="6858000"/>
@@ -283,7 +283,7 @@
           <a:p>
             <a:fld id="{3231473B-4FE6-46EF-A8EC-99806DF5B4A6}" type="datetimeFigureOut">
               <a:rPr lang="ko-KR" altLang="en-US" smtClean="0"/>
-              <a:t>2023-09-11</a:t>
+              <a:t>2024-07-24</a:t>
             </a:fld>
             <a:endParaRPr lang="ko-KR" altLang="en-US"/>
           </a:p>
@@ -481,7 +481,7 @@
           <a:p>
             <a:fld id="{3231473B-4FE6-46EF-A8EC-99806DF5B4A6}" type="datetimeFigureOut">
               <a:rPr lang="ko-KR" altLang="en-US" smtClean="0"/>
-              <a:t>2023-09-11</a:t>
+              <a:t>2024-07-24</a:t>
             </a:fld>
             <a:endParaRPr lang="ko-KR" altLang="en-US"/>
           </a:p>
@@ -689,7 +689,7 @@
           <a:p>
             <a:fld id="{3231473B-4FE6-46EF-A8EC-99806DF5B4A6}" type="datetimeFigureOut">
               <a:rPr lang="ko-KR" altLang="en-US" smtClean="0"/>
-              <a:t>2023-09-11</a:t>
+              <a:t>2024-07-24</a:t>
             </a:fld>
             <a:endParaRPr lang="ko-KR" altLang="en-US"/>
           </a:p>
@@ -887,7 +887,7 @@
           <a:p>
             <a:fld id="{3231473B-4FE6-46EF-A8EC-99806DF5B4A6}" type="datetimeFigureOut">
               <a:rPr lang="ko-KR" altLang="en-US" smtClean="0"/>
-              <a:t>2023-09-11</a:t>
+              <a:t>2024-07-24</a:t>
             </a:fld>
             <a:endParaRPr lang="ko-KR" altLang="en-US"/>
           </a:p>
@@ -1162,7 +1162,7 @@
           <a:p>
             <a:fld id="{3231473B-4FE6-46EF-A8EC-99806DF5B4A6}" type="datetimeFigureOut">
               <a:rPr lang="ko-KR" altLang="en-US" smtClean="0"/>
-              <a:t>2023-09-11</a:t>
+              <a:t>2024-07-24</a:t>
             </a:fld>
             <a:endParaRPr lang="ko-KR" altLang="en-US"/>
           </a:p>
@@ -1427,7 +1427,7 @@
           <a:p>
             <a:fld id="{3231473B-4FE6-46EF-A8EC-99806DF5B4A6}" type="datetimeFigureOut">
               <a:rPr lang="ko-KR" altLang="en-US" smtClean="0"/>
-              <a:t>2023-09-11</a:t>
+              <a:t>2024-07-24</a:t>
             </a:fld>
             <a:endParaRPr lang="ko-KR" altLang="en-US"/>
           </a:p>
@@ -1839,7 +1839,7 @@
           <a:p>
             <a:fld id="{3231473B-4FE6-46EF-A8EC-99806DF5B4A6}" type="datetimeFigureOut">
               <a:rPr lang="ko-KR" altLang="en-US" smtClean="0"/>
-              <a:t>2023-09-11</a:t>
+              <a:t>2024-07-24</a:t>
             </a:fld>
             <a:endParaRPr lang="ko-KR" altLang="en-US"/>
           </a:p>
@@ -1980,7 +1980,7 @@
           <a:p>
             <a:fld id="{3231473B-4FE6-46EF-A8EC-99806DF5B4A6}" type="datetimeFigureOut">
               <a:rPr lang="ko-KR" altLang="en-US" smtClean="0"/>
-              <a:t>2023-09-11</a:t>
+              <a:t>2024-07-24</a:t>
             </a:fld>
             <a:endParaRPr lang="ko-KR" altLang="en-US"/>
           </a:p>
@@ -2093,7 +2093,7 @@
           <a:p>
             <a:fld id="{3231473B-4FE6-46EF-A8EC-99806DF5B4A6}" type="datetimeFigureOut">
               <a:rPr lang="ko-KR" altLang="en-US" smtClean="0"/>
-              <a:t>2023-09-11</a:t>
+              <a:t>2024-07-24</a:t>
             </a:fld>
             <a:endParaRPr lang="ko-KR" altLang="en-US"/>
           </a:p>
@@ -2404,7 +2404,7 @@
           <a:p>
             <a:fld id="{3231473B-4FE6-46EF-A8EC-99806DF5B4A6}" type="datetimeFigureOut">
               <a:rPr lang="ko-KR" altLang="en-US" smtClean="0"/>
-              <a:t>2023-09-11</a:t>
+              <a:t>2024-07-24</a:t>
             </a:fld>
             <a:endParaRPr lang="ko-KR" altLang="en-US"/>
           </a:p>
@@ -2692,7 +2692,7 @@
           <a:p>
             <a:fld id="{3231473B-4FE6-46EF-A8EC-99806DF5B4A6}" type="datetimeFigureOut">
               <a:rPr lang="ko-KR" altLang="en-US" smtClean="0"/>
-              <a:t>2023-09-11</a:t>
+              <a:t>2024-07-24</a:t>
             </a:fld>
             <a:endParaRPr lang="ko-KR" altLang="en-US"/>
           </a:p>
@@ -2933,7 +2933,7 @@
           <a:p>
             <a:fld id="{3231473B-4FE6-46EF-A8EC-99806DF5B4A6}" type="datetimeFigureOut">
               <a:rPr lang="ko-KR" altLang="en-US" smtClean="0"/>
-              <a:t>2023-09-11</a:t>
+              <a:t>2024-07-24</a:t>
             </a:fld>
             <a:endParaRPr lang="ko-KR" altLang="en-US"/>
           </a:p>
@@ -3417,3069 +3417,6 @@
           <p:cNvPr id="2" name="제목 1">
             <a:extLst>
               <a:ext uri="{FF2B5EF4-FFF2-40B4-BE49-F238E27FC236}">
-                <a16:creationId xmlns:a16="http://schemas.microsoft.com/office/drawing/2014/main" id="{CA438666-7AB8-0C9A-E167-E87982920BC9}"/>
-              </a:ext>
-            </a:extLst>
-          </p:cNvPr>
-          <p:cNvSpPr>
-            <a:spLocks noGrp="1"/>
-          </p:cNvSpPr>
-          <p:nvPr>
-            <p:ph type="title"/>
-          </p:nvPr>
-        </p:nvSpPr>
-        <p:spPr/>
-        <p:txBody>
-          <a:bodyPr/>
-          <a:lstStyle/>
-          <a:p>
-            <a:r>
-              <a:rPr lang="ko-KR" altLang="en-US" dirty="0" err="1"/>
-              <a:t>퍼셉트론</a:t>
-            </a:r>
-            <a:endParaRPr lang="ko-KR" altLang="en-US" dirty="0"/>
-          </a:p>
-        </p:txBody>
-      </p:sp>
-      <p:sp>
-        <p:nvSpPr>
-          <p:cNvPr id="4" name="타원 3">
-            <a:extLst>
-              <a:ext uri="{FF2B5EF4-FFF2-40B4-BE49-F238E27FC236}">
-                <a16:creationId xmlns:a16="http://schemas.microsoft.com/office/drawing/2014/main" id="{EB5D0A2A-53FC-2D0F-F7D5-A1C5171A9F2C}"/>
-              </a:ext>
-            </a:extLst>
-          </p:cNvPr>
-          <p:cNvSpPr/>
-          <p:nvPr/>
-        </p:nvSpPr>
-        <p:spPr>
-          <a:xfrm>
-            <a:off x="2327563" y="1862051"/>
-            <a:ext cx="4131426" cy="4131426"/>
-          </a:xfrm>
-          <a:prstGeom prst="ellipse">
-            <a:avLst/>
-          </a:prstGeom>
-          <a:solidFill>
-            <a:schemeClr val="bg1"/>
-          </a:solidFill>
-          <a:ln>
-            <a:solidFill>
-              <a:schemeClr val="tx1"/>
-            </a:solidFill>
-          </a:ln>
-        </p:spPr>
-        <p:style>
-          <a:lnRef idx="2">
-            <a:schemeClr val="accent1">
-              <a:shade val="15000"/>
-            </a:schemeClr>
-          </a:lnRef>
-          <a:fillRef idx="1">
-            <a:schemeClr val="accent1"/>
-          </a:fillRef>
-          <a:effectRef idx="0">
-            <a:schemeClr val="accent1"/>
-          </a:effectRef>
-          <a:fontRef idx="minor">
-            <a:schemeClr val="lt1"/>
-          </a:fontRef>
-        </p:style>
-        <p:txBody>
-          <a:bodyPr rtlCol="0" anchor="ctr"/>
-          <a:lstStyle/>
-          <a:p>
-            <a:pPr algn="ctr"/>
-            <a:endParaRPr lang="ko-KR" altLang="en-US" dirty="0"/>
-          </a:p>
-        </p:txBody>
-      </p:sp>
-      <p:cxnSp>
-        <p:nvCxnSpPr>
-          <p:cNvPr id="6" name="직선 화살표 연결선 5">
-            <a:extLst>
-              <a:ext uri="{FF2B5EF4-FFF2-40B4-BE49-F238E27FC236}">
-                <a16:creationId xmlns:a16="http://schemas.microsoft.com/office/drawing/2014/main" id="{A1477999-0C5A-7184-EA76-4240CB02FE6B}"/>
-              </a:ext>
-            </a:extLst>
-          </p:cNvPr>
-          <p:cNvCxnSpPr>
-            <a:endCxn id="4" idx="2"/>
-          </p:cNvCxnSpPr>
-          <p:nvPr/>
-        </p:nvCxnSpPr>
-        <p:spPr>
-          <a:xfrm>
-            <a:off x="748145" y="3927764"/>
-            <a:ext cx="1579418" cy="0"/>
-          </a:xfrm>
-          <a:prstGeom prst="straightConnector1">
-            <a:avLst/>
-          </a:prstGeom>
-          <a:ln>
-            <a:tailEnd type="triangle"/>
-          </a:ln>
-        </p:spPr>
-        <p:style>
-          <a:lnRef idx="1">
-            <a:schemeClr val="accent1"/>
-          </a:lnRef>
-          <a:fillRef idx="0">
-            <a:schemeClr val="accent1"/>
-          </a:fillRef>
-          <a:effectRef idx="0">
-            <a:schemeClr val="accent1"/>
-          </a:effectRef>
-          <a:fontRef idx="minor">
-            <a:schemeClr val="tx1"/>
-          </a:fontRef>
-        </p:style>
-      </p:cxnSp>
-      <p:sp>
-        <p:nvSpPr>
-          <p:cNvPr id="7" name="직사각형 6">
-            <a:extLst>
-              <a:ext uri="{FF2B5EF4-FFF2-40B4-BE49-F238E27FC236}">
-                <a16:creationId xmlns:a16="http://schemas.microsoft.com/office/drawing/2014/main" id="{972E9738-1A73-FCA0-2BE9-B309A43A1992}"/>
-              </a:ext>
-            </a:extLst>
-          </p:cNvPr>
-          <p:cNvSpPr/>
-          <p:nvPr/>
-        </p:nvSpPr>
-        <p:spPr>
-          <a:xfrm>
-            <a:off x="954577" y="3194346"/>
-            <a:ext cx="1065415" cy="562055"/>
-          </a:xfrm>
-          <a:prstGeom prst="rect">
-            <a:avLst/>
-          </a:prstGeom>
-          <a:solidFill>
-            <a:schemeClr val="bg1"/>
-          </a:solidFill>
-          <a:ln>
-            <a:solidFill>
-              <a:schemeClr val="tx1"/>
-            </a:solidFill>
-          </a:ln>
-        </p:spPr>
-        <p:style>
-          <a:lnRef idx="2">
-            <a:schemeClr val="accent1">
-              <a:shade val="15000"/>
-            </a:schemeClr>
-          </a:lnRef>
-          <a:fillRef idx="1">
-            <a:schemeClr val="accent1"/>
-          </a:fillRef>
-          <a:effectRef idx="0">
-            <a:schemeClr val="accent1"/>
-          </a:effectRef>
-          <a:fontRef idx="minor">
-            <a:schemeClr val="lt1"/>
-          </a:fontRef>
-        </p:style>
-        <p:txBody>
-          <a:bodyPr rtlCol="0" anchor="ctr"/>
-          <a:lstStyle/>
-          <a:p>
-            <a:pPr algn="ctr"/>
-            <a:r>
-              <a:rPr lang="ko-KR" altLang="en-US" dirty="0">
-                <a:solidFill>
-                  <a:sysClr val="windowText" lastClr="000000"/>
-                </a:solidFill>
-              </a:rPr>
-              <a:t>입력</a:t>
-            </a:r>
-          </a:p>
-        </p:txBody>
-      </p:sp>
-      <p:cxnSp>
-        <p:nvCxnSpPr>
-          <p:cNvPr id="9" name="직선 화살표 연결선 8">
-            <a:extLst>
-              <a:ext uri="{FF2B5EF4-FFF2-40B4-BE49-F238E27FC236}">
-                <a16:creationId xmlns:a16="http://schemas.microsoft.com/office/drawing/2014/main" id="{2E161966-AD88-A86B-2861-D9A86B18C0C6}"/>
-              </a:ext>
-            </a:extLst>
-          </p:cNvPr>
-          <p:cNvCxnSpPr>
-            <a:stCxn id="4" idx="6"/>
-          </p:cNvCxnSpPr>
-          <p:nvPr/>
-        </p:nvCxnSpPr>
-        <p:spPr>
-          <a:xfrm>
-            <a:off x="6458989" y="3927764"/>
-            <a:ext cx="2435629" cy="0"/>
-          </a:xfrm>
-          <a:prstGeom prst="straightConnector1">
-            <a:avLst/>
-          </a:prstGeom>
-          <a:ln>
-            <a:tailEnd type="triangle"/>
-          </a:ln>
-        </p:spPr>
-        <p:style>
-          <a:lnRef idx="1">
-            <a:schemeClr val="accent1"/>
-          </a:lnRef>
-          <a:fillRef idx="0">
-            <a:schemeClr val="accent1"/>
-          </a:fillRef>
-          <a:effectRef idx="0">
-            <a:schemeClr val="accent1"/>
-          </a:effectRef>
-          <a:fontRef idx="minor">
-            <a:schemeClr val="tx1"/>
-          </a:fontRef>
-        </p:style>
-      </p:cxnSp>
-      <p:sp>
-        <p:nvSpPr>
-          <p:cNvPr id="10" name="직사각형 9">
-            <a:extLst>
-              <a:ext uri="{FF2B5EF4-FFF2-40B4-BE49-F238E27FC236}">
-                <a16:creationId xmlns:a16="http://schemas.microsoft.com/office/drawing/2014/main" id="{65E49F47-9B73-F6AF-A15D-B4617A73559E}"/>
-              </a:ext>
-            </a:extLst>
-          </p:cNvPr>
-          <p:cNvSpPr/>
-          <p:nvPr/>
-        </p:nvSpPr>
-        <p:spPr>
-          <a:xfrm>
-            <a:off x="7144096" y="3206815"/>
-            <a:ext cx="1065415" cy="562055"/>
-          </a:xfrm>
-          <a:prstGeom prst="rect">
-            <a:avLst/>
-          </a:prstGeom>
-          <a:solidFill>
-            <a:schemeClr val="bg1"/>
-          </a:solidFill>
-          <a:ln>
-            <a:solidFill>
-              <a:schemeClr val="tx1"/>
-            </a:solidFill>
-          </a:ln>
-        </p:spPr>
-        <p:style>
-          <a:lnRef idx="2">
-            <a:schemeClr val="accent1">
-              <a:shade val="15000"/>
-            </a:schemeClr>
-          </a:lnRef>
-          <a:fillRef idx="1">
-            <a:schemeClr val="accent1"/>
-          </a:fillRef>
-          <a:effectRef idx="0">
-            <a:schemeClr val="accent1"/>
-          </a:effectRef>
-          <a:fontRef idx="minor">
-            <a:schemeClr val="lt1"/>
-          </a:fontRef>
-        </p:style>
-        <p:txBody>
-          <a:bodyPr rtlCol="0" anchor="ctr"/>
-          <a:lstStyle/>
-          <a:p>
-            <a:pPr algn="ctr"/>
-            <a:r>
-              <a:rPr lang="ko-KR" altLang="en-US" dirty="0">
-                <a:solidFill>
-                  <a:sysClr val="windowText" lastClr="000000"/>
-                </a:solidFill>
-              </a:rPr>
-              <a:t>출력</a:t>
-            </a:r>
-          </a:p>
-        </p:txBody>
-      </p:sp>
-      <p:cxnSp>
-        <p:nvCxnSpPr>
-          <p:cNvPr id="3" name="직선 화살표 연결선 2">
-            <a:extLst>
-              <a:ext uri="{FF2B5EF4-FFF2-40B4-BE49-F238E27FC236}">
-                <a16:creationId xmlns:a16="http://schemas.microsoft.com/office/drawing/2014/main" id="{A8EC6FCD-42BE-694A-6AB7-995FFDB45C7C}"/>
-              </a:ext>
-            </a:extLst>
-          </p:cNvPr>
-          <p:cNvCxnSpPr>
-            <a:cxnSpLocks/>
-            <a:endCxn id="4" idx="2"/>
-          </p:cNvCxnSpPr>
-          <p:nvPr/>
-        </p:nvCxnSpPr>
-        <p:spPr>
-          <a:xfrm flipV="1">
-            <a:off x="748145" y="3927764"/>
-            <a:ext cx="1579418" cy="501535"/>
-          </a:xfrm>
-          <a:prstGeom prst="straightConnector1">
-            <a:avLst/>
-          </a:prstGeom>
-          <a:ln>
-            <a:tailEnd type="triangle"/>
-          </a:ln>
-        </p:spPr>
-        <p:style>
-          <a:lnRef idx="1">
-            <a:schemeClr val="accent1"/>
-          </a:lnRef>
-          <a:fillRef idx="0">
-            <a:schemeClr val="accent1"/>
-          </a:fillRef>
-          <a:effectRef idx="0">
-            <a:schemeClr val="accent1"/>
-          </a:effectRef>
-          <a:fontRef idx="minor">
-            <a:schemeClr val="tx1"/>
-          </a:fontRef>
-        </p:style>
-      </p:cxnSp>
-      <p:cxnSp>
-        <p:nvCxnSpPr>
-          <p:cNvPr id="11" name="직선 화살표 연결선 10">
-            <a:extLst>
-              <a:ext uri="{FF2B5EF4-FFF2-40B4-BE49-F238E27FC236}">
-                <a16:creationId xmlns:a16="http://schemas.microsoft.com/office/drawing/2014/main" id="{4A9267E7-2906-3087-E62D-A83B338A550D}"/>
-              </a:ext>
-            </a:extLst>
-          </p:cNvPr>
-          <p:cNvCxnSpPr/>
-          <p:nvPr/>
-        </p:nvCxnSpPr>
-        <p:spPr>
-          <a:xfrm>
-            <a:off x="3869574" y="3927763"/>
-            <a:ext cx="1047403" cy="0"/>
-          </a:xfrm>
-          <a:prstGeom prst="straightConnector1">
-            <a:avLst/>
-          </a:prstGeom>
-          <a:ln>
-            <a:tailEnd type="triangle"/>
-          </a:ln>
-        </p:spPr>
-        <p:style>
-          <a:lnRef idx="1">
-            <a:schemeClr val="accent1"/>
-          </a:lnRef>
-          <a:fillRef idx="0">
-            <a:schemeClr val="accent1"/>
-          </a:fillRef>
-          <a:effectRef idx="0">
-            <a:schemeClr val="accent1"/>
-          </a:effectRef>
-          <a:fontRef idx="minor">
-            <a:schemeClr val="tx1"/>
-          </a:fontRef>
-        </p:style>
-      </p:cxnSp>
-      <p:sp>
-        <p:nvSpPr>
-          <p:cNvPr id="12" name="TextBox 11">
-            <a:extLst>
-              <a:ext uri="{FF2B5EF4-FFF2-40B4-BE49-F238E27FC236}">
-                <a16:creationId xmlns:a16="http://schemas.microsoft.com/office/drawing/2014/main" id="{06200F41-36BC-854A-F1D0-3908632F1E53}"/>
-              </a:ext>
-            </a:extLst>
-          </p:cNvPr>
-          <p:cNvSpPr txBox="1"/>
-          <p:nvPr/>
-        </p:nvSpPr>
-        <p:spPr>
-          <a:xfrm>
-            <a:off x="2327563" y="3475373"/>
-            <a:ext cx="2484976" cy="369332"/>
-          </a:xfrm>
-          <a:prstGeom prst="rect">
-            <a:avLst/>
-          </a:prstGeom>
-          <a:noFill/>
-        </p:spPr>
-        <p:txBody>
-          <a:bodyPr wrap="none" rtlCol="0">
-            <a:spAutoFit/>
-          </a:bodyPr>
-          <a:lstStyle/>
-          <a:p>
-            <a:r>
-              <a:rPr lang="ko-KR" altLang="en-US" dirty="0"/>
-              <a:t>입력</a:t>
-            </a:r>
-            <a:r>
-              <a:rPr lang="en-US" altLang="ko-KR" b="0" i="0" dirty="0">
-                <a:effectLst/>
-                <a:latin typeface="Open Sans" panose="020B0606030504020204" pitchFamily="34" charset="0"/>
-              </a:rPr>
-              <a:t>·</a:t>
-            </a:r>
-            <a:r>
-              <a:rPr lang="ko-KR" altLang="en-US" dirty="0"/>
-              <a:t>가중치</a:t>
-            </a:r>
-            <a:r>
-              <a:rPr lang="en-US" altLang="ko-KR" dirty="0"/>
-              <a:t>+</a:t>
-            </a:r>
-            <a:r>
-              <a:rPr lang="ko-KR" altLang="en-US" dirty="0"/>
-              <a:t>바이어스</a:t>
-            </a:r>
-          </a:p>
-        </p:txBody>
-      </p:sp>
-      <p:sp>
-        <p:nvSpPr>
-          <p:cNvPr id="13" name="TextBox 12">
-            <a:extLst>
-              <a:ext uri="{FF2B5EF4-FFF2-40B4-BE49-F238E27FC236}">
-                <a16:creationId xmlns:a16="http://schemas.microsoft.com/office/drawing/2014/main" id="{CF3D0114-9DEF-317F-299F-30B1C67CE068}"/>
-              </a:ext>
-            </a:extLst>
-          </p:cNvPr>
-          <p:cNvSpPr txBox="1"/>
-          <p:nvPr/>
-        </p:nvSpPr>
-        <p:spPr>
-          <a:xfrm>
-            <a:off x="5066944" y="3756401"/>
-            <a:ext cx="1107996" cy="369332"/>
-          </a:xfrm>
-          <a:prstGeom prst="rect">
-            <a:avLst/>
-          </a:prstGeom>
-          <a:noFill/>
-        </p:spPr>
-        <p:txBody>
-          <a:bodyPr wrap="none" rtlCol="0">
-            <a:spAutoFit/>
-          </a:bodyPr>
-          <a:lstStyle/>
-          <a:p>
-            <a:r>
-              <a:rPr lang="ko-KR" altLang="en-US" dirty="0"/>
-              <a:t>활성함수</a:t>
-            </a:r>
-          </a:p>
-        </p:txBody>
-      </p:sp>
-      <p:cxnSp>
-        <p:nvCxnSpPr>
-          <p:cNvPr id="15" name="직선 화살표 연결선 14">
-            <a:extLst>
-              <a:ext uri="{FF2B5EF4-FFF2-40B4-BE49-F238E27FC236}">
-                <a16:creationId xmlns:a16="http://schemas.microsoft.com/office/drawing/2014/main" id="{8B45DBD1-BECC-BE59-660F-81863F59055F}"/>
-              </a:ext>
-            </a:extLst>
-          </p:cNvPr>
-          <p:cNvCxnSpPr>
-            <a:cxnSpLocks/>
-          </p:cNvCxnSpPr>
-          <p:nvPr/>
-        </p:nvCxnSpPr>
-        <p:spPr>
-          <a:xfrm flipV="1">
-            <a:off x="5694218" y="2514016"/>
-            <a:ext cx="1371600" cy="1146023"/>
-          </a:xfrm>
-          <a:prstGeom prst="straightConnector1">
-            <a:avLst/>
-          </a:prstGeom>
-          <a:ln>
-            <a:tailEnd type="triangle"/>
-          </a:ln>
-        </p:spPr>
-        <p:style>
-          <a:lnRef idx="1">
-            <a:schemeClr val="accent1"/>
-          </a:lnRef>
-          <a:fillRef idx="0">
-            <a:schemeClr val="accent1"/>
-          </a:fillRef>
-          <a:effectRef idx="0">
-            <a:schemeClr val="accent1"/>
-          </a:effectRef>
-          <a:fontRef idx="minor">
-            <a:schemeClr val="tx1"/>
-          </a:fontRef>
-        </p:style>
-      </p:cxnSp>
-      <p:pic>
-        <p:nvPicPr>
-          <p:cNvPr id="3074" name="Picture 2" descr="logistic">
-            <a:extLst>
-              <a:ext uri="{FF2B5EF4-FFF2-40B4-BE49-F238E27FC236}">
-                <a16:creationId xmlns:a16="http://schemas.microsoft.com/office/drawing/2014/main" id="{6D504E36-59D9-2B5A-5C00-895B6DB0DFA7}"/>
-              </a:ext>
-            </a:extLst>
-          </p:cNvPr>
-          <p:cNvPicPr>
-            <a:picLocks noChangeAspect="1" noChangeArrowheads="1"/>
-          </p:cNvPicPr>
-          <p:nvPr/>
-        </p:nvPicPr>
-        <p:blipFill>
-          <a:blip r:embed="rId2">
-            <a:extLst>
-              <a:ext uri="{28A0092B-C50C-407E-A947-70E740481C1C}">
-                <a14:useLocalDpi xmlns:a14="http://schemas.microsoft.com/office/drawing/2010/main" val="0"/>
-              </a:ext>
-            </a:extLst>
-          </a:blip>
-          <a:srcRect/>
-          <a:stretch>
-            <a:fillRect/>
-          </a:stretch>
-        </p:blipFill>
-        <p:spPr bwMode="auto">
-          <a:xfrm>
-            <a:off x="7065818" y="120052"/>
-            <a:ext cx="3599022" cy="2399349"/>
-          </a:xfrm>
-          <a:prstGeom prst="rect">
-            <a:avLst/>
-          </a:prstGeom>
-          <a:noFill/>
-          <a:extLst>
-            <a:ext uri="{909E8E84-426E-40DD-AFC4-6F175D3DCCD1}">
-              <a14:hiddenFill xmlns:a14="http://schemas.microsoft.com/office/drawing/2010/main">
-                <a:solidFill>
-                  <a:srgbClr val="FFFFFF"/>
-                </a:solidFill>
-              </a14:hiddenFill>
-            </a:ext>
-          </a:extLst>
-        </p:spPr>
-      </p:pic>
-      <p:cxnSp>
-        <p:nvCxnSpPr>
-          <p:cNvPr id="5" name="직선 화살표 연결선 4">
-            <a:extLst>
-              <a:ext uri="{FF2B5EF4-FFF2-40B4-BE49-F238E27FC236}">
-                <a16:creationId xmlns:a16="http://schemas.microsoft.com/office/drawing/2014/main" id="{D58C0302-9E17-F5C5-9BB9-51EC6F473375}"/>
-              </a:ext>
-            </a:extLst>
-          </p:cNvPr>
-          <p:cNvCxnSpPr>
-            <a:cxnSpLocks/>
-            <a:endCxn id="4" idx="2"/>
-          </p:cNvCxnSpPr>
-          <p:nvPr/>
-        </p:nvCxnSpPr>
-        <p:spPr>
-          <a:xfrm flipV="1">
-            <a:off x="748145" y="3927764"/>
-            <a:ext cx="1579418" cy="958272"/>
-          </a:xfrm>
-          <a:prstGeom prst="straightConnector1">
-            <a:avLst/>
-          </a:prstGeom>
-          <a:ln>
-            <a:tailEnd type="triangle"/>
-          </a:ln>
-        </p:spPr>
-        <p:style>
-          <a:lnRef idx="1">
-            <a:schemeClr val="accent1"/>
-          </a:lnRef>
-          <a:fillRef idx="0">
-            <a:schemeClr val="accent1"/>
-          </a:fillRef>
-          <a:effectRef idx="0">
-            <a:schemeClr val="accent1"/>
-          </a:effectRef>
-          <a:fontRef idx="minor">
-            <a:schemeClr val="tx1"/>
-          </a:fontRef>
-        </p:style>
-      </p:cxnSp>
-    </p:spTree>
-    <p:extLst>
-      <p:ext uri="{BB962C8B-B14F-4D97-AF65-F5344CB8AC3E}">
-        <p14:creationId xmlns:p14="http://schemas.microsoft.com/office/powerpoint/2010/main" val="2084579623"/>
-      </p:ext>
-    </p:extLst>
-  </p:cSld>
-  <p:clrMapOvr>
-    <a:masterClrMapping/>
-  </p:clrMapOvr>
-  <p:timing>
-    <p:tnLst>
-      <p:par>
-        <p:cTn id="1" dur="indefinite" restart="never" nodeType="tmRoot">
-          <p:childTnLst>
-            <p:seq concurrent="1" nextAc="seek">
-              <p:cTn id="2" dur="indefinite" nodeType="mainSeq">
-                <p:childTnLst>
-                  <p:par>
-                    <p:cTn id="3" fill="hold">
-                      <p:stCondLst>
-                        <p:cond delay="indefinite"/>
-                      </p:stCondLst>
-                      <p:childTnLst>
-                        <p:par>
-                          <p:cTn id="4" fill="hold">
-                            <p:stCondLst>
-                              <p:cond delay="0"/>
-                            </p:stCondLst>
-                            <p:childTnLst>
-                              <p:par>
-                                <p:cTn id="5" presetID="1" presetClass="entr" presetSubtype="0" fill="hold" nodeType="clickEffect">
-                                  <p:stCondLst>
-                                    <p:cond delay="0"/>
-                                  </p:stCondLst>
-                                  <p:childTnLst>
-                                    <p:set>
-                                      <p:cBhvr>
-                                        <p:cTn id="6" dur="1" fill="hold">
-                                          <p:stCondLst>
-                                            <p:cond delay="0"/>
-                                          </p:stCondLst>
-                                        </p:cTn>
-                                        <p:tgtEl>
-                                          <p:spTgt spid="6"/>
-                                        </p:tgtEl>
-                                        <p:attrNameLst>
-                                          <p:attrName>style.visibility</p:attrName>
-                                        </p:attrNameLst>
-                                      </p:cBhvr>
-                                      <p:to>
-                                        <p:strVal val="visible"/>
-                                      </p:to>
-                                    </p:set>
-                                  </p:childTnLst>
-                                </p:cTn>
-                              </p:par>
-                              <p:par>
-                                <p:cTn id="7" presetID="1" presetClass="entr" presetSubtype="0" fill="hold" grpId="0" nodeType="withEffect">
-                                  <p:stCondLst>
-                                    <p:cond delay="0"/>
-                                  </p:stCondLst>
-                                  <p:childTnLst>
-                                    <p:set>
-                                      <p:cBhvr>
-                                        <p:cTn id="8" dur="1" fill="hold">
-                                          <p:stCondLst>
-                                            <p:cond delay="0"/>
-                                          </p:stCondLst>
-                                        </p:cTn>
-                                        <p:tgtEl>
-                                          <p:spTgt spid="7"/>
-                                        </p:tgtEl>
-                                        <p:attrNameLst>
-                                          <p:attrName>style.visibility</p:attrName>
-                                        </p:attrNameLst>
-                                      </p:cBhvr>
-                                      <p:to>
-                                        <p:strVal val="visible"/>
-                                      </p:to>
-                                    </p:set>
-                                  </p:childTnLst>
-                                </p:cTn>
-                              </p:par>
-                              <p:par>
-                                <p:cTn id="9" presetID="1" presetClass="entr" presetSubtype="0" fill="hold" nodeType="withEffect">
-                                  <p:stCondLst>
-                                    <p:cond delay="0"/>
-                                  </p:stCondLst>
-                                  <p:childTnLst>
-                                    <p:set>
-                                      <p:cBhvr>
-                                        <p:cTn id="10" dur="1" fill="hold">
-                                          <p:stCondLst>
-                                            <p:cond delay="0"/>
-                                          </p:stCondLst>
-                                        </p:cTn>
-                                        <p:tgtEl>
-                                          <p:spTgt spid="3"/>
-                                        </p:tgtEl>
-                                        <p:attrNameLst>
-                                          <p:attrName>style.visibility</p:attrName>
-                                        </p:attrNameLst>
-                                      </p:cBhvr>
-                                      <p:to>
-                                        <p:strVal val="visible"/>
-                                      </p:to>
-                                    </p:set>
-                                  </p:childTnLst>
-                                </p:cTn>
-                              </p:par>
-                              <p:par>
-                                <p:cTn id="11" presetID="1" presetClass="entr" presetSubtype="0" fill="hold" nodeType="withEffect">
-                                  <p:stCondLst>
-                                    <p:cond delay="0"/>
-                                  </p:stCondLst>
-                                  <p:childTnLst>
-                                    <p:set>
-                                      <p:cBhvr>
-                                        <p:cTn id="12" dur="1" fill="hold">
-                                          <p:stCondLst>
-                                            <p:cond delay="0"/>
-                                          </p:stCondLst>
-                                        </p:cTn>
-                                        <p:tgtEl>
-                                          <p:spTgt spid="5"/>
-                                        </p:tgtEl>
-                                        <p:attrNameLst>
-                                          <p:attrName>style.visibility</p:attrName>
-                                        </p:attrNameLst>
-                                      </p:cBhvr>
-                                      <p:to>
-                                        <p:strVal val="visible"/>
-                                      </p:to>
-                                    </p:set>
-                                  </p:childTnLst>
-                                </p:cTn>
-                              </p:par>
-                            </p:childTnLst>
-                          </p:cTn>
-                        </p:par>
-                      </p:childTnLst>
-                    </p:cTn>
-                  </p:par>
-                  <p:par>
-                    <p:cTn id="13" fill="hold">
-                      <p:stCondLst>
-                        <p:cond delay="indefinite"/>
-                      </p:stCondLst>
-                      <p:childTnLst>
-                        <p:par>
-                          <p:cTn id="14" fill="hold">
-                            <p:stCondLst>
-                              <p:cond delay="0"/>
-                            </p:stCondLst>
-                            <p:childTnLst>
-                              <p:par>
-                                <p:cTn id="15" presetID="1" presetClass="entr" presetSubtype="0" fill="hold" grpId="0" nodeType="clickEffect">
-                                  <p:stCondLst>
-                                    <p:cond delay="0"/>
-                                  </p:stCondLst>
-                                  <p:childTnLst>
-                                    <p:set>
-                                      <p:cBhvr>
-                                        <p:cTn id="16" dur="1" fill="hold">
-                                          <p:stCondLst>
-                                            <p:cond delay="0"/>
-                                          </p:stCondLst>
-                                        </p:cTn>
-                                        <p:tgtEl>
-                                          <p:spTgt spid="12"/>
-                                        </p:tgtEl>
-                                        <p:attrNameLst>
-                                          <p:attrName>style.visibility</p:attrName>
-                                        </p:attrNameLst>
-                                      </p:cBhvr>
-                                      <p:to>
-                                        <p:strVal val="visible"/>
-                                      </p:to>
-                                    </p:set>
-                                  </p:childTnLst>
-                                </p:cTn>
-                              </p:par>
-                            </p:childTnLst>
-                          </p:cTn>
-                        </p:par>
-                      </p:childTnLst>
-                    </p:cTn>
-                  </p:par>
-                  <p:par>
-                    <p:cTn id="17" fill="hold">
-                      <p:stCondLst>
-                        <p:cond delay="indefinite"/>
-                      </p:stCondLst>
-                      <p:childTnLst>
-                        <p:par>
-                          <p:cTn id="18" fill="hold">
-                            <p:stCondLst>
-                              <p:cond delay="0"/>
-                            </p:stCondLst>
-                            <p:childTnLst>
-                              <p:par>
-                                <p:cTn id="19" presetID="1" presetClass="entr" presetSubtype="0" fill="hold" nodeType="clickEffect">
-                                  <p:stCondLst>
-                                    <p:cond delay="0"/>
-                                  </p:stCondLst>
-                                  <p:childTnLst>
-                                    <p:set>
-                                      <p:cBhvr>
-                                        <p:cTn id="20" dur="1" fill="hold">
-                                          <p:stCondLst>
-                                            <p:cond delay="0"/>
-                                          </p:stCondLst>
-                                        </p:cTn>
-                                        <p:tgtEl>
-                                          <p:spTgt spid="11"/>
-                                        </p:tgtEl>
-                                        <p:attrNameLst>
-                                          <p:attrName>style.visibility</p:attrName>
-                                        </p:attrNameLst>
-                                      </p:cBhvr>
-                                      <p:to>
-                                        <p:strVal val="visible"/>
-                                      </p:to>
-                                    </p:set>
-                                  </p:childTnLst>
-                                </p:cTn>
-                              </p:par>
-                              <p:par>
-                                <p:cTn id="21" presetID="1" presetClass="entr" presetSubtype="0" fill="hold" grpId="0" nodeType="withEffect">
-                                  <p:stCondLst>
-                                    <p:cond delay="0"/>
-                                  </p:stCondLst>
-                                  <p:childTnLst>
-                                    <p:set>
-                                      <p:cBhvr>
-                                        <p:cTn id="22" dur="1" fill="hold">
-                                          <p:stCondLst>
-                                            <p:cond delay="0"/>
-                                          </p:stCondLst>
-                                        </p:cTn>
-                                        <p:tgtEl>
-                                          <p:spTgt spid="13"/>
-                                        </p:tgtEl>
-                                        <p:attrNameLst>
-                                          <p:attrName>style.visibility</p:attrName>
-                                        </p:attrNameLst>
-                                      </p:cBhvr>
-                                      <p:to>
-                                        <p:strVal val="visible"/>
-                                      </p:to>
-                                    </p:set>
-                                  </p:childTnLst>
-                                </p:cTn>
-                              </p:par>
-                            </p:childTnLst>
-                          </p:cTn>
-                        </p:par>
-                      </p:childTnLst>
-                    </p:cTn>
-                  </p:par>
-                  <p:par>
-                    <p:cTn id="23" fill="hold">
-                      <p:stCondLst>
-                        <p:cond delay="indefinite"/>
-                      </p:stCondLst>
-                      <p:childTnLst>
-                        <p:par>
-                          <p:cTn id="24" fill="hold">
-                            <p:stCondLst>
-                              <p:cond delay="0"/>
-                            </p:stCondLst>
-                            <p:childTnLst>
-                              <p:par>
-                                <p:cTn id="25" presetID="1" presetClass="entr" presetSubtype="0" fill="hold" nodeType="clickEffect">
-                                  <p:stCondLst>
-                                    <p:cond delay="0"/>
-                                  </p:stCondLst>
-                                  <p:childTnLst>
-                                    <p:set>
-                                      <p:cBhvr>
-                                        <p:cTn id="26" dur="1" fill="hold">
-                                          <p:stCondLst>
-                                            <p:cond delay="0"/>
-                                          </p:stCondLst>
-                                        </p:cTn>
-                                        <p:tgtEl>
-                                          <p:spTgt spid="15"/>
-                                        </p:tgtEl>
-                                        <p:attrNameLst>
-                                          <p:attrName>style.visibility</p:attrName>
-                                        </p:attrNameLst>
-                                      </p:cBhvr>
-                                      <p:to>
-                                        <p:strVal val="visible"/>
-                                      </p:to>
-                                    </p:set>
-                                  </p:childTnLst>
-                                </p:cTn>
-                              </p:par>
-                              <p:par>
-                                <p:cTn id="27" presetID="1" presetClass="entr" presetSubtype="0" fill="hold" nodeType="withEffect">
-                                  <p:stCondLst>
-                                    <p:cond delay="0"/>
-                                  </p:stCondLst>
-                                  <p:childTnLst>
-                                    <p:set>
-                                      <p:cBhvr>
-                                        <p:cTn id="28" dur="1" fill="hold">
-                                          <p:stCondLst>
-                                            <p:cond delay="0"/>
-                                          </p:stCondLst>
-                                        </p:cTn>
-                                        <p:tgtEl>
-                                          <p:spTgt spid="3074"/>
-                                        </p:tgtEl>
-                                        <p:attrNameLst>
-                                          <p:attrName>style.visibility</p:attrName>
-                                        </p:attrNameLst>
-                                      </p:cBhvr>
-                                      <p:to>
-                                        <p:strVal val="visible"/>
-                                      </p:to>
-                                    </p:set>
-                                  </p:childTnLst>
-                                </p:cTn>
-                              </p:par>
-                            </p:childTnLst>
-                          </p:cTn>
-                        </p:par>
-                      </p:childTnLst>
-                    </p:cTn>
-                  </p:par>
-                  <p:par>
-                    <p:cTn id="29" fill="hold">
-                      <p:stCondLst>
-                        <p:cond delay="indefinite"/>
-                      </p:stCondLst>
-                      <p:childTnLst>
-                        <p:par>
-                          <p:cTn id="30" fill="hold">
-                            <p:stCondLst>
-                              <p:cond delay="0"/>
-                            </p:stCondLst>
-                            <p:childTnLst>
-                              <p:par>
-                                <p:cTn id="31" presetID="1" presetClass="entr" presetSubtype="0" fill="hold" nodeType="clickEffect">
-                                  <p:stCondLst>
-                                    <p:cond delay="0"/>
-                                  </p:stCondLst>
-                                  <p:childTnLst>
-                                    <p:set>
-                                      <p:cBhvr>
-                                        <p:cTn id="32" dur="1" fill="hold">
-                                          <p:stCondLst>
-                                            <p:cond delay="0"/>
-                                          </p:stCondLst>
-                                        </p:cTn>
-                                        <p:tgtEl>
-                                          <p:spTgt spid="9"/>
-                                        </p:tgtEl>
-                                        <p:attrNameLst>
-                                          <p:attrName>style.visibility</p:attrName>
-                                        </p:attrNameLst>
-                                      </p:cBhvr>
-                                      <p:to>
-                                        <p:strVal val="visible"/>
-                                      </p:to>
-                                    </p:set>
-                                  </p:childTnLst>
-                                </p:cTn>
-                              </p:par>
-                              <p:par>
-                                <p:cTn id="33" presetID="1" presetClass="entr" presetSubtype="0" fill="hold" grpId="0" nodeType="withEffect">
-                                  <p:stCondLst>
-                                    <p:cond delay="0"/>
-                                  </p:stCondLst>
-                                  <p:childTnLst>
-                                    <p:set>
-                                      <p:cBhvr>
-                                        <p:cTn id="34" dur="1" fill="hold">
-                                          <p:stCondLst>
-                                            <p:cond delay="0"/>
-                                          </p:stCondLst>
-                                        </p:cTn>
-                                        <p:tgtEl>
-                                          <p:spTgt spid="10"/>
-                                        </p:tgtEl>
-                                        <p:attrNameLst>
-                                          <p:attrName>style.visibility</p:attrName>
-                                        </p:attrNameLst>
-                                      </p:cBhvr>
-                                      <p:to>
-                                        <p:strVal val="visible"/>
-                                      </p:to>
-                                    </p:set>
-                                  </p:childTnLst>
-                                </p:cTn>
-                              </p:par>
-                            </p:childTnLst>
-                          </p:cTn>
-                        </p:par>
-                      </p:childTnLst>
-                    </p:cTn>
-                  </p:par>
-                </p:childTnLst>
-              </p:cTn>
-              <p:prevCondLst>
-                <p:cond evt="onPrev" delay="0">
-                  <p:tgtEl>
-                    <p:sldTgt/>
-                  </p:tgtEl>
-                </p:cond>
-              </p:prevCondLst>
-              <p:nextCondLst>
-                <p:cond evt="onNext" delay="0">
-                  <p:tgtEl>
-                    <p:sldTgt/>
-                  </p:tgtEl>
-                </p:cond>
-              </p:nextCondLst>
-            </p:seq>
-          </p:childTnLst>
-        </p:cTn>
-      </p:par>
-    </p:tnLst>
-    <p:bldLst>
-      <p:bldP spid="7" grpId="0" animBg="1"/>
-      <p:bldP spid="10" grpId="0" animBg="1"/>
-      <p:bldP spid="12" grpId="0"/>
-      <p:bldP spid="13" grpId="0"/>
-    </p:bldLst>
-  </p:timing>
-</p:sld>
-</file>
-
-<file path=ppt/slides/slide11.xml><?xml version="1.0" encoding="utf-8"?>
-<p:sld xmlns:a="http://schemas.openxmlformats.org/drawingml/2006/main" xmlns:r="http://schemas.openxmlformats.org/officeDocument/2006/relationships" xmlns:p="http://schemas.openxmlformats.org/presentationml/2006/main">
-  <p:cSld>
-    <p:spTree>
-      <p:nvGrpSpPr>
-        <p:cNvPr id="1" name=""/>
-        <p:cNvGrpSpPr/>
-        <p:nvPr/>
-      </p:nvGrpSpPr>
-      <p:grpSpPr>
-        <a:xfrm>
-          <a:off x="0" y="0"/>
-          <a:ext cx="0" cy="0"/>
-          <a:chOff x="0" y="0"/>
-          <a:chExt cx="0" cy="0"/>
-        </a:xfrm>
-      </p:grpSpPr>
-      <p:sp>
-        <p:nvSpPr>
-          <p:cNvPr id="2" name="제목 1">
-            <a:extLst>
-              <a:ext uri="{FF2B5EF4-FFF2-40B4-BE49-F238E27FC236}">
-                <a16:creationId xmlns:a16="http://schemas.microsoft.com/office/drawing/2014/main" id="{BE9182E0-7D4E-18DC-1C17-DE398B201BB4}"/>
-              </a:ext>
-            </a:extLst>
-          </p:cNvPr>
-          <p:cNvSpPr>
-            <a:spLocks noGrp="1"/>
-          </p:cNvSpPr>
-          <p:nvPr>
-            <p:ph type="title"/>
-          </p:nvPr>
-        </p:nvSpPr>
-        <p:spPr/>
-        <p:txBody>
-          <a:bodyPr/>
-          <a:lstStyle/>
-          <a:p>
-            <a:r>
-              <a:rPr lang="ko-KR" altLang="en-US" dirty="0"/>
-              <a:t>인공신경망</a:t>
-            </a:r>
-          </a:p>
-        </p:txBody>
-      </p:sp>
-      <p:sp>
-        <p:nvSpPr>
-          <p:cNvPr id="4" name="타원 3">
-            <a:extLst>
-              <a:ext uri="{FF2B5EF4-FFF2-40B4-BE49-F238E27FC236}">
-                <a16:creationId xmlns:a16="http://schemas.microsoft.com/office/drawing/2014/main" id="{6AB6493B-3137-D310-469D-6E654C560848}"/>
-              </a:ext>
-            </a:extLst>
-          </p:cNvPr>
-          <p:cNvSpPr/>
-          <p:nvPr/>
-        </p:nvSpPr>
-        <p:spPr>
-          <a:xfrm>
-            <a:off x="1931097" y="1951303"/>
-            <a:ext cx="718458" cy="718458"/>
-          </a:xfrm>
-          <a:prstGeom prst="ellipse">
-            <a:avLst/>
-          </a:prstGeom>
-          <a:solidFill>
-            <a:schemeClr val="bg1"/>
-          </a:solidFill>
-          <a:ln>
-            <a:solidFill>
-              <a:schemeClr val="tx1"/>
-            </a:solidFill>
-          </a:ln>
-        </p:spPr>
-        <p:style>
-          <a:lnRef idx="2">
-            <a:schemeClr val="accent1">
-              <a:shade val="15000"/>
-            </a:schemeClr>
-          </a:lnRef>
-          <a:fillRef idx="1">
-            <a:schemeClr val="accent1"/>
-          </a:fillRef>
-          <a:effectRef idx="0">
-            <a:schemeClr val="accent1"/>
-          </a:effectRef>
-          <a:fontRef idx="minor">
-            <a:schemeClr val="lt1"/>
-          </a:fontRef>
-        </p:style>
-        <p:txBody>
-          <a:bodyPr rtlCol="0" anchor="ctr"/>
-          <a:lstStyle/>
-          <a:p>
-            <a:pPr algn="ctr"/>
-            <a:endParaRPr lang="ko-KR" altLang="en-US"/>
-          </a:p>
-        </p:txBody>
-      </p:sp>
-      <p:sp>
-        <p:nvSpPr>
-          <p:cNvPr id="5" name="타원 4">
-            <a:extLst>
-              <a:ext uri="{FF2B5EF4-FFF2-40B4-BE49-F238E27FC236}">
-                <a16:creationId xmlns:a16="http://schemas.microsoft.com/office/drawing/2014/main" id="{095C12AB-F5D1-20D5-C60F-855FB8E39F38}"/>
-              </a:ext>
-            </a:extLst>
-          </p:cNvPr>
-          <p:cNvSpPr/>
-          <p:nvPr/>
-        </p:nvSpPr>
-        <p:spPr>
-          <a:xfrm>
-            <a:off x="1931097" y="3029621"/>
-            <a:ext cx="718458" cy="718458"/>
-          </a:xfrm>
-          <a:prstGeom prst="ellipse">
-            <a:avLst/>
-          </a:prstGeom>
-          <a:solidFill>
-            <a:schemeClr val="bg1"/>
-          </a:solidFill>
-          <a:ln>
-            <a:solidFill>
-              <a:schemeClr val="tx1"/>
-            </a:solidFill>
-          </a:ln>
-        </p:spPr>
-        <p:style>
-          <a:lnRef idx="2">
-            <a:schemeClr val="accent1">
-              <a:shade val="15000"/>
-            </a:schemeClr>
-          </a:lnRef>
-          <a:fillRef idx="1">
-            <a:schemeClr val="accent1"/>
-          </a:fillRef>
-          <a:effectRef idx="0">
-            <a:schemeClr val="accent1"/>
-          </a:effectRef>
-          <a:fontRef idx="minor">
-            <a:schemeClr val="lt1"/>
-          </a:fontRef>
-        </p:style>
-        <p:txBody>
-          <a:bodyPr rtlCol="0" anchor="ctr"/>
-          <a:lstStyle/>
-          <a:p>
-            <a:pPr algn="ctr"/>
-            <a:endParaRPr lang="ko-KR" altLang="en-US"/>
-          </a:p>
-        </p:txBody>
-      </p:sp>
-      <p:sp>
-        <p:nvSpPr>
-          <p:cNvPr id="6" name="타원 5">
-            <a:extLst>
-              <a:ext uri="{FF2B5EF4-FFF2-40B4-BE49-F238E27FC236}">
-                <a16:creationId xmlns:a16="http://schemas.microsoft.com/office/drawing/2014/main" id="{C4783732-2540-7982-67D5-38FBC3AA0D5F}"/>
-              </a:ext>
-            </a:extLst>
-          </p:cNvPr>
-          <p:cNvSpPr/>
-          <p:nvPr/>
-        </p:nvSpPr>
-        <p:spPr>
-          <a:xfrm>
-            <a:off x="1931097" y="4107939"/>
-            <a:ext cx="718458" cy="718458"/>
-          </a:xfrm>
-          <a:prstGeom prst="ellipse">
-            <a:avLst/>
-          </a:prstGeom>
-          <a:solidFill>
-            <a:schemeClr val="bg1"/>
-          </a:solidFill>
-          <a:ln>
-            <a:solidFill>
-              <a:schemeClr val="tx1"/>
-            </a:solidFill>
-          </a:ln>
-        </p:spPr>
-        <p:style>
-          <a:lnRef idx="2">
-            <a:schemeClr val="accent1">
-              <a:shade val="15000"/>
-            </a:schemeClr>
-          </a:lnRef>
-          <a:fillRef idx="1">
-            <a:schemeClr val="accent1"/>
-          </a:fillRef>
-          <a:effectRef idx="0">
-            <a:schemeClr val="accent1"/>
-          </a:effectRef>
-          <a:fontRef idx="minor">
-            <a:schemeClr val="lt1"/>
-          </a:fontRef>
-        </p:style>
-        <p:txBody>
-          <a:bodyPr rtlCol="0" anchor="ctr"/>
-          <a:lstStyle/>
-          <a:p>
-            <a:pPr algn="ctr"/>
-            <a:endParaRPr lang="ko-KR" altLang="en-US"/>
-          </a:p>
-        </p:txBody>
-      </p:sp>
-      <p:sp>
-        <p:nvSpPr>
-          <p:cNvPr id="7" name="타원 6">
-            <a:extLst>
-              <a:ext uri="{FF2B5EF4-FFF2-40B4-BE49-F238E27FC236}">
-                <a16:creationId xmlns:a16="http://schemas.microsoft.com/office/drawing/2014/main" id="{382ACDF1-3131-5B00-FB18-4A5A1222F8EB}"/>
-              </a:ext>
-            </a:extLst>
-          </p:cNvPr>
-          <p:cNvSpPr/>
-          <p:nvPr/>
-        </p:nvSpPr>
-        <p:spPr>
-          <a:xfrm>
-            <a:off x="1931097" y="5186257"/>
-            <a:ext cx="718458" cy="718458"/>
-          </a:xfrm>
-          <a:prstGeom prst="ellipse">
-            <a:avLst/>
-          </a:prstGeom>
-          <a:solidFill>
-            <a:schemeClr val="bg1"/>
-          </a:solidFill>
-          <a:ln>
-            <a:solidFill>
-              <a:schemeClr val="tx1"/>
-            </a:solidFill>
-          </a:ln>
-        </p:spPr>
-        <p:style>
-          <a:lnRef idx="2">
-            <a:schemeClr val="accent1">
-              <a:shade val="15000"/>
-            </a:schemeClr>
-          </a:lnRef>
-          <a:fillRef idx="1">
-            <a:schemeClr val="accent1"/>
-          </a:fillRef>
-          <a:effectRef idx="0">
-            <a:schemeClr val="accent1"/>
-          </a:effectRef>
-          <a:fontRef idx="minor">
-            <a:schemeClr val="lt1"/>
-          </a:fontRef>
-        </p:style>
-        <p:txBody>
-          <a:bodyPr rtlCol="0" anchor="ctr"/>
-          <a:lstStyle/>
-          <a:p>
-            <a:pPr algn="ctr"/>
-            <a:endParaRPr lang="ko-KR" altLang="en-US"/>
-          </a:p>
-        </p:txBody>
-      </p:sp>
-      <p:grpSp>
-        <p:nvGrpSpPr>
-          <p:cNvPr id="11" name="그룹 10">
-            <a:extLst>
-              <a:ext uri="{FF2B5EF4-FFF2-40B4-BE49-F238E27FC236}">
-                <a16:creationId xmlns:a16="http://schemas.microsoft.com/office/drawing/2014/main" id="{758BC976-C7A1-7F59-35F9-32F0A16A1D07}"/>
-              </a:ext>
-            </a:extLst>
-          </p:cNvPr>
-          <p:cNvGrpSpPr/>
-          <p:nvPr/>
-        </p:nvGrpSpPr>
-        <p:grpSpPr>
-          <a:xfrm>
-            <a:off x="4322844" y="2523580"/>
-            <a:ext cx="718458" cy="2828436"/>
-            <a:chOff x="4472474" y="2398889"/>
-            <a:chExt cx="718458" cy="2828436"/>
-          </a:xfrm>
-        </p:grpSpPr>
-        <p:sp>
-          <p:nvSpPr>
-            <p:cNvPr id="8" name="타원 7">
-              <a:extLst>
-                <a:ext uri="{FF2B5EF4-FFF2-40B4-BE49-F238E27FC236}">
-                  <a16:creationId xmlns:a16="http://schemas.microsoft.com/office/drawing/2014/main" id="{AB8D77B2-47DB-1DB3-DE59-620D40F7C495}"/>
-                </a:ext>
-              </a:extLst>
-            </p:cNvPr>
-            <p:cNvSpPr/>
-            <p:nvPr/>
-          </p:nvSpPr>
-          <p:spPr>
-            <a:xfrm>
-              <a:off x="4472474" y="2398889"/>
-              <a:ext cx="718458" cy="718458"/>
-            </a:xfrm>
-            <a:prstGeom prst="ellipse">
-              <a:avLst/>
-            </a:prstGeom>
-            <a:solidFill>
-              <a:schemeClr val="bg1"/>
-            </a:solidFill>
-            <a:ln>
-              <a:solidFill>
-                <a:schemeClr val="tx1"/>
-              </a:solidFill>
-            </a:ln>
-          </p:spPr>
-          <p:style>
-            <a:lnRef idx="2">
-              <a:schemeClr val="accent1">
-                <a:shade val="15000"/>
-              </a:schemeClr>
-            </a:lnRef>
-            <a:fillRef idx="1">
-              <a:schemeClr val="accent1"/>
-            </a:fillRef>
-            <a:effectRef idx="0">
-              <a:schemeClr val="accent1"/>
-            </a:effectRef>
-            <a:fontRef idx="minor">
-              <a:schemeClr val="lt1"/>
-            </a:fontRef>
-          </p:style>
-          <p:txBody>
-            <a:bodyPr rtlCol="0" anchor="ctr"/>
-            <a:lstStyle/>
-            <a:p>
-              <a:pPr algn="ctr"/>
-              <a:endParaRPr lang="ko-KR" altLang="en-US"/>
-            </a:p>
-          </p:txBody>
-        </p:sp>
-        <p:sp>
-          <p:nvSpPr>
-            <p:cNvPr id="9" name="타원 8">
-              <a:extLst>
-                <a:ext uri="{FF2B5EF4-FFF2-40B4-BE49-F238E27FC236}">
-                  <a16:creationId xmlns:a16="http://schemas.microsoft.com/office/drawing/2014/main" id="{215FC172-534B-E726-99B8-5810202A9130}"/>
-                </a:ext>
-              </a:extLst>
-            </p:cNvPr>
-            <p:cNvSpPr/>
-            <p:nvPr/>
-          </p:nvSpPr>
-          <p:spPr>
-            <a:xfrm>
-              <a:off x="4472474" y="3466319"/>
-              <a:ext cx="718458" cy="718458"/>
-            </a:xfrm>
-            <a:prstGeom prst="ellipse">
-              <a:avLst/>
-            </a:prstGeom>
-            <a:solidFill>
-              <a:schemeClr val="bg1"/>
-            </a:solidFill>
-            <a:ln>
-              <a:solidFill>
-                <a:schemeClr val="tx1"/>
-              </a:solidFill>
-            </a:ln>
-          </p:spPr>
-          <p:style>
-            <a:lnRef idx="2">
-              <a:schemeClr val="accent1">
-                <a:shade val="15000"/>
-              </a:schemeClr>
-            </a:lnRef>
-            <a:fillRef idx="1">
-              <a:schemeClr val="accent1"/>
-            </a:fillRef>
-            <a:effectRef idx="0">
-              <a:schemeClr val="accent1"/>
-            </a:effectRef>
-            <a:fontRef idx="minor">
-              <a:schemeClr val="lt1"/>
-            </a:fontRef>
-          </p:style>
-          <p:txBody>
-            <a:bodyPr rtlCol="0" anchor="ctr"/>
-            <a:lstStyle/>
-            <a:p>
-              <a:pPr algn="ctr"/>
-              <a:endParaRPr lang="ko-KR" altLang="en-US"/>
-            </a:p>
-          </p:txBody>
-        </p:sp>
-        <p:sp>
-          <p:nvSpPr>
-            <p:cNvPr id="10" name="타원 9">
-              <a:extLst>
-                <a:ext uri="{FF2B5EF4-FFF2-40B4-BE49-F238E27FC236}">
-                  <a16:creationId xmlns:a16="http://schemas.microsoft.com/office/drawing/2014/main" id="{E9831CAB-D36B-9BC9-7BE0-74F099D6A11C}"/>
-                </a:ext>
-              </a:extLst>
-            </p:cNvPr>
-            <p:cNvSpPr/>
-            <p:nvPr/>
-          </p:nvSpPr>
-          <p:spPr>
-            <a:xfrm>
-              <a:off x="4472474" y="4508867"/>
-              <a:ext cx="718458" cy="718458"/>
-            </a:xfrm>
-            <a:prstGeom prst="ellipse">
-              <a:avLst/>
-            </a:prstGeom>
-            <a:solidFill>
-              <a:schemeClr val="bg1"/>
-            </a:solidFill>
-            <a:ln>
-              <a:solidFill>
-                <a:schemeClr val="tx1"/>
-              </a:solidFill>
-            </a:ln>
-          </p:spPr>
-          <p:style>
-            <a:lnRef idx="2">
-              <a:schemeClr val="accent1">
-                <a:shade val="15000"/>
-              </a:schemeClr>
-            </a:lnRef>
-            <a:fillRef idx="1">
-              <a:schemeClr val="accent1"/>
-            </a:fillRef>
-            <a:effectRef idx="0">
-              <a:schemeClr val="accent1"/>
-            </a:effectRef>
-            <a:fontRef idx="minor">
-              <a:schemeClr val="lt1"/>
-            </a:fontRef>
-          </p:style>
-          <p:txBody>
-            <a:bodyPr rtlCol="0" anchor="ctr"/>
-            <a:lstStyle/>
-            <a:p>
-              <a:pPr algn="ctr"/>
-              <a:endParaRPr lang="ko-KR" altLang="en-US"/>
-            </a:p>
-          </p:txBody>
-        </p:sp>
-      </p:grpSp>
-      <p:grpSp>
-        <p:nvGrpSpPr>
-          <p:cNvPr id="12" name="그룹 11">
-            <a:extLst>
-              <a:ext uri="{FF2B5EF4-FFF2-40B4-BE49-F238E27FC236}">
-                <a16:creationId xmlns:a16="http://schemas.microsoft.com/office/drawing/2014/main" id="{02F4AD71-91E9-5154-21A2-439863F81E68}"/>
-              </a:ext>
-            </a:extLst>
-          </p:cNvPr>
-          <p:cNvGrpSpPr/>
-          <p:nvPr/>
-        </p:nvGrpSpPr>
-        <p:grpSpPr>
-          <a:xfrm>
-            <a:off x="6248060" y="2536021"/>
-            <a:ext cx="718458" cy="2828436"/>
-            <a:chOff x="4472474" y="2398889"/>
-            <a:chExt cx="718458" cy="2828436"/>
-          </a:xfrm>
-        </p:grpSpPr>
-        <p:sp>
-          <p:nvSpPr>
-            <p:cNvPr id="13" name="타원 12">
-              <a:extLst>
-                <a:ext uri="{FF2B5EF4-FFF2-40B4-BE49-F238E27FC236}">
-                  <a16:creationId xmlns:a16="http://schemas.microsoft.com/office/drawing/2014/main" id="{BB81CCAD-CC2E-8A24-EB61-BC4481E4BDF2}"/>
-                </a:ext>
-              </a:extLst>
-            </p:cNvPr>
-            <p:cNvSpPr/>
-            <p:nvPr/>
-          </p:nvSpPr>
-          <p:spPr>
-            <a:xfrm>
-              <a:off x="4472474" y="2398889"/>
-              <a:ext cx="718458" cy="718458"/>
-            </a:xfrm>
-            <a:prstGeom prst="ellipse">
-              <a:avLst/>
-            </a:prstGeom>
-            <a:solidFill>
-              <a:schemeClr val="bg1"/>
-            </a:solidFill>
-            <a:ln>
-              <a:solidFill>
-                <a:schemeClr val="tx1"/>
-              </a:solidFill>
-            </a:ln>
-          </p:spPr>
-          <p:style>
-            <a:lnRef idx="2">
-              <a:schemeClr val="accent1">
-                <a:shade val="15000"/>
-              </a:schemeClr>
-            </a:lnRef>
-            <a:fillRef idx="1">
-              <a:schemeClr val="accent1"/>
-            </a:fillRef>
-            <a:effectRef idx="0">
-              <a:schemeClr val="accent1"/>
-            </a:effectRef>
-            <a:fontRef idx="minor">
-              <a:schemeClr val="lt1"/>
-            </a:fontRef>
-          </p:style>
-          <p:txBody>
-            <a:bodyPr rtlCol="0" anchor="ctr"/>
-            <a:lstStyle/>
-            <a:p>
-              <a:pPr algn="ctr"/>
-              <a:endParaRPr lang="ko-KR" altLang="en-US"/>
-            </a:p>
-          </p:txBody>
-        </p:sp>
-        <p:sp>
-          <p:nvSpPr>
-            <p:cNvPr id="14" name="타원 13">
-              <a:extLst>
-                <a:ext uri="{FF2B5EF4-FFF2-40B4-BE49-F238E27FC236}">
-                  <a16:creationId xmlns:a16="http://schemas.microsoft.com/office/drawing/2014/main" id="{B4D249BE-7B03-46AF-DB6A-391167AEEB2D}"/>
-                </a:ext>
-              </a:extLst>
-            </p:cNvPr>
-            <p:cNvSpPr/>
-            <p:nvPr/>
-          </p:nvSpPr>
-          <p:spPr>
-            <a:xfrm>
-              <a:off x="4472474" y="3466319"/>
-              <a:ext cx="718458" cy="718458"/>
-            </a:xfrm>
-            <a:prstGeom prst="ellipse">
-              <a:avLst/>
-            </a:prstGeom>
-            <a:solidFill>
-              <a:schemeClr val="bg1"/>
-            </a:solidFill>
-            <a:ln>
-              <a:solidFill>
-                <a:schemeClr val="tx1"/>
-              </a:solidFill>
-            </a:ln>
-          </p:spPr>
-          <p:style>
-            <a:lnRef idx="2">
-              <a:schemeClr val="accent1">
-                <a:shade val="15000"/>
-              </a:schemeClr>
-            </a:lnRef>
-            <a:fillRef idx="1">
-              <a:schemeClr val="accent1"/>
-            </a:fillRef>
-            <a:effectRef idx="0">
-              <a:schemeClr val="accent1"/>
-            </a:effectRef>
-            <a:fontRef idx="minor">
-              <a:schemeClr val="lt1"/>
-            </a:fontRef>
-          </p:style>
-          <p:txBody>
-            <a:bodyPr rtlCol="0" anchor="ctr"/>
-            <a:lstStyle/>
-            <a:p>
-              <a:pPr algn="ctr"/>
-              <a:endParaRPr lang="ko-KR" altLang="en-US"/>
-            </a:p>
-          </p:txBody>
-        </p:sp>
-        <p:sp>
-          <p:nvSpPr>
-            <p:cNvPr id="15" name="타원 14">
-              <a:extLst>
-                <a:ext uri="{FF2B5EF4-FFF2-40B4-BE49-F238E27FC236}">
-                  <a16:creationId xmlns:a16="http://schemas.microsoft.com/office/drawing/2014/main" id="{AA0FA970-4FFC-482A-0BF4-9A9856CC061F}"/>
-                </a:ext>
-              </a:extLst>
-            </p:cNvPr>
-            <p:cNvSpPr/>
-            <p:nvPr/>
-          </p:nvSpPr>
-          <p:spPr>
-            <a:xfrm>
-              <a:off x="4472474" y="4508867"/>
-              <a:ext cx="718458" cy="718458"/>
-            </a:xfrm>
-            <a:prstGeom prst="ellipse">
-              <a:avLst/>
-            </a:prstGeom>
-            <a:solidFill>
-              <a:schemeClr val="bg1"/>
-            </a:solidFill>
-            <a:ln>
-              <a:solidFill>
-                <a:schemeClr val="tx1"/>
-              </a:solidFill>
-            </a:ln>
-          </p:spPr>
-          <p:style>
-            <a:lnRef idx="2">
-              <a:schemeClr val="accent1">
-                <a:shade val="15000"/>
-              </a:schemeClr>
-            </a:lnRef>
-            <a:fillRef idx="1">
-              <a:schemeClr val="accent1"/>
-            </a:fillRef>
-            <a:effectRef idx="0">
-              <a:schemeClr val="accent1"/>
-            </a:effectRef>
-            <a:fontRef idx="minor">
-              <a:schemeClr val="lt1"/>
-            </a:fontRef>
-          </p:style>
-          <p:txBody>
-            <a:bodyPr rtlCol="0" anchor="ctr"/>
-            <a:lstStyle/>
-            <a:p>
-              <a:pPr algn="ctr"/>
-              <a:endParaRPr lang="ko-KR" altLang="en-US"/>
-            </a:p>
-          </p:txBody>
-        </p:sp>
-      </p:grpSp>
-      <p:sp>
-        <p:nvSpPr>
-          <p:cNvPr id="16" name="타원 15">
-            <a:extLst>
-              <a:ext uri="{FF2B5EF4-FFF2-40B4-BE49-F238E27FC236}">
-                <a16:creationId xmlns:a16="http://schemas.microsoft.com/office/drawing/2014/main" id="{6C3E85DC-9D70-5360-AA33-6C3176C66B2D}"/>
-              </a:ext>
-            </a:extLst>
-          </p:cNvPr>
-          <p:cNvSpPr/>
-          <p:nvPr/>
-        </p:nvSpPr>
-        <p:spPr>
-          <a:xfrm>
-            <a:off x="8639807" y="3090270"/>
-            <a:ext cx="718458" cy="718458"/>
-          </a:xfrm>
-          <a:prstGeom prst="ellipse">
-            <a:avLst/>
-          </a:prstGeom>
-          <a:solidFill>
-            <a:schemeClr val="bg1"/>
-          </a:solidFill>
-          <a:ln>
-            <a:solidFill>
-              <a:schemeClr val="tx1"/>
-            </a:solidFill>
-          </a:ln>
-        </p:spPr>
-        <p:style>
-          <a:lnRef idx="2">
-            <a:schemeClr val="accent1">
-              <a:shade val="15000"/>
-            </a:schemeClr>
-          </a:lnRef>
-          <a:fillRef idx="1">
-            <a:schemeClr val="accent1"/>
-          </a:fillRef>
-          <a:effectRef idx="0">
-            <a:schemeClr val="accent1"/>
-          </a:effectRef>
-          <a:fontRef idx="minor">
-            <a:schemeClr val="lt1"/>
-          </a:fontRef>
-        </p:style>
-        <p:txBody>
-          <a:bodyPr rtlCol="0" anchor="ctr"/>
-          <a:lstStyle/>
-          <a:p>
-            <a:pPr algn="ctr"/>
-            <a:endParaRPr lang="ko-KR" altLang="en-US"/>
-          </a:p>
-        </p:txBody>
-      </p:sp>
-      <p:sp>
-        <p:nvSpPr>
-          <p:cNvPr id="17" name="타원 16">
-            <a:extLst>
-              <a:ext uri="{FF2B5EF4-FFF2-40B4-BE49-F238E27FC236}">
-                <a16:creationId xmlns:a16="http://schemas.microsoft.com/office/drawing/2014/main" id="{1768CEA9-758F-F160-D783-B00E6BF97C97}"/>
-              </a:ext>
-            </a:extLst>
-          </p:cNvPr>
-          <p:cNvSpPr/>
-          <p:nvPr/>
-        </p:nvSpPr>
-        <p:spPr>
-          <a:xfrm>
-            <a:off x="8639807" y="4107939"/>
-            <a:ext cx="718458" cy="718458"/>
-          </a:xfrm>
-          <a:prstGeom prst="ellipse">
-            <a:avLst/>
-          </a:prstGeom>
-          <a:solidFill>
-            <a:schemeClr val="bg1"/>
-          </a:solidFill>
-          <a:ln>
-            <a:solidFill>
-              <a:schemeClr val="tx1"/>
-            </a:solidFill>
-          </a:ln>
-        </p:spPr>
-        <p:style>
-          <a:lnRef idx="2">
-            <a:schemeClr val="accent1">
-              <a:shade val="15000"/>
-            </a:schemeClr>
-          </a:lnRef>
-          <a:fillRef idx="1">
-            <a:schemeClr val="accent1"/>
-          </a:fillRef>
-          <a:effectRef idx="0">
-            <a:schemeClr val="accent1"/>
-          </a:effectRef>
-          <a:fontRef idx="minor">
-            <a:schemeClr val="lt1"/>
-          </a:fontRef>
-        </p:style>
-        <p:txBody>
-          <a:bodyPr rtlCol="0" anchor="ctr"/>
-          <a:lstStyle/>
-          <a:p>
-            <a:pPr algn="ctr"/>
-            <a:endParaRPr lang="ko-KR" altLang="en-US"/>
-          </a:p>
-        </p:txBody>
-      </p:sp>
-      <p:cxnSp>
-        <p:nvCxnSpPr>
-          <p:cNvPr id="19" name="직선 연결선 18">
-            <a:extLst>
-              <a:ext uri="{FF2B5EF4-FFF2-40B4-BE49-F238E27FC236}">
-                <a16:creationId xmlns:a16="http://schemas.microsoft.com/office/drawing/2014/main" id="{185993F5-4C3C-DD69-81E5-AA9B277CA428}"/>
-              </a:ext>
-            </a:extLst>
-          </p:cNvPr>
-          <p:cNvCxnSpPr>
-            <a:stCxn id="4" idx="6"/>
-            <a:endCxn id="8" idx="2"/>
-          </p:cNvCxnSpPr>
-          <p:nvPr/>
-        </p:nvCxnSpPr>
-        <p:spPr>
-          <a:xfrm>
-            <a:off x="2649555" y="2310532"/>
-            <a:ext cx="1673289" cy="572277"/>
-          </a:xfrm>
-          <a:prstGeom prst="line">
-            <a:avLst/>
-          </a:prstGeom>
-        </p:spPr>
-        <p:style>
-          <a:lnRef idx="1">
-            <a:schemeClr val="accent1"/>
-          </a:lnRef>
-          <a:fillRef idx="0">
-            <a:schemeClr val="accent1"/>
-          </a:fillRef>
-          <a:effectRef idx="0">
-            <a:schemeClr val="accent1"/>
-          </a:effectRef>
-          <a:fontRef idx="minor">
-            <a:schemeClr val="tx1"/>
-          </a:fontRef>
-        </p:style>
-      </p:cxnSp>
-      <p:cxnSp>
-        <p:nvCxnSpPr>
-          <p:cNvPr id="21" name="직선 연결선 20">
-            <a:extLst>
-              <a:ext uri="{FF2B5EF4-FFF2-40B4-BE49-F238E27FC236}">
-                <a16:creationId xmlns:a16="http://schemas.microsoft.com/office/drawing/2014/main" id="{BF69EE9C-2845-6980-08C8-4262C6512BD1}"/>
-              </a:ext>
-            </a:extLst>
-          </p:cNvPr>
-          <p:cNvCxnSpPr>
-            <a:stCxn id="5" idx="6"/>
-            <a:endCxn id="8" idx="2"/>
-          </p:cNvCxnSpPr>
-          <p:nvPr/>
-        </p:nvCxnSpPr>
-        <p:spPr>
-          <a:xfrm flipV="1">
-            <a:off x="2649555" y="2882809"/>
-            <a:ext cx="1673289" cy="506041"/>
-          </a:xfrm>
-          <a:prstGeom prst="line">
-            <a:avLst/>
-          </a:prstGeom>
-        </p:spPr>
-        <p:style>
-          <a:lnRef idx="1">
-            <a:schemeClr val="accent1"/>
-          </a:lnRef>
-          <a:fillRef idx="0">
-            <a:schemeClr val="accent1"/>
-          </a:fillRef>
-          <a:effectRef idx="0">
-            <a:schemeClr val="accent1"/>
-          </a:effectRef>
-          <a:fontRef idx="minor">
-            <a:schemeClr val="tx1"/>
-          </a:fontRef>
-        </p:style>
-      </p:cxnSp>
-      <p:cxnSp>
-        <p:nvCxnSpPr>
-          <p:cNvPr id="23" name="직선 연결선 22">
-            <a:extLst>
-              <a:ext uri="{FF2B5EF4-FFF2-40B4-BE49-F238E27FC236}">
-                <a16:creationId xmlns:a16="http://schemas.microsoft.com/office/drawing/2014/main" id="{D284B2A1-2C58-09C2-5C13-155FB595C99A}"/>
-              </a:ext>
-            </a:extLst>
-          </p:cNvPr>
-          <p:cNvCxnSpPr>
-            <a:stCxn id="6" idx="6"/>
-            <a:endCxn id="8" idx="2"/>
-          </p:cNvCxnSpPr>
-          <p:nvPr/>
-        </p:nvCxnSpPr>
-        <p:spPr>
-          <a:xfrm flipV="1">
-            <a:off x="2649555" y="2882809"/>
-            <a:ext cx="1673289" cy="1584359"/>
-          </a:xfrm>
-          <a:prstGeom prst="line">
-            <a:avLst/>
-          </a:prstGeom>
-        </p:spPr>
-        <p:style>
-          <a:lnRef idx="1">
-            <a:schemeClr val="accent1"/>
-          </a:lnRef>
-          <a:fillRef idx="0">
-            <a:schemeClr val="accent1"/>
-          </a:fillRef>
-          <a:effectRef idx="0">
-            <a:schemeClr val="accent1"/>
-          </a:effectRef>
-          <a:fontRef idx="minor">
-            <a:schemeClr val="tx1"/>
-          </a:fontRef>
-        </p:style>
-      </p:cxnSp>
-      <p:cxnSp>
-        <p:nvCxnSpPr>
-          <p:cNvPr id="24" name="직선 연결선 23">
-            <a:extLst>
-              <a:ext uri="{FF2B5EF4-FFF2-40B4-BE49-F238E27FC236}">
-                <a16:creationId xmlns:a16="http://schemas.microsoft.com/office/drawing/2014/main" id="{2B831103-E742-7F1D-716D-078F9564D15B}"/>
-              </a:ext>
-            </a:extLst>
-          </p:cNvPr>
-          <p:cNvCxnSpPr>
-            <a:cxnSpLocks/>
-            <a:stCxn id="7" idx="6"/>
-            <a:endCxn id="8" idx="2"/>
-          </p:cNvCxnSpPr>
-          <p:nvPr/>
-        </p:nvCxnSpPr>
-        <p:spPr>
-          <a:xfrm flipV="1">
-            <a:off x="2649555" y="2882809"/>
-            <a:ext cx="1673289" cy="2662677"/>
-          </a:xfrm>
-          <a:prstGeom prst="line">
-            <a:avLst/>
-          </a:prstGeom>
-        </p:spPr>
-        <p:style>
-          <a:lnRef idx="1">
-            <a:schemeClr val="accent1"/>
-          </a:lnRef>
-          <a:fillRef idx="0">
-            <a:schemeClr val="accent1"/>
-          </a:fillRef>
-          <a:effectRef idx="0">
-            <a:schemeClr val="accent1"/>
-          </a:effectRef>
-          <a:fontRef idx="minor">
-            <a:schemeClr val="tx1"/>
-          </a:fontRef>
-        </p:style>
-      </p:cxnSp>
-      <p:cxnSp>
-        <p:nvCxnSpPr>
-          <p:cNvPr id="27" name="직선 연결선 26">
-            <a:extLst>
-              <a:ext uri="{FF2B5EF4-FFF2-40B4-BE49-F238E27FC236}">
-                <a16:creationId xmlns:a16="http://schemas.microsoft.com/office/drawing/2014/main" id="{3CB9945B-21AC-76B3-E444-05BF2106ED2D}"/>
-              </a:ext>
-            </a:extLst>
-          </p:cNvPr>
-          <p:cNvCxnSpPr>
-            <a:cxnSpLocks/>
-            <a:stCxn id="4" idx="6"/>
-            <a:endCxn id="9" idx="2"/>
-          </p:cNvCxnSpPr>
-          <p:nvPr/>
-        </p:nvCxnSpPr>
-        <p:spPr>
-          <a:xfrm>
-            <a:off x="2649555" y="2310532"/>
-            <a:ext cx="1673289" cy="1639707"/>
-          </a:xfrm>
-          <a:prstGeom prst="line">
-            <a:avLst/>
-          </a:prstGeom>
-        </p:spPr>
-        <p:style>
-          <a:lnRef idx="1">
-            <a:schemeClr val="accent1"/>
-          </a:lnRef>
-          <a:fillRef idx="0">
-            <a:schemeClr val="accent1"/>
-          </a:fillRef>
-          <a:effectRef idx="0">
-            <a:schemeClr val="accent1"/>
-          </a:effectRef>
-          <a:fontRef idx="minor">
-            <a:schemeClr val="tx1"/>
-          </a:fontRef>
-        </p:style>
-      </p:cxnSp>
-      <p:cxnSp>
-        <p:nvCxnSpPr>
-          <p:cNvPr id="30" name="직선 연결선 29">
-            <a:extLst>
-              <a:ext uri="{FF2B5EF4-FFF2-40B4-BE49-F238E27FC236}">
-                <a16:creationId xmlns:a16="http://schemas.microsoft.com/office/drawing/2014/main" id="{AA6323ED-3B6E-11D9-F9C5-29755175C22B}"/>
-              </a:ext>
-            </a:extLst>
-          </p:cNvPr>
-          <p:cNvCxnSpPr>
-            <a:cxnSpLocks/>
-            <a:stCxn id="4" idx="6"/>
-            <a:endCxn id="10" idx="2"/>
-          </p:cNvCxnSpPr>
-          <p:nvPr/>
-        </p:nvCxnSpPr>
-        <p:spPr>
-          <a:xfrm>
-            <a:off x="2649555" y="2310532"/>
-            <a:ext cx="1673289" cy="2682255"/>
-          </a:xfrm>
-          <a:prstGeom prst="line">
-            <a:avLst/>
-          </a:prstGeom>
-        </p:spPr>
-        <p:style>
-          <a:lnRef idx="1">
-            <a:schemeClr val="accent1"/>
-          </a:lnRef>
-          <a:fillRef idx="0">
-            <a:schemeClr val="accent1"/>
-          </a:fillRef>
-          <a:effectRef idx="0">
-            <a:schemeClr val="accent1"/>
-          </a:effectRef>
-          <a:fontRef idx="minor">
-            <a:schemeClr val="tx1"/>
-          </a:fontRef>
-        </p:style>
-      </p:cxnSp>
-      <p:cxnSp>
-        <p:nvCxnSpPr>
-          <p:cNvPr id="33" name="직선 연결선 32">
-            <a:extLst>
-              <a:ext uri="{FF2B5EF4-FFF2-40B4-BE49-F238E27FC236}">
-                <a16:creationId xmlns:a16="http://schemas.microsoft.com/office/drawing/2014/main" id="{4386F110-4377-6209-8FAC-DA47FDB7F05F}"/>
-              </a:ext>
-            </a:extLst>
-          </p:cNvPr>
-          <p:cNvCxnSpPr>
-            <a:cxnSpLocks/>
-            <a:stCxn id="5" idx="6"/>
-            <a:endCxn id="9" idx="2"/>
-          </p:cNvCxnSpPr>
-          <p:nvPr/>
-        </p:nvCxnSpPr>
-        <p:spPr>
-          <a:xfrm>
-            <a:off x="2649555" y="3388850"/>
-            <a:ext cx="1673289" cy="561389"/>
-          </a:xfrm>
-          <a:prstGeom prst="line">
-            <a:avLst/>
-          </a:prstGeom>
-        </p:spPr>
-        <p:style>
-          <a:lnRef idx="1">
-            <a:schemeClr val="accent1"/>
-          </a:lnRef>
-          <a:fillRef idx="0">
-            <a:schemeClr val="accent1"/>
-          </a:fillRef>
-          <a:effectRef idx="0">
-            <a:schemeClr val="accent1"/>
-          </a:effectRef>
-          <a:fontRef idx="minor">
-            <a:schemeClr val="tx1"/>
-          </a:fontRef>
-        </p:style>
-      </p:cxnSp>
-      <p:cxnSp>
-        <p:nvCxnSpPr>
-          <p:cNvPr id="36" name="직선 연결선 35">
-            <a:extLst>
-              <a:ext uri="{FF2B5EF4-FFF2-40B4-BE49-F238E27FC236}">
-                <a16:creationId xmlns:a16="http://schemas.microsoft.com/office/drawing/2014/main" id="{A8A58051-D68A-7324-C9AE-438184A8E632}"/>
-              </a:ext>
-            </a:extLst>
-          </p:cNvPr>
-          <p:cNvCxnSpPr>
-            <a:cxnSpLocks/>
-            <a:stCxn id="5" idx="6"/>
-            <a:endCxn id="10" idx="2"/>
-          </p:cNvCxnSpPr>
-          <p:nvPr/>
-        </p:nvCxnSpPr>
-        <p:spPr>
-          <a:xfrm>
-            <a:off x="2649555" y="3388850"/>
-            <a:ext cx="1673289" cy="1603937"/>
-          </a:xfrm>
-          <a:prstGeom prst="line">
-            <a:avLst/>
-          </a:prstGeom>
-        </p:spPr>
-        <p:style>
-          <a:lnRef idx="1">
-            <a:schemeClr val="accent1"/>
-          </a:lnRef>
-          <a:fillRef idx="0">
-            <a:schemeClr val="accent1"/>
-          </a:fillRef>
-          <a:effectRef idx="0">
-            <a:schemeClr val="accent1"/>
-          </a:effectRef>
-          <a:fontRef idx="minor">
-            <a:schemeClr val="tx1"/>
-          </a:fontRef>
-        </p:style>
-      </p:cxnSp>
-      <p:cxnSp>
-        <p:nvCxnSpPr>
-          <p:cNvPr id="39" name="직선 연결선 38">
-            <a:extLst>
-              <a:ext uri="{FF2B5EF4-FFF2-40B4-BE49-F238E27FC236}">
-                <a16:creationId xmlns:a16="http://schemas.microsoft.com/office/drawing/2014/main" id="{458C0DE1-C236-2A75-239E-355A1E1EDDEB}"/>
-              </a:ext>
-            </a:extLst>
-          </p:cNvPr>
-          <p:cNvCxnSpPr>
-            <a:cxnSpLocks/>
-            <a:stCxn id="6" idx="6"/>
-            <a:endCxn id="9" idx="2"/>
-          </p:cNvCxnSpPr>
-          <p:nvPr/>
-        </p:nvCxnSpPr>
-        <p:spPr>
-          <a:xfrm flipV="1">
-            <a:off x="2649555" y="3950239"/>
-            <a:ext cx="1673289" cy="516929"/>
-          </a:xfrm>
-          <a:prstGeom prst="line">
-            <a:avLst/>
-          </a:prstGeom>
-        </p:spPr>
-        <p:style>
-          <a:lnRef idx="1">
-            <a:schemeClr val="accent1"/>
-          </a:lnRef>
-          <a:fillRef idx="0">
-            <a:schemeClr val="accent1"/>
-          </a:fillRef>
-          <a:effectRef idx="0">
-            <a:schemeClr val="accent1"/>
-          </a:effectRef>
-          <a:fontRef idx="minor">
-            <a:schemeClr val="tx1"/>
-          </a:fontRef>
-        </p:style>
-      </p:cxnSp>
-      <p:cxnSp>
-        <p:nvCxnSpPr>
-          <p:cNvPr id="42" name="직선 연결선 41">
-            <a:extLst>
-              <a:ext uri="{FF2B5EF4-FFF2-40B4-BE49-F238E27FC236}">
-                <a16:creationId xmlns:a16="http://schemas.microsoft.com/office/drawing/2014/main" id="{CD7B45D8-2E75-F7B7-8E34-D19E30EDBBE0}"/>
-              </a:ext>
-            </a:extLst>
-          </p:cNvPr>
-          <p:cNvCxnSpPr>
-            <a:cxnSpLocks/>
-            <a:stCxn id="6" idx="6"/>
-            <a:endCxn id="10" idx="2"/>
-          </p:cNvCxnSpPr>
-          <p:nvPr/>
-        </p:nvCxnSpPr>
-        <p:spPr>
-          <a:xfrm>
-            <a:off x="2649555" y="4467168"/>
-            <a:ext cx="1673289" cy="525619"/>
-          </a:xfrm>
-          <a:prstGeom prst="line">
-            <a:avLst/>
-          </a:prstGeom>
-        </p:spPr>
-        <p:style>
-          <a:lnRef idx="1">
-            <a:schemeClr val="accent1"/>
-          </a:lnRef>
-          <a:fillRef idx="0">
-            <a:schemeClr val="accent1"/>
-          </a:fillRef>
-          <a:effectRef idx="0">
-            <a:schemeClr val="accent1"/>
-          </a:effectRef>
-          <a:fontRef idx="minor">
-            <a:schemeClr val="tx1"/>
-          </a:fontRef>
-        </p:style>
-      </p:cxnSp>
-      <p:cxnSp>
-        <p:nvCxnSpPr>
-          <p:cNvPr id="45" name="직선 연결선 44">
-            <a:extLst>
-              <a:ext uri="{FF2B5EF4-FFF2-40B4-BE49-F238E27FC236}">
-                <a16:creationId xmlns:a16="http://schemas.microsoft.com/office/drawing/2014/main" id="{B14BA9C0-E686-3AE8-4818-6125D0EDA1FC}"/>
-              </a:ext>
-            </a:extLst>
-          </p:cNvPr>
-          <p:cNvCxnSpPr>
-            <a:cxnSpLocks/>
-            <a:stCxn id="7" idx="6"/>
-            <a:endCxn id="9" idx="2"/>
-          </p:cNvCxnSpPr>
-          <p:nvPr/>
-        </p:nvCxnSpPr>
-        <p:spPr>
-          <a:xfrm flipV="1">
-            <a:off x="2649555" y="3950239"/>
-            <a:ext cx="1673289" cy="1595247"/>
-          </a:xfrm>
-          <a:prstGeom prst="line">
-            <a:avLst/>
-          </a:prstGeom>
-        </p:spPr>
-        <p:style>
-          <a:lnRef idx="1">
-            <a:schemeClr val="accent1"/>
-          </a:lnRef>
-          <a:fillRef idx="0">
-            <a:schemeClr val="accent1"/>
-          </a:fillRef>
-          <a:effectRef idx="0">
-            <a:schemeClr val="accent1"/>
-          </a:effectRef>
-          <a:fontRef idx="minor">
-            <a:schemeClr val="tx1"/>
-          </a:fontRef>
-        </p:style>
-      </p:cxnSp>
-      <p:cxnSp>
-        <p:nvCxnSpPr>
-          <p:cNvPr id="48" name="직선 연결선 47">
-            <a:extLst>
-              <a:ext uri="{FF2B5EF4-FFF2-40B4-BE49-F238E27FC236}">
-                <a16:creationId xmlns:a16="http://schemas.microsoft.com/office/drawing/2014/main" id="{6031B451-F5E3-AFFF-6A74-16C2B163CCF2}"/>
-              </a:ext>
-            </a:extLst>
-          </p:cNvPr>
-          <p:cNvCxnSpPr>
-            <a:cxnSpLocks/>
-            <a:stCxn id="7" idx="6"/>
-            <a:endCxn id="10" idx="2"/>
-          </p:cNvCxnSpPr>
-          <p:nvPr/>
-        </p:nvCxnSpPr>
-        <p:spPr>
-          <a:xfrm flipV="1">
-            <a:off x="2649555" y="4992787"/>
-            <a:ext cx="1673289" cy="552699"/>
-          </a:xfrm>
-          <a:prstGeom prst="line">
-            <a:avLst/>
-          </a:prstGeom>
-        </p:spPr>
-        <p:style>
-          <a:lnRef idx="1">
-            <a:schemeClr val="accent1"/>
-          </a:lnRef>
-          <a:fillRef idx="0">
-            <a:schemeClr val="accent1"/>
-          </a:fillRef>
-          <a:effectRef idx="0">
-            <a:schemeClr val="accent1"/>
-          </a:effectRef>
-          <a:fontRef idx="minor">
-            <a:schemeClr val="tx1"/>
-          </a:fontRef>
-        </p:style>
-      </p:cxnSp>
-      <p:cxnSp>
-        <p:nvCxnSpPr>
-          <p:cNvPr id="51" name="직선 연결선 50">
-            <a:extLst>
-              <a:ext uri="{FF2B5EF4-FFF2-40B4-BE49-F238E27FC236}">
-                <a16:creationId xmlns:a16="http://schemas.microsoft.com/office/drawing/2014/main" id="{B53A5535-8B3D-5AC0-9F51-4358C0E5B505}"/>
-              </a:ext>
-            </a:extLst>
-          </p:cNvPr>
-          <p:cNvCxnSpPr>
-            <a:cxnSpLocks/>
-            <a:stCxn id="8" idx="6"/>
-            <a:endCxn id="13" idx="2"/>
-          </p:cNvCxnSpPr>
-          <p:nvPr/>
-        </p:nvCxnSpPr>
-        <p:spPr>
-          <a:xfrm>
-            <a:off x="5041302" y="2882809"/>
-            <a:ext cx="1206758" cy="12441"/>
-          </a:xfrm>
-          <a:prstGeom prst="line">
-            <a:avLst/>
-          </a:prstGeom>
-        </p:spPr>
-        <p:style>
-          <a:lnRef idx="1">
-            <a:schemeClr val="accent1"/>
-          </a:lnRef>
-          <a:fillRef idx="0">
-            <a:schemeClr val="accent1"/>
-          </a:fillRef>
-          <a:effectRef idx="0">
-            <a:schemeClr val="accent1"/>
-          </a:effectRef>
-          <a:fontRef idx="minor">
-            <a:schemeClr val="tx1"/>
-          </a:fontRef>
-        </p:style>
-      </p:cxnSp>
-      <p:cxnSp>
-        <p:nvCxnSpPr>
-          <p:cNvPr id="54" name="직선 연결선 53">
-            <a:extLst>
-              <a:ext uri="{FF2B5EF4-FFF2-40B4-BE49-F238E27FC236}">
-                <a16:creationId xmlns:a16="http://schemas.microsoft.com/office/drawing/2014/main" id="{AE63DFA0-DDD9-00DE-E52E-2B6A8BEAF42C}"/>
-              </a:ext>
-            </a:extLst>
-          </p:cNvPr>
-          <p:cNvCxnSpPr>
-            <a:cxnSpLocks/>
-            <a:stCxn id="8" idx="6"/>
-            <a:endCxn id="14" idx="2"/>
-          </p:cNvCxnSpPr>
-          <p:nvPr/>
-        </p:nvCxnSpPr>
-        <p:spPr>
-          <a:xfrm>
-            <a:off x="5041302" y="2882809"/>
-            <a:ext cx="1206758" cy="1079871"/>
-          </a:xfrm>
-          <a:prstGeom prst="line">
-            <a:avLst/>
-          </a:prstGeom>
-        </p:spPr>
-        <p:style>
-          <a:lnRef idx="1">
-            <a:schemeClr val="accent1"/>
-          </a:lnRef>
-          <a:fillRef idx="0">
-            <a:schemeClr val="accent1"/>
-          </a:fillRef>
-          <a:effectRef idx="0">
-            <a:schemeClr val="accent1"/>
-          </a:effectRef>
-          <a:fontRef idx="minor">
-            <a:schemeClr val="tx1"/>
-          </a:fontRef>
-        </p:style>
-      </p:cxnSp>
-      <p:cxnSp>
-        <p:nvCxnSpPr>
-          <p:cNvPr id="57" name="직선 연결선 56">
-            <a:extLst>
-              <a:ext uri="{FF2B5EF4-FFF2-40B4-BE49-F238E27FC236}">
-                <a16:creationId xmlns:a16="http://schemas.microsoft.com/office/drawing/2014/main" id="{98C8BFBF-4146-9374-4105-1F1033EF8D8C}"/>
-              </a:ext>
-            </a:extLst>
-          </p:cNvPr>
-          <p:cNvCxnSpPr>
-            <a:cxnSpLocks/>
-            <a:stCxn id="8" idx="6"/>
-            <a:endCxn id="15" idx="2"/>
-          </p:cNvCxnSpPr>
-          <p:nvPr/>
-        </p:nvCxnSpPr>
-        <p:spPr>
-          <a:xfrm>
-            <a:off x="5041302" y="2882809"/>
-            <a:ext cx="1206758" cy="2122419"/>
-          </a:xfrm>
-          <a:prstGeom prst="line">
-            <a:avLst/>
-          </a:prstGeom>
-        </p:spPr>
-        <p:style>
-          <a:lnRef idx="1">
-            <a:schemeClr val="accent1"/>
-          </a:lnRef>
-          <a:fillRef idx="0">
-            <a:schemeClr val="accent1"/>
-          </a:fillRef>
-          <a:effectRef idx="0">
-            <a:schemeClr val="accent1"/>
-          </a:effectRef>
-          <a:fontRef idx="minor">
-            <a:schemeClr val="tx1"/>
-          </a:fontRef>
-        </p:style>
-      </p:cxnSp>
-      <p:cxnSp>
-        <p:nvCxnSpPr>
-          <p:cNvPr id="60" name="직선 연결선 59">
-            <a:extLst>
-              <a:ext uri="{FF2B5EF4-FFF2-40B4-BE49-F238E27FC236}">
-                <a16:creationId xmlns:a16="http://schemas.microsoft.com/office/drawing/2014/main" id="{978C6A37-0518-9F13-75FD-3C4AE7CA3BBF}"/>
-              </a:ext>
-            </a:extLst>
-          </p:cNvPr>
-          <p:cNvCxnSpPr>
-            <a:cxnSpLocks/>
-            <a:stCxn id="9" idx="6"/>
-            <a:endCxn id="13" idx="2"/>
-          </p:cNvCxnSpPr>
-          <p:nvPr/>
-        </p:nvCxnSpPr>
-        <p:spPr>
-          <a:xfrm flipV="1">
-            <a:off x="5041302" y="2895250"/>
-            <a:ext cx="1206758" cy="1054989"/>
-          </a:xfrm>
-          <a:prstGeom prst="line">
-            <a:avLst/>
-          </a:prstGeom>
-        </p:spPr>
-        <p:style>
-          <a:lnRef idx="1">
-            <a:schemeClr val="accent1"/>
-          </a:lnRef>
-          <a:fillRef idx="0">
-            <a:schemeClr val="accent1"/>
-          </a:fillRef>
-          <a:effectRef idx="0">
-            <a:schemeClr val="accent1"/>
-          </a:effectRef>
-          <a:fontRef idx="minor">
-            <a:schemeClr val="tx1"/>
-          </a:fontRef>
-        </p:style>
-      </p:cxnSp>
-      <p:cxnSp>
-        <p:nvCxnSpPr>
-          <p:cNvPr id="63" name="직선 연결선 62">
-            <a:extLst>
-              <a:ext uri="{FF2B5EF4-FFF2-40B4-BE49-F238E27FC236}">
-                <a16:creationId xmlns:a16="http://schemas.microsoft.com/office/drawing/2014/main" id="{498A98AC-CB23-EF1C-EDA1-A2829601CA6E}"/>
-              </a:ext>
-            </a:extLst>
-          </p:cNvPr>
-          <p:cNvCxnSpPr>
-            <a:cxnSpLocks/>
-            <a:stCxn id="9" idx="6"/>
-            <a:endCxn id="14" idx="2"/>
-          </p:cNvCxnSpPr>
-          <p:nvPr/>
-        </p:nvCxnSpPr>
-        <p:spPr>
-          <a:xfrm>
-            <a:off x="5041302" y="3950239"/>
-            <a:ext cx="1206758" cy="12441"/>
-          </a:xfrm>
-          <a:prstGeom prst="line">
-            <a:avLst/>
-          </a:prstGeom>
-        </p:spPr>
-        <p:style>
-          <a:lnRef idx="1">
-            <a:schemeClr val="accent1"/>
-          </a:lnRef>
-          <a:fillRef idx="0">
-            <a:schemeClr val="accent1"/>
-          </a:fillRef>
-          <a:effectRef idx="0">
-            <a:schemeClr val="accent1"/>
-          </a:effectRef>
-          <a:fontRef idx="minor">
-            <a:schemeClr val="tx1"/>
-          </a:fontRef>
-        </p:style>
-      </p:cxnSp>
-      <p:cxnSp>
-        <p:nvCxnSpPr>
-          <p:cNvPr id="66" name="직선 연결선 65">
-            <a:extLst>
-              <a:ext uri="{FF2B5EF4-FFF2-40B4-BE49-F238E27FC236}">
-                <a16:creationId xmlns:a16="http://schemas.microsoft.com/office/drawing/2014/main" id="{B785EEC4-3CB7-22C1-5B6A-5C40963BD168}"/>
-              </a:ext>
-            </a:extLst>
-          </p:cNvPr>
-          <p:cNvCxnSpPr>
-            <a:cxnSpLocks/>
-            <a:stCxn id="9" idx="6"/>
-            <a:endCxn id="15" idx="2"/>
-          </p:cNvCxnSpPr>
-          <p:nvPr/>
-        </p:nvCxnSpPr>
-        <p:spPr>
-          <a:xfrm>
-            <a:off x="5041302" y="3950239"/>
-            <a:ext cx="1206758" cy="1054989"/>
-          </a:xfrm>
-          <a:prstGeom prst="line">
-            <a:avLst/>
-          </a:prstGeom>
-        </p:spPr>
-        <p:style>
-          <a:lnRef idx="1">
-            <a:schemeClr val="accent1"/>
-          </a:lnRef>
-          <a:fillRef idx="0">
-            <a:schemeClr val="accent1"/>
-          </a:fillRef>
-          <a:effectRef idx="0">
-            <a:schemeClr val="accent1"/>
-          </a:effectRef>
-          <a:fontRef idx="minor">
-            <a:schemeClr val="tx1"/>
-          </a:fontRef>
-        </p:style>
-      </p:cxnSp>
-      <p:cxnSp>
-        <p:nvCxnSpPr>
-          <p:cNvPr id="69" name="직선 연결선 68">
-            <a:extLst>
-              <a:ext uri="{FF2B5EF4-FFF2-40B4-BE49-F238E27FC236}">
-                <a16:creationId xmlns:a16="http://schemas.microsoft.com/office/drawing/2014/main" id="{E05DE332-E4E7-4EC3-0D69-23FA83981918}"/>
-              </a:ext>
-            </a:extLst>
-          </p:cNvPr>
-          <p:cNvCxnSpPr>
-            <a:cxnSpLocks/>
-            <a:stCxn id="10" idx="6"/>
-            <a:endCxn id="13" idx="2"/>
-          </p:cNvCxnSpPr>
-          <p:nvPr/>
-        </p:nvCxnSpPr>
-        <p:spPr>
-          <a:xfrm flipV="1">
-            <a:off x="5041302" y="2895250"/>
-            <a:ext cx="1206758" cy="2097537"/>
-          </a:xfrm>
-          <a:prstGeom prst="line">
-            <a:avLst/>
-          </a:prstGeom>
-        </p:spPr>
-        <p:style>
-          <a:lnRef idx="1">
-            <a:schemeClr val="accent1"/>
-          </a:lnRef>
-          <a:fillRef idx="0">
-            <a:schemeClr val="accent1"/>
-          </a:fillRef>
-          <a:effectRef idx="0">
-            <a:schemeClr val="accent1"/>
-          </a:effectRef>
-          <a:fontRef idx="minor">
-            <a:schemeClr val="tx1"/>
-          </a:fontRef>
-        </p:style>
-      </p:cxnSp>
-      <p:cxnSp>
-        <p:nvCxnSpPr>
-          <p:cNvPr id="72" name="직선 연결선 71">
-            <a:extLst>
-              <a:ext uri="{FF2B5EF4-FFF2-40B4-BE49-F238E27FC236}">
-                <a16:creationId xmlns:a16="http://schemas.microsoft.com/office/drawing/2014/main" id="{6E20362D-E0CE-1632-02B2-A7D07A3FAA0F}"/>
-              </a:ext>
-            </a:extLst>
-          </p:cNvPr>
-          <p:cNvCxnSpPr>
-            <a:cxnSpLocks/>
-            <a:stCxn id="10" idx="6"/>
-            <a:endCxn id="14" idx="2"/>
-          </p:cNvCxnSpPr>
-          <p:nvPr/>
-        </p:nvCxnSpPr>
-        <p:spPr>
-          <a:xfrm flipV="1">
-            <a:off x="5041302" y="3962680"/>
-            <a:ext cx="1206758" cy="1030107"/>
-          </a:xfrm>
-          <a:prstGeom prst="line">
-            <a:avLst/>
-          </a:prstGeom>
-        </p:spPr>
-        <p:style>
-          <a:lnRef idx="1">
-            <a:schemeClr val="accent1"/>
-          </a:lnRef>
-          <a:fillRef idx="0">
-            <a:schemeClr val="accent1"/>
-          </a:fillRef>
-          <a:effectRef idx="0">
-            <a:schemeClr val="accent1"/>
-          </a:effectRef>
-          <a:fontRef idx="minor">
-            <a:schemeClr val="tx1"/>
-          </a:fontRef>
-        </p:style>
-      </p:cxnSp>
-      <p:cxnSp>
-        <p:nvCxnSpPr>
-          <p:cNvPr id="75" name="직선 연결선 74">
-            <a:extLst>
-              <a:ext uri="{FF2B5EF4-FFF2-40B4-BE49-F238E27FC236}">
-                <a16:creationId xmlns:a16="http://schemas.microsoft.com/office/drawing/2014/main" id="{23F6DEA6-E29E-0B50-F312-808B6A15D16B}"/>
-              </a:ext>
-            </a:extLst>
-          </p:cNvPr>
-          <p:cNvCxnSpPr>
-            <a:cxnSpLocks/>
-            <a:stCxn id="10" idx="6"/>
-            <a:endCxn id="15" idx="2"/>
-          </p:cNvCxnSpPr>
-          <p:nvPr/>
-        </p:nvCxnSpPr>
-        <p:spPr>
-          <a:xfrm>
-            <a:off x="5041302" y="4992787"/>
-            <a:ext cx="1206758" cy="12441"/>
-          </a:xfrm>
-          <a:prstGeom prst="line">
-            <a:avLst/>
-          </a:prstGeom>
-        </p:spPr>
-        <p:style>
-          <a:lnRef idx="1">
-            <a:schemeClr val="accent1"/>
-          </a:lnRef>
-          <a:fillRef idx="0">
-            <a:schemeClr val="accent1"/>
-          </a:fillRef>
-          <a:effectRef idx="0">
-            <a:schemeClr val="accent1"/>
-          </a:effectRef>
-          <a:fontRef idx="minor">
-            <a:schemeClr val="tx1"/>
-          </a:fontRef>
-        </p:style>
-      </p:cxnSp>
-      <p:cxnSp>
-        <p:nvCxnSpPr>
-          <p:cNvPr id="78" name="직선 연결선 77">
-            <a:extLst>
-              <a:ext uri="{FF2B5EF4-FFF2-40B4-BE49-F238E27FC236}">
-                <a16:creationId xmlns:a16="http://schemas.microsoft.com/office/drawing/2014/main" id="{E7D470B1-9876-6FD7-E28C-5503F49C08BE}"/>
-              </a:ext>
-            </a:extLst>
-          </p:cNvPr>
-          <p:cNvCxnSpPr>
-            <a:cxnSpLocks/>
-            <a:stCxn id="13" idx="6"/>
-            <a:endCxn id="16" idx="2"/>
-          </p:cNvCxnSpPr>
-          <p:nvPr/>
-        </p:nvCxnSpPr>
-        <p:spPr>
-          <a:xfrm>
-            <a:off x="6966518" y="2895250"/>
-            <a:ext cx="1673289" cy="554249"/>
-          </a:xfrm>
-          <a:prstGeom prst="line">
-            <a:avLst/>
-          </a:prstGeom>
-        </p:spPr>
-        <p:style>
-          <a:lnRef idx="1">
-            <a:schemeClr val="accent1"/>
-          </a:lnRef>
-          <a:fillRef idx="0">
-            <a:schemeClr val="accent1"/>
-          </a:fillRef>
-          <a:effectRef idx="0">
-            <a:schemeClr val="accent1"/>
-          </a:effectRef>
-          <a:fontRef idx="minor">
-            <a:schemeClr val="tx1"/>
-          </a:fontRef>
-        </p:style>
-      </p:cxnSp>
-      <p:cxnSp>
-        <p:nvCxnSpPr>
-          <p:cNvPr id="81" name="직선 연결선 80">
-            <a:extLst>
-              <a:ext uri="{FF2B5EF4-FFF2-40B4-BE49-F238E27FC236}">
-                <a16:creationId xmlns:a16="http://schemas.microsoft.com/office/drawing/2014/main" id="{6682AF0D-E76B-290A-ABBB-F2F2CD5D50DF}"/>
-              </a:ext>
-            </a:extLst>
-          </p:cNvPr>
-          <p:cNvCxnSpPr>
-            <a:cxnSpLocks/>
-            <a:stCxn id="13" idx="6"/>
-            <a:endCxn id="17" idx="2"/>
-          </p:cNvCxnSpPr>
-          <p:nvPr/>
-        </p:nvCxnSpPr>
-        <p:spPr>
-          <a:xfrm>
-            <a:off x="6966518" y="2895250"/>
-            <a:ext cx="1673289" cy="1571918"/>
-          </a:xfrm>
-          <a:prstGeom prst="line">
-            <a:avLst/>
-          </a:prstGeom>
-        </p:spPr>
-        <p:style>
-          <a:lnRef idx="1">
-            <a:schemeClr val="accent1"/>
-          </a:lnRef>
-          <a:fillRef idx="0">
-            <a:schemeClr val="accent1"/>
-          </a:fillRef>
-          <a:effectRef idx="0">
-            <a:schemeClr val="accent1"/>
-          </a:effectRef>
-          <a:fontRef idx="minor">
-            <a:schemeClr val="tx1"/>
-          </a:fontRef>
-        </p:style>
-      </p:cxnSp>
-      <p:cxnSp>
-        <p:nvCxnSpPr>
-          <p:cNvPr id="84" name="직선 연결선 83">
-            <a:extLst>
-              <a:ext uri="{FF2B5EF4-FFF2-40B4-BE49-F238E27FC236}">
-                <a16:creationId xmlns:a16="http://schemas.microsoft.com/office/drawing/2014/main" id="{743A0D91-CE63-2D69-799E-6125E1C88F23}"/>
-              </a:ext>
-            </a:extLst>
-          </p:cNvPr>
-          <p:cNvCxnSpPr>
-            <a:cxnSpLocks/>
-            <a:stCxn id="14" idx="6"/>
-            <a:endCxn id="16" idx="2"/>
-          </p:cNvCxnSpPr>
-          <p:nvPr/>
-        </p:nvCxnSpPr>
-        <p:spPr>
-          <a:xfrm flipV="1">
-            <a:off x="6966518" y="3449499"/>
-            <a:ext cx="1673289" cy="513181"/>
-          </a:xfrm>
-          <a:prstGeom prst="line">
-            <a:avLst/>
-          </a:prstGeom>
-        </p:spPr>
-        <p:style>
-          <a:lnRef idx="1">
-            <a:schemeClr val="accent1"/>
-          </a:lnRef>
-          <a:fillRef idx="0">
-            <a:schemeClr val="accent1"/>
-          </a:fillRef>
-          <a:effectRef idx="0">
-            <a:schemeClr val="accent1"/>
-          </a:effectRef>
-          <a:fontRef idx="minor">
-            <a:schemeClr val="tx1"/>
-          </a:fontRef>
-        </p:style>
-      </p:cxnSp>
-      <p:cxnSp>
-        <p:nvCxnSpPr>
-          <p:cNvPr id="87" name="직선 연결선 86">
-            <a:extLst>
-              <a:ext uri="{FF2B5EF4-FFF2-40B4-BE49-F238E27FC236}">
-                <a16:creationId xmlns:a16="http://schemas.microsoft.com/office/drawing/2014/main" id="{FD612A92-63A5-C4A8-A292-E840B30A8327}"/>
-              </a:ext>
-            </a:extLst>
-          </p:cNvPr>
-          <p:cNvCxnSpPr>
-            <a:cxnSpLocks/>
-            <a:stCxn id="14" idx="6"/>
-            <a:endCxn id="17" idx="2"/>
-          </p:cNvCxnSpPr>
-          <p:nvPr/>
-        </p:nvCxnSpPr>
-        <p:spPr>
-          <a:xfrm>
-            <a:off x="6966518" y="3962680"/>
-            <a:ext cx="1673289" cy="504488"/>
-          </a:xfrm>
-          <a:prstGeom prst="line">
-            <a:avLst/>
-          </a:prstGeom>
-        </p:spPr>
-        <p:style>
-          <a:lnRef idx="1">
-            <a:schemeClr val="accent1"/>
-          </a:lnRef>
-          <a:fillRef idx="0">
-            <a:schemeClr val="accent1"/>
-          </a:fillRef>
-          <a:effectRef idx="0">
-            <a:schemeClr val="accent1"/>
-          </a:effectRef>
-          <a:fontRef idx="minor">
-            <a:schemeClr val="tx1"/>
-          </a:fontRef>
-        </p:style>
-      </p:cxnSp>
-      <p:cxnSp>
-        <p:nvCxnSpPr>
-          <p:cNvPr id="90" name="직선 연결선 89">
-            <a:extLst>
-              <a:ext uri="{FF2B5EF4-FFF2-40B4-BE49-F238E27FC236}">
-                <a16:creationId xmlns:a16="http://schemas.microsoft.com/office/drawing/2014/main" id="{2A336BE3-FC7E-BFF5-0656-864006E1774F}"/>
-              </a:ext>
-            </a:extLst>
-          </p:cNvPr>
-          <p:cNvCxnSpPr>
-            <a:cxnSpLocks/>
-            <a:stCxn id="15" idx="6"/>
-            <a:endCxn id="16" idx="2"/>
-          </p:cNvCxnSpPr>
-          <p:nvPr/>
-        </p:nvCxnSpPr>
-        <p:spPr>
-          <a:xfrm flipV="1">
-            <a:off x="6966518" y="3449499"/>
-            <a:ext cx="1673289" cy="1555729"/>
-          </a:xfrm>
-          <a:prstGeom prst="line">
-            <a:avLst/>
-          </a:prstGeom>
-        </p:spPr>
-        <p:style>
-          <a:lnRef idx="1">
-            <a:schemeClr val="accent1"/>
-          </a:lnRef>
-          <a:fillRef idx="0">
-            <a:schemeClr val="accent1"/>
-          </a:fillRef>
-          <a:effectRef idx="0">
-            <a:schemeClr val="accent1"/>
-          </a:effectRef>
-          <a:fontRef idx="minor">
-            <a:schemeClr val="tx1"/>
-          </a:fontRef>
-        </p:style>
-      </p:cxnSp>
-      <p:cxnSp>
-        <p:nvCxnSpPr>
-          <p:cNvPr id="93" name="직선 연결선 92">
-            <a:extLst>
-              <a:ext uri="{FF2B5EF4-FFF2-40B4-BE49-F238E27FC236}">
-                <a16:creationId xmlns:a16="http://schemas.microsoft.com/office/drawing/2014/main" id="{C1E499A1-BF55-B341-E903-3FA2449EC398}"/>
-              </a:ext>
-            </a:extLst>
-          </p:cNvPr>
-          <p:cNvCxnSpPr>
-            <a:cxnSpLocks/>
-            <a:stCxn id="15" idx="6"/>
-            <a:endCxn id="17" idx="2"/>
-          </p:cNvCxnSpPr>
-          <p:nvPr/>
-        </p:nvCxnSpPr>
-        <p:spPr>
-          <a:xfrm flipV="1">
-            <a:off x="6966518" y="4467168"/>
-            <a:ext cx="1673289" cy="538060"/>
-          </a:xfrm>
-          <a:prstGeom prst="line">
-            <a:avLst/>
-          </a:prstGeom>
-        </p:spPr>
-        <p:style>
-          <a:lnRef idx="1">
-            <a:schemeClr val="accent1"/>
-          </a:lnRef>
-          <a:fillRef idx="0">
-            <a:schemeClr val="accent1"/>
-          </a:fillRef>
-          <a:effectRef idx="0">
-            <a:schemeClr val="accent1"/>
-          </a:effectRef>
-          <a:fontRef idx="minor">
-            <a:schemeClr val="tx1"/>
-          </a:fontRef>
-        </p:style>
-      </p:cxnSp>
-      <p:sp>
-        <p:nvSpPr>
-          <p:cNvPr id="3" name="직사각형 2">
-            <a:extLst>
-              <a:ext uri="{FF2B5EF4-FFF2-40B4-BE49-F238E27FC236}">
-                <a16:creationId xmlns:a16="http://schemas.microsoft.com/office/drawing/2014/main" id="{2383FF5D-05B5-B6F1-FD9E-0E67C8A2794F}"/>
-              </a:ext>
-            </a:extLst>
-          </p:cNvPr>
-          <p:cNvSpPr/>
-          <p:nvPr/>
-        </p:nvSpPr>
-        <p:spPr>
-          <a:xfrm>
-            <a:off x="1454727" y="6043353"/>
-            <a:ext cx="1673289" cy="718458"/>
-          </a:xfrm>
-          <a:prstGeom prst="rect">
-            <a:avLst/>
-          </a:prstGeom>
-          <a:solidFill>
-            <a:schemeClr val="bg1"/>
-          </a:solidFill>
-          <a:ln>
-            <a:solidFill>
-              <a:schemeClr val="tx1"/>
-            </a:solidFill>
-          </a:ln>
-        </p:spPr>
-        <p:style>
-          <a:lnRef idx="2">
-            <a:schemeClr val="accent1">
-              <a:shade val="15000"/>
-            </a:schemeClr>
-          </a:lnRef>
-          <a:fillRef idx="1">
-            <a:schemeClr val="accent1"/>
-          </a:fillRef>
-          <a:effectRef idx="0">
-            <a:schemeClr val="accent1"/>
-          </a:effectRef>
-          <a:fontRef idx="minor">
-            <a:schemeClr val="lt1"/>
-          </a:fontRef>
-        </p:style>
-        <p:txBody>
-          <a:bodyPr rtlCol="0" anchor="ctr"/>
-          <a:lstStyle/>
-          <a:p>
-            <a:pPr algn="ctr"/>
-            <a:r>
-              <a:rPr lang="ko-KR" altLang="en-US" dirty="0" err="1">
-                <a:solidFill>
-                  <a:sysClr val="windowText" lastClr="000000"/>
-                </a:solidFill>
-              </a:rPr>
-              <a:t>입력층</a:t>
-            </a:r>
-            <a:endParaRPr lang="ko-KR" altLang="en-US" dirty="0">
-              <a:solidFill>
-                <a:sysClr val="windowText" lastClr="000000"/>
-              </a:solidFill>
-            </a:endParaRPr>
-          </a:p>
-        </p:txBody>
-      </p:sp>
-      <p:sp>
-        <p:nvSpPr>
-          <p:cNvPr id="18" name="직사각형 17">
-            <a:extLst>
-              <a:ext uri="{FF2B5EF4-FFF2-40B4-BE49-F238E27FC236}">
-                <a16:creationId xmlns:a16="http://schemas.microsoft.com/office/drawing/2014/main" id="{77FEA00F-3A38-548D-434E-9ABD6EC3C434}"/>
-              </a:ext>
-            </a:extLst>
-          </p:cNvPr>
-          <p:cNvSpPr/>
-          <p:nvPr/>
-        </p:nvSpPr>
-        <p:spPr>
-          <a:xfrm>
-            <a:off x="4808036" y="5983112"/>
-            <a:ext cx="1673289" cy="718458"/>
-          </a:xfrm>
-          <a:prstGeom prst="rect">
-            <a:avLst/>
-          </a:prstGeom>
-          <a:solidFill>
-            <a:schemeClr val="bg1"/>
-          </a:solidFill>
-          <a:ln>
-            <a:solidFill>
-              <a:schemeClr val="tx1"/>
-            </a:solidFill>
-          </a:ln>
-        </p:spPr>
-        <p:style>
-          <a:lnRef idx="2">
-            <a:schemeClr val="accent1">
-              <a:shade val="15000"/>
-            </a:schemeClr>
-          </a:lnRef>
-          <a:fillRef idx="1">
-            <a:schemeClr val="accent1"/>
-          </a:fillRef>
-          <a:effectRef idx="0">
-            <a:schemeClr val="accent1"/>
-          </a:effectRef>
-          <a:fontRef idx="minor">
-            <a:schemeClr val="lt1"/>
-          </a:fontRef>
-        </p:style>
-        <p:txBody>
-          <a:bodyPr rtlCol="0" anchor="ctr"/>
-          <a:lstStyle/>
-          <a:p>
-            <a:pPr algn="ctr"/>
-            <a:r>
-              <a:rPr lang="ko-KR" altLang="en-US" dirty="0" err="1">
-                <a:solidFill>
-                  <a:sysClr val="windowText" lastClr="000000"/>
-                </a:solidFill>
-              </a:rPr>
-              <a:t>은닉층</a:t>
-            </a:r>
-            <a:endParaRPr lang="ko-KR" altLang="en-US" dirty="0">
-              <a:solidFill>
-                <a:sysClr val="windowText" lastClr="000000"/>
-              </a:solidFill>
-            </a:endParaRPr>
-          </a:p>
-        </p:txBody>
-      </p:sp>
-      <p:sp>
-        <p:nvSpPr>
-          <p:cNvPr id="20" name="직사각형 19">
-            <a:extLst>
-              <a:ext uri="{FF2B5EF4-FFF2-40B4-BE49-F238E27FC236}">
-                <a16:creationId xmlns:a16="http://schemas.microsoft.com/office/drawing/2014/main" id="{9FCFDD6F-6FDA-83E7-8124-72CFF209A10F}"/>
-              </a:ext>
-            </a:extLst>
-          </p:cNvPr>
-          <p:cNvSpPr/>
-          <p:nvPr/>
-        </p:nvSpPr>
-        <p:spPr>
-          <a:xfrm>
-            <a:off x="8173276" y="4988603"/>
-            <a:ext cx="1673289" cy="718458"/>
-          </a:xfrm>
-          <a:prstGeom prst="rect">
-            <a:avLst/>
-          </a:prstGeom>
-          <a:solidFill>
-            <a:schemeClr val="bg1"/>
-          </a:solidFill>
-          <a:ln>
-            <a:solidFill>
-              <a:schemeClr val="tx1"/>
-            </a:solidFill>
-          </a:ln>
-        </p:spPr>
-        <p:style>
-          <a:lnRef idx="2">
-            <a:schemeClr val="accent1">
-              <a:shade val="15000"/>
-            </a:schemeClr>
-          </a:lnRef>
-          <a:fillRef idx="1">
-            <a:schemeClr val="accent1"/>
-          </a:fillRef>
-          <a:effectRef idx="0">
-            <a:schemeClr val="accent1"/>
-          </a:effectRef>
-          <a:fontRef idx="minor">
-            <a:schemeClr val="lt1"/>
-          </a:fontRef>
-        </p:style>
-        <p:txBody>
-          <a:bodyPr rtlCol="0" anchor="ctr"/>
-          <a:lstStyle/>
-          <a:p>
-            <a:pPr algn="ctr"/>
-            <a:r>
-              <a:rPr lang="ko-KR" altLang="en-US" dirty="0" err="1">
-                <a:solidFill>
-                  <a:sysClr val="windowText" lastClr="000000"/>
-                </a:solidFill>
-              </a:rPr>
-              <a:t>출력층</a:t>
-            </a:r>
-            <a:endParaRPr lang="ko-KR" altLang="en-US" dirty="0">
-              <a:solidFill>
-                <a:sysClr val="windowText" lastClr="000000"/>
-              </a:solidFill>
-            </a:endParaRPr>
-          </a:p>
-        </p:txBody>
-      </p:sp>
-    </p:spTree>
-    <p:extLst>
-      <p:ext uri="{BB962C8B-B14F-4D97-AF65-F5344CB8AC3E}">
-        <p14:creationId xmlns:p14="http://schemas.microsoft.com/office/powerpoint/2010/main" val="2813943526"/>
-      </p:ext>
-    </p:extLst>
-  </p:cSld>
-  <p:clrMapOvr>
-    <a:masterClrMapping/>
-  </p:clrMapOvr>
-</p:sld>
-</file>
-
-<file path=ppt/slides/slide12.xml><?xml version="1.0" encoding="utf-8"?>
-<p:sld xmlns:a="http://schemas.openxmlformats.org/drawingml/2006/main" xmlns:r="http://schemas.openxmlformats.org/officeDocument/2006/relationships" xmlns:p="http://schemas.openxmlformats.org/presentationml/2006/main">
-  <p:cSld>
-    <p:spTree>
-      <p:nvGrpSpPr>
-        <p:cNvPr id="1" name=""/>
-        <p:cNvGrpSpPr/>
-        <p:nvPr/>
-      </p:nvGrpSpPr>
-      <p:grpSpPr>
-        <a:xfrm>
-          <a:off x="0" y="0"/>
-          <a:ext cx="0" cy="0"/>
-          <a:chOff x="0" y="0"/>
-          <a:chExt cx="0" cy="0"/>
-        </a:xfrm>
-      </p:grpSpPr>
-      <p:sp>
-        <p:nvSpPr>
-          <p:cNvPr id="2" name="제목 1">
-            <a:extLst>
-              <a:ext uri="{FF2B5EF4-FFF2-40B4-BE49-F238E27FC236}">
                 <a16:creationId xmlns:a16="http://schemas.microsoft.com/office/drawing/2014/main" id="{0927F88A-7532-4613-E5EB-EA105E901440}"/>
               </a:ext>
             </a:extLst>
@@ -7066,7 +4003,7 @@
 </p:sld>
 </file>
 
-<file path=ppt/slides/slide13.xml><?xml version="1.0" encoding="utf-8"?>
+<file path=ppt/slides/slide11.xml><?xml version="1.0" encoding="utf-8"?>
 <p:sld xmlns:a="http://schemas.openxmlformats.org/drawingml/2006/main" xmlns:r="http://schemas.openxmlformats.org/officeDocument/2006/relationships" xmlns:p="http://schemas.openxmlformats.org/presentationml/2006/main">
   <p:cSld>
     <p:spTree>
@@ -8284,7 +5221,7 @@
 </p:sld>
 </file>
 
-<file path=ppt/slides/slide14.xml><?xml version="1.0" encoding="utf-8"?>
+<file path=ppt/slides/slide12.xml><?xml version="1.0" encoding="utf-8"?>
 <p:sld xmlns:a="http://schemas.openxmlformats.org/drawingml/2006/main" xmlns:r="http://schemas.openxmlformats.org/officeDocument/2006/relationships" xmlns:p="http://schemas.openxmlformats.org/presentationml/2006/main">
   <p:cSld>
     <p:spTree>
@@ -9041,7 +5978,7 @@
 </p:sld>
 </file>
 
-<file path=ppt/slides/slide15.xml><?xml version="1.0" encoding="utf-8"?>
+<file path=ppt/slides/slide13.xml><?xml version="1.0" encoding="utf-8"?>
 <p:sld xmlns:a="http://schemas.openxmlformats.org/drawingml/2006/main" xmlns:r="http://schemas.openxmlformats.org/officeDocument/2006/relationships" xmlns:p="http://schemas.openxmlformats.org/presentationml/2006/main">
   <p:cSld>
     <p:spTree>
@@ -9617,7 +6554,7 @@
 </p:sld>
 </file>
 
-<file path=ppt/slides/slide16.xml><?xml version="1.0" encoding="utf-8"?>
+<file path=ppt/slides/slide14.xml><?xml version="1.0" encoding="utf-8"?>
 <p:sld xmlns:a="http://schemas.openxmlformats.org/drawingml/2006/main" xmlns:r="http://schemas.openxmlformats.org/officeDocument/2006/relationships" xmlns:p="http://schemas.openxmlformats.org/presentationml/2006/main">
   <p:cSld>
     <p:spTree>
@@ -12259,6 +9196,201 @@
 </p:sld>
 </file>
 
+<file path=ppt/slides/slide15.xml><?xml version="1.0" encoding="utf-8"?>
+<p:sld xmlns:a="http://schemas.openxmlformats.org/drawingml/2006/main" xmlns:r="http://schemas.openxmlformats.org/officeDocument/2006/relationships" xmlns:p="http://schemas.openxmlformats.org/presentationml/2006/main">
+  <p:cSld>
+    <p:spTree>
+      <p:nvGrpSpPr>
+        <p:cNvPr id="1" name=""/>
+        <p:cNvGrpSpPr/>
+        <p:nvPr/>
+      </p:nvGrpSpPr>
+      <p:grpSpPr>
+        <a:xfrm>
+          <a:off x="0" y="0"/>
+          <a:ext cx="0" cy="0"/>
+          <a:chOff x="0" y="0"/>
+          <a:chExt cx="0" cy="0"/>
+        </a:xfrm>
+      </p:grpSpPr>
+      <p:sp>
+        <p:nvSpPr>
+          <p:cNvPr id="2" name="제목 1">
+            <a:extLst>
+              <a:ext uri="{FF2B5EF4-FFF2-40B4-BE49-F238E27FC236}">
+                <a16:creationId xmlns:a16="http://schemas.microsoft.com/office/drawing/2014/main" id="{5AEEFA70-44ED-7463-8B0A-9D9D34542D97}"/>
+              </a:ext>
+            </a:extLst>
+          </p:cNvPr>
+          <p:cNvSpPr>
+            <a:spLocks noGrp="1"/>
+          </p:cNvSpPr>
+          <p:nvPr>
+            <p:ph type="title"/>
+          </p:nvPr>
+        </p:nvSpPr>
+        <p:spPr/>
+        <p:txBody>
+          <a:bodyPr/>
+          <a:lstStyle/>
+          <a:p>
+            <a:r>
+              <a:rPr lang="ko-KR" altLang="en-US" dirty="0"/>
+              <a:t>데이터는 중요하다</a:t>
+            </a:r>
+          </a:p>
+        </p:txBody>
+      </p:sp>
+      <p:pic>
+        <p:nvPicPr>
+          <p:cNvPr id="5" name="그림 4">
+            <a:extLst>
+              <a:ext uri="{FF2B5EF4-FFF2-40B4-BE49-F238E27FC236}">
+                <a16:creationId xmlns:a16="http://schemas.microsoft.com/office/drawing/2014/main" id="{6E789CA2-ED6F-90CB-7CF0-D426F3969611}"/>
+              </a:ext>
+            </a:extLst>
+          </p:cNvPr>
+          <p:cNvPicPr>
+            <a:picLocks noChangeAspect="1"/>
+          </p:cNvPicPr>
+          <p:nvPr/>
+        </p:nvPicPr>
+        <p:blipFill>
+          <a:blip r:embed="rId2"/>
+          <a:stretch>
+            <a:fillRect/>
+          </a:stretch>
+        </p:blipFill>
+        <p:spPr>
+          <a:xfrm>
+            <a:off x="838200" y="1906367"/>
+            <a:ext cx="4526774" cy="3806420"/>
+          </a:xfrm>
+          <a:prstGeom prst="rect">
+            <a:avLst/>
+          </a:prstGeom>
+        </p:spPr>
+      </p:pic>
+      <p:pic>
+        <p:nvPicPr>
+          <p:cNvPr id="7" name="그림 6">
+            <a:extLst>
+              <a:ext uri="{FF2B5EF4-FFF2-40B4-BE49-F238E27FC236}">
+                <a16:creationId xmlns:a16="http://schemas.microsoft.com/office/drawing/2014/main" id="{BB0EF155-E4EA-8540-E865-797B87B28D38}"/>
+              </a:ext>
+            </a:extLst>
+          </p:cNvPr>
+          <p:cNvPicPr>
+            <a:picLocks noChangeAspect="1"/>
+          </p:cNvPicPr>
+          <p:nvPr/>
+        </p:nvPicPr>
+        <p:blipFill>
+          <a:blip r:embed="rId3"/>
+          <a:stretch>
+            <a:fillRect/>
+          </a:stretch>
+        </p:blipFill>
+        <p:spPr>
+          <a:xfrm>
+            <a:off x="5601132" y="2384645"/>
+            <a:ext cx="5626389" cy="2679838"/>
+          </a:xfrm>
+          <a:prstGeom prst="rect">
+            <a:avLst/>
+          </a:prstGeom>
+        </p:spPr>
+      </p:pic>
+    </p:spTree>
+    <p:extLst>
+      <p:ext uri="{BB962C8B-B14F-4D97-AF65-F5344CB8AC3E}">
+        <p14:creationId xmlns:p14="http://schemas.microsoft.com/office/powerpoint/2010/main" val="1771259717"/>
+      </p:ext>
+    </p:extLst>
+  </p:cSld>
+  <p:clrMapOvr>
+    <a:masterClrMapping/>
+  </p:clrMapOvr>
+</p:sld>
+</file>
+
+<file path=ppt/slides/slide16.xml><?xml version="1.0" encoding="utf-8"?>
+<p:sld xmlns:a="http://schemas.openxmlformats.org/drawingml/2006/main" xmlns:r="http://schemas.openxmlformats.org/officeDocument/2006/relationships" xmlns:p="http://schemas.openxmlformats.org/presentationml/2006/main">
+  <p:cSld>
+    <p:spTree>
+      <p:nvGrpSpPr>
+        <p:cNvPr id="1" name=""/>
+        <p:cNvGrpSpPr/>
+        <p:nvPr/>
+      </p:nvGrpSpPr>
+      <p:grpSpPr>
+        <a:xfrm>
+          <a:off x="0" y="0"/>
+          <a:ext cx="0" cy="0"/>
+          <a:chOff x="0" y="0"/>
+          <a:chExt cx="0" cy="0"/>
+        </a:xfrm>
+      </p:grpSpPr>
+      <p:pic>
+        <p:nvPicPr>
+          <p:cNvPr id="1026" name="Picture 2" descr="새로운 AI 개발 사상「데이터 중심의 AI」입문">
+            <a:extLst>
+              <a:ext uri="{FF2B5EF4-FFF2-40B4-BE49-F238E27FC236}">
+                <a16:creationId xmlns:a16="http://schemas.microsoft.com/office/drawing/2014/main" id="{4C12D004-903E-3FED-2310-08505E52C9A4}"/>
+              </a:ext>
+            </a:extLst>
+          </p:cNvPr>
+          <p:cNvPicPr>
+            <a:picLocks noChangeAspect="1" noChangeArrowheads="1"/>
+          </p:cNvPicPr>
+          <p:nvPr/>
+        </p:nvPicPr>
+        <p:blipFill>
+          <a:blip r:embed="rId2">
+            <a:extLst>
+              <a:ext uri="{28A0092B-C50C-407E-A947-70E740481C1C}">
+                <a14:useLocalDpi xmlns:a14="http://schemas.microsoft.com/office/drawing/2010/main" val="0"/>
+              </a:ext>
+            </a:extLst>
+          </a:blip>
+          <a:srcRect/>
+          <a:stretch>
+            <a:fillRect/>
+          </a:stretch>
+        </p:blipFill>
+        <p:spPr bwMode="auto">
+          <a:xfrm>
+            <a:off x="423863" y="385763"/>
+            <a:ext cx="11344275" cy="6086475"/>
+          </a:xfrm>
+          <a:prstGeom prst="rect">
+            <a:avLst/>
+          </a:prstGeom>
+          <a:noFill/>
+          <a:extLst>
+            <a:ext uri="{909E8E84-426E-40DD-AFC4-6F175D3DCCD1}">
+              <a14:hiddenFill xmlns:a14="http://schemas.microsoft.com/office/drawing/2010/main">
+                <a:solidFill>
+                  <a:srgbClr val="FFFFFF"/>
+                </a:solidFill>
+              </a14:hiddenFill>
+            </a:ext>
+          </a:extLst>
+        </p:spPr>
+      </p:pic>
+    </p:spTree>
+    <p:extLst>
+      <p:ext uri="{BB962C8B-B14F-4D97-AF65-F5344CB8AC3E}">
+        <p14:creationId xmlns:p14="http://schemas.microsoft.com/office/powerpoint/2010/main" val="3348928799"/>
+      </p:ext>
+    </p:extLst>
+  </p:cSld>
+  <p:clrMapOvr>
+    <a:masterClrMapping/>
+  </p:clrMapOvr>
+</p:sld>
+</file>
+
 <file path=ppt/slides/slide17.xml><?xml version="1.0" encoding="utf-8"?>
 <p:sld xmlns:a="http://schemas.openxmlformats.org/drawingml/2006/main" xmlns:r="http://schemas.openxmlformats.org/officeDocument/2006/relationships" xmlns:p="http://schemas.openxmlformats.org/presentationml/2006/main">
   <p:cSld>
@@ -14438,201 +11570,6 @@
           <p:cNvPr id="2" name="제목 1">
             <a:extLst>
               <a:ext uri="{FF2B5EF4-FFF2-40B4-BE49-F238E27FC236}">
-                <a16:creationId xmlns:a16="http://schemas.microsoft.com/office/drawing/2014/main" id="{5AEEFA70-44ED-7463-8B0A-9D9D34542D97}"/>
-              </a:ext>
-            </a:extLst>
-          </p:cNvPr>
-          <p:cNvSpPr>
-            <a:spLocks noGrp="1"/>
-          </p:cNvSpPr>
-          <p:nvPr>
-            <p:ph type="title"/>
-          </p:nvPr>
-        </p:nvSpPr>
-        <p:spPr/>
-        <p:txBody>
-          <a:bodyPr/>
-          <a:lstStyle/>
-          <a:p>
-            <a:r>
-              <a:rPr lang="ko-KR" altLang="en-US" dirty="0"/>
-              <a:t>데이터는 중요하다</a:t>
-            </a:r>
-          </a:p>
-        </p:txBody>
-      </p:sp>
-      <p:pic>
-        <p:nvPicPr>
-          <p:cNvPr id="5" name="그림 4">
-            <a:extLst>
-              <a:ext uri="{FF2B5EF4-FFF2-40B4-BE49-F238E27FC236}">
-                <a16:creationId xmlns:a16="http://schemas.microsoft.com/office/drawing/2014/main" id="{6E789CA2-ED6F-90CB-7CF0-D426F3969611}"/>
-              </a:ext>
-            </a:extLst>
-          </p:cNvPr>
-          <p:cNvPicPr>
-            <a:picLocks noChangeAspect="1"/>
-          </p:cNvPicPr>
-          <p:nvPr/>
-        </p:nvPicPr>
-        <p:blipFill>
-          <a:blip r:embed="rId2"/>
-          <a:stretch>
-            <a:fillRect/>
-          </a:stretch>
-        </p:blipFill>
-        <p:spPr>
-          <a:xfrm>
-            <a:off x="838200" y="1906367"/>
-            <a:ext cx="4526774" cy="3806420"/>
-          </a:xfrm>
-          <a:prstGeom prst="rect">
-            <a:avLst/>
-          </a:prstGeom>
-        </p:spPr>
-      </p:pic>
-      <p:pic>
-        <p:nvPicPr>
-          <p:cNvPr id="7" name="그림 6">
-            <a:extLst>
-              <a:ext uri="{FF2B5EF4-FFF2-40B4-BE49-F238E27FC236}">
-                <a16:creationId xmlns:a16="http://schemas.microsoft.com/office/drawing/2014/main" id="{BB0EF155-E4EA-8540-E865-797B87B28D38}"/>
-              </a:ext>
-            </a:extLst>
-          </p:cNvPr>
-          <p:cNvPicPr>
-            <a:picLocks noChangeAspect="1"/>
-          </p:cNvPicPr>
-          <p:nvPr/>
-        </p:nvPicPr>
-        <p:blipFill>
-          <a:blip r:embed="rId3"/>
-          <a:stretch>
-            <a:fillRect/>
-          </a:stretch>
-        </p:blipFill>
-        <p:spPr>
-          <a:xfrm>
-            <a:off x="5601132" y="2384645"/>
-            <a:ext cx="5626389" cy="2679838"/>
-          </a:xfrm>
-          <a:prstGeom prst="rect">
-            <a:avLst/>
-          </a:prstGeom>
-        </p:spPr>
-      </p:pic>
-    </p:spTree>
-    <p:extLst>
-      <p:ext uri="{BB962C8B-B14F-4D97-AF65-F5344CB8AC3E}">
-        <p14:creationId xmlns:p14="http://schemas.microsoft.com/office/powerpoint/2010/main" val="1771259717"/>
-      </p:ext>
-    </p:extLst>
-  </p:cSld>
-  <p:clrMapOvr>
-    <a:masterClrMapping/>
-  </p:clrMapOvr>
-</p:sld>
-</file>
-
-<file path=ppt/slides/slide6.xml><?xml version="1.0" encoding="utf-8"?>
-<p:sld xmlns:a="http://schemas.openxmlformats.org/drawingml/2006/main" xmlns:r="http://schemas.openxmlformats.org/officeDocument/2006/relationships" xmlns:p="http://schemas.openxmlformats.org/presentationml/2006/main">
-  <p:cSld>
-    <p:spTree>
-      <p:nvGrpSpPr>
-        <p:cNvPr id="1" name=""/>
-        <p:cNvGrpSpPr/>
-        <p:nvPr/>
-      </p:nvGrpSpPr>
-      <p:grpSpPr>
-        <a:xfrm>
-          <a:off x="0" y="0"/>
-          <a:ext cx="0" cy="0"/>
-          <a:chOff x="0" y="0"/>
-          <a:chExt cx="0" cy="0"/>
-        </a:xfrm>
-      </p:grpSpPr>
-      <p:pic>
-        <p:nvPicPr>
-          <p:cNvPr id="1026" name="Picture 2" descr="새로운 AI 개발 사상「데이터 중심의 AI」입문">
-            <a:extLst>
-              <a:ext uri="{FF2B5EF4-FFF2-40B4-BE49-F238E27FC236}">
-                <a16:creationId xmlns:a16="http://schemas.microsoft.com/office/drawing/2014/main" id="{4C12D004-903E-3FED-2310-08505E52C9A4}"/>
-              </a:ext>
-            </a:extLst>
-          </p:cNvPr>
-          <p:cNvPicPr>
-            <a:picLocks noChangeAspect="1" noChangeArrowheads="1"/>
-          </p:cNvPicPr>
-          <p:nvPr/>
-        </p:nvPicPr>
-        <p:blipFill>
-          <a:blip r:embed="rId2">
-            <a:extLst>
-              <a:ext uri="{28A0092B-C50C-407E-A947-70E740481C1C}">
-                <a14:useLocalDpi xmlns:a14="http://schemas.microsoft.com/office/drawing/2010/main" val="0"/>
-              </a:ext>
-            </a:extLst>
-          </a:blip>
-          <a:srcRect/>
-          <a:stretch>
-            <a:fillRect/>
-          </a:stretch>
-        </p:blipFill>
-        <p:spPr bwMode="auto">
-          <a:xfrm>
-            <a:off x="423863" y="385763"/>
-            <a:ext cx="11344275" cy="6086475"/>
-          </a:xfrm>
-          <a:prstGeom prst="rect">
-            <a:avLst/>
-          </a:prstGeom>
-          <a:noFill/>
-          <a:extLst>
-            <a:ext uri="{909E8E84-426E-40DD-AFC4-6F175D3DCCD1}">
-              <a14:hiddenFill xmlns:a14="http://schemas.microsoft.com/office/drawing/2010/main">
-                <a:solidFill>
-                  <a:srgbClr val="FFFFFF"/>
-                </a:solidFill>
-              </a14:hiddenFill>
-            </a:ext>
-          </a:extLst>
-        </p:spPr>
-      </p:pic>
-    </p:spTree>
-    <p:extLst>
-      <p:ext uri="{BB962C8B-B14F-4D97-AF65-F5344CB8AC3E}">
-        <p14:creationId xmlns:p14="http://schemas.microsoft.com/office/powerpoint/2010/main" val="3348928799"/>
-      </p:ext>
-    </p:extLst>
-  </p:cSld>
-  <p:clrMapOvr>
-    <a:masterClrMapping/>
-  </p:clrMapOvr>
-</p:sld>
-</file>
-
-<file path=ppt/slides/slide7.xml><?xml version="1.0" encoding="utf-8"?>
-<p:sld xmlns:a="http://schemas.openxmlformats.org/drawingml/2006/main" xmlns:r="http://schemas.openxmlformats.org/officeDocument/2006/relationships" xmlns:p="http://schemas.openxmlformats.org/presentationml/2006/main">
-  <p:cSld>
-    <p:spTree>
-      <p:nvGrpSpPr>
-        <p:cNvPr id="1" name=""/>
-        <p:cNvGrpSpPr/>
-        <p:nvPr/>
-      </p:nvGrpSpPr>
-      <p:grpSpPr>
-        <a:xfrm>
-          <a:off x="0" y="0"/>
-          <a:ext cx="0" cy="0"/>
-          <a:chOff x="0" y="0"/>
-          <a:chExt cx="0" cy="0"/>
-        </a:xfrm>
-      </p:grpSpPr>
-      <p:sp>
-        <p:nvSpPr>
-          <p:cNvPr id="2" name="제목 1">
-            <a:extLst>
-              <a:ext uri="{FF2B5EF4-FFF2-40B4-BE49-F238E27FC236}">
                 <a16:creationId xmlns:a16="http://schemas.microsoft.com/office/drawing/2014/main" id="{33BF27DF-94C4-33C4-EAC9-34C24E8AEDD2}"/>
               </a:ext>
             </a:extLst>
@@ -14782,7 +11719,7 @@
 </p:sld>
 </file>
 
-<file path=ppt/slides/slide8.xml><?xml version="1.0" encoding="utf-8"?>
+<file path=ppt/slides/slide6.xml><?xml version="1.0" encoding="utf-8"?>
 <p:sld xmlns:a="http://schemas.openxmlformats.org/drawingml/2006/main" xmlns:r="http://schemas.openxmlformats.org/officeDocument/2006/relationships" xmlns:p="http://schemas.openxmlformats.org/presentationml/2006/main">
   <p:cSld>
     <p:spTree>
@@ -15351,7 +12288,7 @@
 </p:sld>
 </file>
 
-<file path=ppt/slides/slide9.xml><?xml version="1.0" encoding="utf-8"?>
+<file path=ppt/slides/slide7.xml><?xml version="1.0" encoding="utf-8"?>
 <p:sld xmlns:a="http://schemas.openxmlformats.org/drawingml/2006/main" xmlns:r="http://schemas.openxmlformats.org/officeDocument/2006/relationships" xmlns:p="http://schemas.openxmlformats.org/presentationml/2006/main">
   <p:cSld>
     <p:spTree>
@@ -15769,6 +12706,3069 @@
       <p:bldP spid="7" grpId="0" animBg="1"/>
     </p:bldLst>
   </p:timing>
+</p:sld>
+</file>
+
+<file path=ppt/slides/slide8.xml><?xml version="1.0" encoding="utf-8"?>
+<p:sld xmlns:a="http://schemas.openxmlformats.org/drawingml/2006/main" xmlns:r="http://schemas.openxmlformats.org/officeDocument/2006/relationships" xmlns:p="http://schemas.openxmlformats.org/presentationml/2006/main">
+  <p:cSld>
+    <p:spTree>
+      <p:nvGrpSpPr>
+        <p:cNvPr id="1" name=""/>
+        <p:cNvGrpSpPr/>
+        <p:nvPr/>
+      </p:nvGrpSpPr>
+      <p:grpSpPr>
+        <a:xfrm>
+          <a:off x="0" y="0"/>
+          <a:ext cx="0" cy="0"/>
+          <a:chOff x="0" y="0"/>
+          <a:chExt cx="0" cy="0"/>
+        </a:xfrm>
+      </p:grpSpPr>
+      <p:sp>
+        <p:nvSpPr>
+          <p:cNvPr id="2" name="제목 1">
+            <a:extLst>
+              <a:ext uri="{FF2B5EF4-FFF2-40B4-BE49-F238E27FC236}">
+                <a16:creationId xmlns:a16="http://schemas.microsoft.com/office/drawing/2014/main" id="{CA438666-7AB8-0C9A-E167-E87982920BC9}"/>
+              </a:ext>
+            </a:extLst>
+          </p:cNvPr>
+          <p:cNvSpPr>
+            <a:spLocks noGrp="1"/>
+          </p:cNvSpPr>
+          <p:nvPr>
+            <p:ph type="title"/>
+          </p:nvPr>
+        </p:nvSpPr>
+        <p:spPr/>
+        <p:txBody>
+          <a:bodyPr/>
+          <a:lstStyle/>
+          <a:p>
+            <a:r>
+              <a:rPr lang="ko-KR" altLang="en-US" dirty="0" err="1"/>
+              <a:t>퍼셉트론</a:t>
+            </a:r>
+            <a:endParaRPr lang="ko-KR" altLang="en-US" dirty="0"/>
+          </a:p>
+        </p:txBody>
+      </p:sp>
+      <p:sp>
+        <p:nvSpPr>
+          <p:cNvPr id="4" name="타원 3">
+            <a:extLst>
+              <a:ext uri="{FF2B5EF4-FFF2-40B4-BE49-F238E27FC236}">
+                <a16:creationId xmlns:a16="http://schemas.microsoft.com/office/drawing/2014/main" id="{EB5D0A2A-53FC-2D0F-F7D5-A1C5171A9F2C}"/>
+              </a:ext>
+            </a:extLst>
+          </p:cNvPr>
+          <p:cNvSpPr/>
+          <p:nvPr/>
+        </p:nvSpPr>
+        <p:spPr>
+          <a:xfrm>
+            <a:off x="2327563" y="1862051"/>
+            <a:ext cx="4131426" cy="4131426"/>
+          </a:xfrm>
+          <a:prstGeom prst="ellipse">
+            <a:avLst/>
+          </a:prstGeom>
+          <a:solidFill>
+            <a:schemeClr val="bg1"/>
+          </a:solidFill>
+          <a:ln>
+            <a:solidFill>
+              <a:schemeClr val="tx1"/>
+            </a:solidFill>
+          </a:ln>
+        </p:spPr>
+        <p:style>
+          <a:lnRef idx="2">
+            <a:schemeClr val="accent1">
+              <a:shade val="15000"/>
+            </a:schemeClr>
+          </a:lnRef>
+          <a:fillRef idx="1">
+            <a:schemeClr val="accent1"/>
+          </a:fillRef>
+          <a:effectRef idx="0">
+            <a:schemeClr val="accent1"/>
+          </a:effectRef>
+          <a:fontRef idx="minor">
+            <a:schemeClr val="lt1"/>
+          </a:fontRef>
+        </p:style>
+        <p:txBody>
+          <a:bodyPr rtlCol="0" anchor="ctr"/>
+          <a:lstStyle/>
+          <a:p>
+            <a:pPr algn="ctr"/>
+            <a:endParaRPr lang="ko-KR" altLang="en-US" dirty="0"/>
+          </a:p>
+        </p:txBody>
+      </p:sp>
+      <p:cxnSp>
+        <p:nvCxnSpPr>
+          <p:cNvPr id="6" name="직선 화살표 연결선 5">
+            <a:extLst>
+              <a:ext uri="{FF2B5EF4-FFF2-40B4-BE49-F238E27FC236}">
+                <a16:creationId xmlns:a16="http://schemas.microsoft.com/office/drawing/2014/main" id="{A1477999-0C5A-7184-EA76-4240CB02FE6B}"/>
+              </a:ext>
+            </a:extLst>
+          </p:cNvPr>
+          <p:cNvCxnSpPr>
+            <a:endCxn id="4" idx="2"/>
+          </p:cNvCxnSpPr>
+          <p:nvPr/>
+        </p:nvCxnSpPr>
+        <p:spPr>
+          <a:xfrm>
+            <a:off x="748145" y="3927764"/>
+            <a:ext cx="1579418" cy="0"/>
+          </a:xfrm>
+          <a:prstGeom prst="straightConnector1">
+            <a:avLst/>
+          </a:prstGeom>
+          <a:ln>
+            <a:tailEnd type="triangle"/>
+          </a:ln>
+        </p:spPr>
+        <p:style>
+          <a:lnRef idx="1">
+            <a:schemeClr val="accent1"/>
+          </a:lnRef>
+          <a:fillRef idx="0">
+            <a:schemeClr val="accent1"/>
+          </a:fillRef>
+          <a:effectRef idx="0">
+            <a:schemeClr val="accent1"/>
+          </a:effectRef>
+          <a:fontRef idx="minor">
+            <a:schemeClr val="tx1"/>
+          </a:fontRef>
+        </p:style>
+      </p:cxnSp>
+      <p:sp>
+        <p:nvSpPr>
+          <p:cNvPr id="7" name="직사각형 6">
+            <a:extLst>
+              <a:ext uri="{FF2B5EF4-FFF2-40B4-BE49-F238E27FC236}">
+                <a16:creationId xmlns:a16="http://schemas.microsoft.com/office/drawing/2014/main" id="{972E9738-1A73-FCA0-2BE9-B309A43A1992}"/>
+              </a:ext>
+            </a:extLst>
+          </p:cNvPr>
+          <p:cNvSpPr/>
+          <p:nvPr/>
+        </p:nvSpPr>
+        <p:spPr>
+          <a:xfrm>
+            <a:off x="954577" y="3194346"/>
+            <a:ext cx="1065415" cy="562055"/>
+          </a:xfrm>
+          <a:prstGeom prst="rect">
+            <a:avLst/>
+          </a:prstGeom>
+          <a:solidFill>
+            <a:schemeClr val="bg1"/>
+          </a:solidFill>
+          <a:ln>
+            <a:solidFill>
+              <a:schemeClr val="tx1"/>
+            </a:solidFill>
+          </a:ln>
+        </p:spPr>
+        <p:style>
+          <a:lnRef idx="2">
+            <a:schemeClr val="accent1">
+              <a:shade val="15000"/>
+            </a:schemeClr>
+          </a:lnRef>
+          <a:fillRef idx="1">
+            <a:schemeClr val="accent1"/>
+          </a:fillRef>
+          <a:effectRef idx="0">
+            <a:schemeClr val="accent1"/>
+          </a:effectRef>
+          <a:fontRef idx="minor">
+            <a:schemeClr val="lt1"/>
+          </a:fontRef>
+        </p:style>
+        <p:txBody>
+          <a:bodyPr rtlCol="0" anchor="ctr"/>
+          <a:lstStyle/>
+          <a:p>
+            <a:pPr algn="ctr"/>
+            <a:r>
+              <a:rPr lang="ko-KR" altLang="en-US" dirty="0">
+                <a:solidFill>
+                  <a:sysClr val="windowText" lastClr="000000"/>
+                </a:solidFill>
+              </a:rPr>
+              <a:t>입력</a:t>
+            </a:r>
+          </a:p>
+        </p:txBody>
+      </p:sp>
+      <p:cxnSp>
+        <p:nvCxnSpPr>
+          <p:cNvPr id="9" name="직선 화살표 연결선 8">
+            <a:extLst>
+              <a:ext uri="{FF2B5EF4-FFF2-40B4-BE49-F238E27FC236}">
+                <a16:creationId xmlns:a16="http://schemas.microsoft.com/office/drawing/2014/main" id="{2E161966-AD88-A86B-2861-D9A86B18C0C6}"/>
+              </a:ext>
+            </a:extLst>
+          </p:cNvPr>
+          <p:cNvCxnSpPr>
+            <a:stCxn id="4" idx="6"/>
+          </p:cNvCxnSpPr>
+          <p:nvPr/>
+        </p:nvCxnSpPr>
+        <p:spPr>
+          <a:xfrm>
+            <a:off x="6458989" y="3927764"/>
+            <a:ext cx="2435629" cy="0"/>
+          </a:xfrm>
+          <a:prstGeom prst="straightConnector1">
+            <a:avLst/>
+          </a:prstGeom>
+          <a:ln>
+            <a:tailEnd type="triangle"/>
+          </a:ln>
+        </p:spPr>
+        <p:style>
+          <a:lnRef idx="1">
+            <a:schemeClr val="accent1"/>
+          </a:lnRef>
+          <a:fillRef idx="0">
+            <a:schemeClr val="accent1"/>
+          </a:fillRef>
+          <a:effectRef idx="0">
+            <a:schemeClr val="accent1"/>
+          </a:effectRef>
+          <a:fontRef idx="minor">
+            <a:schemeClr val="tx1"/>
+          </a:fontRef>
+        </p:style>
+      </p:cxnSp>
+      <p:sp>
+        <p:nvSpPr>
+          <p:cNvPr id="10" name="직사각형 9">
+            <a:extLst>
+              <a:ext uri="{FF2B5EF4-FFF2-40B4-BE49-F238E27FC236}">
+                <a16:creationId xmlns:a16="http://schemas.microsoft.com/office/drawing/2014/main" id="{65E49F47-9B73-F6AF-A15D-B4617A73559E}"/>
+              </a:ext>
+            </a:extLst>
+          </p:cNvPr>
+          <p:cNvSpPr/>
+          <p:nvPr/>
+        </p:nvSpPr>
+        <p:spPr>
+          <a:xfrm>
+            <a:off x="7144096" y="3206815"/>
+            <a:ext cx="1065415" cy="562055"/>
+          </a:xfrm>
+          <a:prstGeom prst="rect">
+            <a:avLst/>
+          </a:prstGeom>
+          <a:solidFill>
+            <a:schemeClr val="bg1"/>
+          </a:solidFill>
+          <a:ln>
+            <a:solidFill>
+              <a:schemeClr val="tx1"/>
+            </a:solidFill>
+          </a:ln>
+        </p:spPr>
+        <p:style>
+          <a:lnRef idx="2">
+            <a:schemeClr val="accent1">
+              <a:shade val="15000"/>
+            </a:schemeClr>
+          </a:lnRef>
+          <a:fillRef idx="1">
+            <a:schemeClr val="accent1"/>
+          </a:fillRef>
+          <a:effectRef idx="0">
+            <a:schemeClr val="accent1"/>
+          </a:effectRef>
+          <a:fontRef idx="minor">
+            <a:schemeClr val="lt1"/>
+          </a:fontRef>
+        </p:style>
+        <p:txBody>
+          <a:bodyPr rtlCol="0" anchor="ctr"/>
+          <a:lstStyle/>
+          <a:p>
+            <a:pPr algn="ctr"/>
+            <a:r>
+              <a:rPr lang="ko-KR" altLang="en-US" dirty="0">
+                <a:solidFill>
+                  <a:sysClr val="windowText" lastClr="000000"/>
+                </a:solidFill>
+              </a:rPr>
+              <a:t>출력</a:t>
+            </a:r>
+          </a:p>
+        </p:txBody>
+      </p:sp>
+      <p:cxnSp>
+        <p:nvCxnSpPr>
+          <p:cNvPr id="3" name="직선 화살표 연결선 2">
+            <a:extLst>
+              <a:ext uri="{FF2B5EF4-FFF2-40B4-BE49-F238E27FC236}">
+                <a16:creationId xmlns:a16="http://schemas.microsoft.com/office/drawing/2014/main" id="{A8EC6FCD-42BE-694A-6AB7-995FFDB45C7C}"/>
+              </a:ext>
+            </a:extLst>
+          </p:cNvPr>
+          <p:cNvCxnSpPr>
+            <a:cxnSpLocks/>
+            <a:endCxn id="4" idx="2"/>
+          </p:cNvCxnSpPr>
+          <p:nvPr/>
+        </p:nvCxnSpPr>
+        <p:spPr>
+          <a:xfrm flipV="1">
+            <a:off x="748145" y="3927764"/>
+            <a:ext cx="1579418" cy="501535"/>
+          </a:xfrm>
+          <a:prstGeom prst="straightConnector1">
+            <a:avLst/>
+          </a:prstGeom>
+          <a:ln>
+            <a:tailEnd type="triangle"/>
+          </a:ln>
+        </p:spPr>
+        <p:style>
+          <a:lnRef idx="1">
+            <a:schemeClr val="accent1"/>
+          </a:lnRef>
+          <a:fillRef idx="0">
+            <a:schemeClr val="accent1"/>
+          </a:fillRef>
+          <a:effectRef idx="0">
+            <a:schemeClr val="accent1"/>
+          </a:effectRef>
+          <a:fontRef idx="minor">
+            <a:schemeClr val="tx1"/>
+          </a:fontRef>
+        </p:style>
+      </p:cxnSp>
+      <p:cxnSp>
+        <p:nvCxnSpPr>
+          <p:cNvPr id="11" name="직선 화살표 연결선 10">
+            <a:extLst>
+              <a:ext uri="{FF2B5EF4-FFF2-40B4-BE49-F238E27FC236}">
+                <a16:creationId xmlns:a16="http://schemas.microsoft.com/office/drawing/2014/main" id="{4A9267E7-2906-3087-E62D-A83B338A550D}"/>
+              </a:ext>
+            </a:extLst>
+          </p:cNvPr>
+          <p:cNvCxnSpPr/>
+          <p:nvPr/>
+        </p:nvCxnSpPr>
+        <p:spPr>
+          <a:xfrm>
+            <a:off x="3869574" y="3927763"/>
+            <a:ext cx="1047403" cy="0"/>
+          </a:xfrm>
+          <a:prstGeom prst="straightConnector1">
+            <a:avLst/>
+          </a:prstGeom>
+          <a:ln>
+            <a:tailEnd type="triangle"/>
+          </a:ln>
+        </p:spPr>
+        <p:style>
+          <a:lnRef idx="1">
+            <a:schemeClr val="accent1"/>
+          </a:lnRef>
+          <a:fillRef idx="0">
+            <a:schemeClr val="accent1"/>
+          </a:fillRef>
+          <a:effectRef idx="0">
+            <a:schemeClr val="accent1"/>
+          </a:effectRef>
+          <a:fontRef idx="minor">
+            <a:schemeClr val="tx1"/>
+          </a:fontRef>
+        </p:style>
+      </p:cxnSp>
+      <p:sp>
+        <p:nvSpPr>
+          <p:cNvPr id="12" name="TextBox 11">
+            <a:extLst>
+              <a:ext uri="{FF2B5EF4-FFF2-40B4-BE49-F238E27FC236}">
+                <a16:creationId xmlns:a16="http://schemas.microsoft.com/office/drawing/2014/main" id="{06200F41-36BC-854A-F1D0-3908632F1E53}"/>
+              </a:ext>
+            </a:extLst>
+          </p:cNvPr>
+          <p:cNvSpPr txBox="1"/>
+          <p:nvPr/>
+        </p:nvSpPr>
+        <p:spPr>
+          <a:xfrm>
+            <a:off x="2327563" y="3475373"/>
+            <a:ext cx="2484976" cy="369332"/>
+          </a:xfrm>
+          <a:prstGeom prst="rect">
+            <a:avLst/>
+          </a:prstGeom>
+          <a:noFill/>
+        </p:spPr>
+        <p:txBody>
+          <a:bodyPr wrap="none" rtlCol="0">
+            <a:spAutoFit/>
+          </a:bodyPr>
+          <a:lstStyle/>
+          <a:p>
+            <a:r>
+              <a:rPr lang="ko-KR" altLang="en-US" dirty="0"/>
+              <a:t>입력</a:t>
+            </a:r>
+            <a:r>
+              <a:rPr lang="en-US" altLang="ko-KR" b="0" i="0" dirty="0">
+                <a:effectLst/>
+                <a:latin typeface="Open Sans" panose="020B0606030504020204" pitchFamily="34" charset="0"/>
+              </a:rPr>
+              <a:t>·</a:t>
+            </a:r>
+            <a:r>
+              <a:rPr lang="ko-KR" altLang="en-US" dirty="0"/>
+              <a:t>가중치</a:t>
+            </a:r>
+            <a:r>
+              <a:rPr lang="en-US" altLang="ko-KR" dirty="0"/>
+              <a:t>+</a:t>
+            </a:r>
+            <a:r>
+              <a:rPr lang="ko-KR" altLang="en-US" dirty="0"/>
+              <a:t>바이어스</a:t>
+            </a:r>
+          </a:p>
+        </p:txBody>
+      </p:sp>
+      <p:sp>
+        <p:nvSpPr>
+          <p:cNvPr id="13" name="TextBox 12">
+            <a:extLst>
+              <a:ext uri="{FF2B5EF4-FFF2-40B4-BE49-F238E27FC236}">
+                <a16:creationId xmlns:a16="http://schemas.microsoft.com/office/drawing/2014/main" id="{CF3D0114-9DEF-317F-299F-30B1C67CE068}"/>
+              </a:ext>
+            </a:extLst>
+          </p:cNvPr>
+          <p:cNvSpPr txBox="1"/>
+          <p:nvPr/>
+        </p:nvSpPr>
+        <p:spPr>
+          <a:xfrm>
+            <a:off x="5066944" y="3756401"/>
+            <a:ext cx="1107996" cy="369332"/>
+          </a:xfrm>
+          <a:prstGeom prst="rect">
+            <a:avLst/>
+          </a:prstGeom>
+          <a:noFill/>
+        </p:spPr>
+        <p:txBody>
+          <a:bodyPr wrap="none" rtlCol="0">
+            <a:spAutoFit/>
+          </a:bodyPr>
+          <a:lstStyle/>
+          <a:p>
+            <a:r>
+              <a:rPr lang="ko-KR" altLang="en-US" dirty="0"/>
+              <a:t>활성함수</a:t>
+            </a:r>
+          </a:p>
+        </p:txBody>
+      </p:sp>
+      <p:cxnSp>
+        <p:nvCxnSpPr>
+          <p:cNvPr id="15" name="직선 화살표 연결선 14">
+            <a:extLst>
+              <a:ext uri="{FF2B5EF4-FFF2-40B4-BE49-F238E27FC236}">
+                <a16:creationId xmlns:a16="http://schemas.microsoft.com/office/drawing/2014/main" id="{8B45DBD1-BECC-BE59-660F-81863F59055F}"/>
+              </a:ext>
+            </a:extLst>
+          </p:cNvPr>
+          <p:cNvCxnSpPr>
+            <a:cxnSpLocks/>
+          </p:cNvCxnSpPr>
+          <p:nvPr/>
+        </p:nvCxnSpPr>
+        <p:spPr>
+          <a:xfrm flipV="1">
+            <a:off x="5694218" y="2514016"/>
+            <a:ext cx="1371600" cy="1146023"/>
+          </a:xfrm>
+          <a:prstGeom prst="straightConnector1">
+            <a:avLst/>
+          </a:prstGeom>
+          <a:ln>
+            <a:tailEnd type="triangle"/>
+          </a:ln>
+        </p:spPr>
+        <p:style>
+          <a:lnRef idx="1">
+            <a:schemeClr val="accent1"/>
+          </a:lnRef>
+          <a:fillRef idx="0">
+            <a:schemeClr val="accent1"/>
+          </a:fillRef>
+          <a:effectRef idx="0">
+            <a:schemeClr val="accent1"/>
+          </a:effectRef>
+          <a:fontRef idx="minor">
+            <a:schemeClr val="tx1"/>
+          </a:fontRef>
+        </p:style>
+      </p:cxnSp>
+      <p:pic>
+        <p:nvPicPr>
+          <p:cNvPr id="3074" name="Picture 2" descr="logistic">
+            <a:extLst>
+              <a:ext uri="{FF2B5EF4-FFF2-40B4-BE49-F238E27FC236}">
+                <a16:creationId xmlns:a16="http://schemas.microsoft.com/office/drawing/2014/main" id="{6D504E36-59D9-2B5A-5C00-895B6DB0DFA7}"/>
+              </a:ext>
+            </a:extLst>
+          </p:cNvPr>
+          <p:cNvPicPr>
+            <a:picLocks noChangeAspect="1" noChangeArrowheads="1"/>
+          </p:cNvPicPr>
+          <p:nvPr/>
+        </p:nvPicPr>
+        <p:blipFill>
+          <a:blip r:embed="rId2">
+            <a:extLst>
+              <a:ext uri="{28A0092B-C50C-407E-A947-70E740481C1C}">
+                <a14:useLocalDpi xmlns:a14="http://schemas.microsoft.com/office/drawing/2010/main" val="0"/>
+              </a:ext>
+            </a:extLst>
+          </a:blip>
+          <a:srcRect/>
+          <a:stretch>
+            <a:fillRect/>
+          </a:stretch>
+        </p:blipFill>
+        <p:spPr bwMode="auto">
+          <a:xfrm>
+            <a:off x="7065818" y="120052"/>
+            <a:ext cx="3599022" cy="2399349"/>
+          </a:xfrm>
+          <a:prstGeom prst="rect">
+            <a:avLst/>
+          </a:prstGeom>
+          <a:noFill/>
+          <a:extLst>
+            <a:ext uri="{909E8E84-426E-40DD-AFC4-6F175D3DCCD1}">
+              <a14:hiddenFill xmlns:a14="http://schemas.microsoft.com/office/drawing/2010/main">
+                <a:solidFill>
+                  <a:srgbClr val="FFFFFF"/>
+                </a:solidFill>
+              </a14:hiddenFill>
+            </a:ext>
+          </a:extLst>
+        </p:spPr>
+      </p:pic>
+      <p:cxnSp>
+        <p:nvCxnSpPr>
+          <p:cNvPr id="5" name="직선 화살표 연결선 4">
+            <a:extLst>
+              <a:ext uri="{FF2B5EF4-FFF2-40B4-BE49-F238E27FC236}">
+                <a16:creationId xmlns:a16="http://schemas.microsoft.com/office/drawing/2014/main" id="{D58C0302-9E17-F5C5-9BB9-51EC6F473375}"/>
+              </a:ext>
+            </a:extLst>
+          </p:cNvPr>
+          <p:cNvCxnSpPr>
+            <a:cxnSpLocks/>
+            <a:endCxn id="4" idx="2"/>
+          </p:cNvCxnSpPr>
+          <p:nvPr/>
+        </p:nvCxnSpPr>
+        <p:spPr>
+          <a:xfrm flipV="1">
+            <a:off x="748145" y="3927764"/>
+            <a:ext cx="1579418" cy="958272"/>
+          </a:xfrm>
+          <a:prstGeom prst="straightConnector1">
+            <a:avLst/>
+          </a:prstGeom>
+          <a:ln>
+            <a:tailEnd type="triangle"/>
+          </a:ln>
+        </p:spPr>
+        <p:style>
+          <a:lnRef idx="1">
+            <a:schemeClr val="accent1"/>
+          </a:lnRef>
+          <a:fillRef idx="0">
+            <a:schemeClr val="accent1"/>
+          </a:fillRef>
+          <a:effectRef idx="0">
+            <a:schemeClr val="accent1"/>
+          </a:effectRef>
+          <a:fontRef idx="minor">
+            <a:schemeClr val="tx1"/>
+          </a:fontRef>
+        </p:style>
+      </p:cxnSp>
+    </p:spTree>
+    <p:extLst>
+      <p:ext uri="{BB962C8B-B14F-4D97-AF65-F5344CB8AC3E}">
+        <p14:creationId xmlns:p14="http://schemas.microsoft.com/office/powerpoint/2010/main" val="2084579623"/>
+      </p:ext>
+    </p:extLst>
+  </p:cSld>
+  <p:clrMapOvr>
+    <a:masterClrMapping/>
+  </p:clrMapOvr>
+  <p:timing>
+    <p:tnLst>
+      <p:par>
+        <p:cTn id="1" dur="indefinite" restart="never" nodeType="tmRoot">
+          <p:childTnLst>
+            <p:seq concurrent="1" nextAc="seek">
+              <p:cTn id="2" dur="indefinite" nodeType="mainSeq">
+                <p:childTnLst>
+                  <p:par>
+                    <p:cTn id="3" fill="hold">
+                      <p:stCondLst>
+                        <p:cond delay="indefinite"/>
+                      </p:stCondLst>
+                      <p:childTnLst>
+                        <p:par>
+                          <p:cTn id="4" fill="hold">
+                            <p:stCondLst>
+                              <p:cond delay="0"/>
+                            </p:stCondLst>
+                            <p:childTnLst>
+                              <p:par>
+                                <p:cTn id="5" presetID="1" presetClass="entr" presetSubtype="0" fill="hold" nodeType="clickEffect">
+                                  <p:stCondLst>
+                                    <p:cond delay="0"/>
+                                  </p:stCondLst>
+                                  <p:childTnLst>
+                                    <p:set>
+                                      <p:cBhvr>
+                                        <p:cTn id="6" dur="1" fill="hold">
+                                          <p:stCondLst>
+                                            <p:cond delay="0"/>
+                                          </p:stCondLst>
+                                        </p:cTn>
+                                        <p:tgtEl>
+                                          <p:spTgt spid="6"/>
+                                        </p:tgtEl>
+                                        <p:attrNameLst>
+                                          <p:attrName>style.visibility</p:attrName>
+                                        </p:attrNameLst>
+                                      </p:cBhvr>
+                                      <p:to>
+                                        <p:strVal val="visible"/>
+                                      </p:to>
+                                    </p:set>
+                                  </p:childTnLst>
+                                </p:cTn>
+                              </p:par>
+                              <p:par>
+                                <p:cTn id="7" presetID="1" presetClass="entr" presetSubtype="0" fill="hold" grpId="0" nodeType="withEffect">
+                                  <p:stCondLst>
+                                    <p:cond delay="0"/>
+                                  </p:stCondLst>
+                                  <p:childTnLst>
+                                    <p:set>
+                                      <p:cBhvr>
+                                        <p:cTn id="8" dur="1" fill="hold">
+                                          <p:stCondLst>
+                                            <p:cond delay="0"/>
+                                          </p:stCondLst>
+                                        </p:cTn>
+                                        <p:tgtEl>
+                                          <p:spTgt spid="7"/>
+                                        </p:tgtEl>
+                                        <p:attrNameLst>
+                                          <p:attrName>style.visibility</p:attrName>
+                                        </p:attrNameLst>
+                                      </p:cBhvr>
+                                      <p:to>
+                                        <p:strVal val="visible"/>
+                                      </p:to>
+                                    </p:set>
+                                  </p:childTnLst>
+                                </p:cTn>
+                              </p:par>
+                              <p:par>
+                                <p:cTn id="9" presetID="1" presetClass="entr" presetSubtype="0" fill="hold" nodeType="withEffect">
+                                  <p:stCondLst>
+                                    <p:cond delay="0"/>
+                                  </p:stCondLst>
+                                  <p:childTnLst>
+                                    <p:set>
+                                      <p:cBhvr>
+                                        <p:cTn id="10" dur="1" fill="hold">
+                                          <p:stCondLst>
+                                            <p:cond delay="0"/>
+                                          </p:stCondLst>
+                                        </p:cTn>
+                                        <p:tgtEl>
+                                          <p:spTgt spid="3"/>
+                                        </p:tgtEl>
+                                        <p:attrNameLst>
+                                          <p:attrName>style.visibility</p:attrName>
+                                        </p:attrNameLst>
+                                      </p:cBhvr>
+                                      <p:to>
+                                        <p:strVal val="visible"/>
+                                      </p:to>
+                                    </p:set>
+                                  </p:childTnLst>
+                                </p:cTn>
+                              </p:par>
+                              <p:par>
+                                <p:cTn id="11" presetID="1" presetClass="entr" presetSubtype="0" fill="hold" nodeType="withEffect">
+                                  <p:stCondLst>
+                                    <p:cond delay="0"/>
+                                  </p:stCondLst>
+                                  <p:childTnLst>
+                                    <p:set>
+                                      <p:cBhvr>
+                                        <p:cTn id="12" dur="1" fill="hold">
+                                          <p:stCondLst>
+                                            <p:cond delay="0"/>
+                                          </p:stCondLst>
+                                        </p:cTn>
+                                        <p:tgtEl>
+                                          <p:spTgt spid="5"/>
+                                        </p:tgtEl>
+                                        <p:attrNameLst>
+                                          <p:attrName>style.visibility</p:attrName>
+                                        </p:attrNameLst>
+                                      </p:cBhvr>
+                                      <p:to>
+                                        <p:strVal val="visible"/>
+                                      </p:to>
+                                    </p:set>
+                                  </p:childTnLst>
+                                </p:cTn>
+                              </p:par>
+                            </p:childTnLst>
+                          </p:cTn>
+                        </p:par>
+                      </p:childTnLst>
+                    </p:cTn>
+                  </p:par>
+                  <p:par>
+                    <p:cTn id="13" fill="hold">
+                      <p:stCondLst>
+                        <p:cond delay="indefinite"/>
+                      </p:stCondLst>
+                      <p:childTnLst>
+                        <p:par>
+                          <p:cTn id="14" fill="hold">
+                            <p:stCondLst>
+                              <p:cond delay="0"/>
+                            </p:stCondLst>
+                            <p:childTnLst>
+                              <p:par>
+                                <p:cTn id="15" presetID="1" presetClass="entr" presetSubtype="0" fill="hold" grpId="0" nodeType="clickEffect">
+                                  <p:stCondLst>
+                                    <p:cond delay="0"/>
+                                  </p:stCondLst>
+                                  <p:childTnLst>
+                                    <p:set>
+                                      <p:cBhvr>
+                                        <p:cTn id="16" dur="1" fill="hold">
+                                          <p:stCondLst>
+                                            <p:cond delay="0"/>
+                                          </p:stCondLst>
+                                        </p:cTn>
+                                        <p:tgtEl>
+                                          <p:spTgt spid="12"/>
+                                        </p:tgtEl>
+                                        <p:attrNameLst>
+                                          <p:attrName>style.visibility</p:attrName>
+                                        </p:attrNameLst>
+                                      </p:cBhvr>
+                                      <p:to>
+                                        <p:strVal val="visible"/>
+                                      </p:to>
+                                    </p:set>
+                                  </p:childTnLst>
+                                </p:cTn>
+                              </p:par>
+                            </p:childTnLst>
+                          </p:cTn>
+                        </p:par>
+                      </p:childTnLst>
+                    </p:cTn>
+                  </p:par>
+                  <p:par>
+                    <p:cTn id="17" fill="hold">
+                      <p:stCondLst>
+                        <p:cond delay="indefinite"/>
+                      </p:stCondLst>
+                      <p:childTnLst>
+                        <p:par>
+                          <p:cTn id="18" fill="hold">
+                            <p:stCondLst>
+                              <p:cond delay="0"/>
+                            </p:stCondLst>
+                            <p:childTnLst>
+                              <p:par>
+                                <p:cTn id="19" presetID="1" presetClass="entr" presetSubtype="0" fill="hold" nodeType="clickEffect">
+                                  <p:stCondLst>
+                                    <p:cond delay="0"/>
+                                  </p:stCondLst>
+                                  <p:childTnLst>
+                                    <p:set>
+                                      <p:cBhvr>
+                                        <p:cTn id="20" dur="1" fill="hold">
+                                          <p:stCondLst>
+                                            <p:cond delay="0"/>
+                                          </p:stCondLst>
+                                        </p:cTn>
+                                        <p:tgtEl>
+                                          <p:spTgt spid="11"/>
+                                        </p:tgtEl>
+                                        <p:attrNameLst>
+                                          <p:attrName>style.visibility</p:attrName>
+                                        </p:attrNameLst>
+                                      </p:cBhvr>
+                                      <p:to>
+                                        <p:strVal val="visible"/>
+                                      </p:to>
+                                    </p:set>
+                                  </p:childTnLst>
+                                </p:cTn>
+                              </p:par>
+                              <p:par>
+                                <p:cTn id="21" presetID="1" presetClass="entr" presetSubtype="0" fill="hold" grpId="0" nodeType="withEffect">
+                                  <p:stCondLst>
+                                    <p:cond delay="0"/>
+                                  </p:stCondLst>
+                                  <p:childTnLst>
+                                    <p:set>
+                                      <p:cBhvr>
+                                        <p:cTn id="22" dur="1" fill="hold">
+                                          <p:stCondLst>
+                                            <p:cond delay="0"/>
+                                          </p:stCondLst>
+                                        </p:cTn>
+                                        <p:tgtEl>
+                                          <p:spTgt spid="13"/>
+                                        </p:tgtEl>
+                                        <p:attrNameLst>
+                                          <p:attrName>style.visibility</p:attrName>
+                                        </p:attrNameLst>
+                                      </p:cBhvr>
+                                      <p:to>
+                                        <p:strVal val="visible"/>
+                                      </p:to>
+                                    </p:set>
+                                  </p:childTnLst>
+                                </p:cTn>
+                              </p:par>
+                            </p:childTnLst>
+                          </p:cTn>
+                        </p:par>
+                      </p:childTnLst>
+                    </p:cTn>
+                  </p:par>
+                  <p:par>
+                    <p:cTn id="23" fill="hold">
+                      <p:stCondLst>
+                        <p:cond delay="indefinite"/>
+                      </p:stCondLst>
+                      <p:childTnLst>
+                        <p:par>
+                          <p:cTn id="24" fill="hold">
+                            <p:stCondLst>
+                              <p:cond delay="0"/>
+                            </p:stCondLst>
+                            <p:childTnLst>
+                              <p:par>
+                                <p:cTn id="25" presetID="1" presetClass="entr" presetSubtype="0" fill="hold" nodeType="clickEffect">
+                                  <p:stCondLst>
+                                    <p:cond delay="0"/>
+                                  </p:stCondLst>
+                                  <p:childTnLst>
+                                    <p:set>
+                                      <p:cBhvr>
+                                        <p:cTn id="26" dur="1" fill="hold">
+                                          <p:stCondLst>
+                                            <p:cond delay="0"/>
+                                          </p:stCondLst>
+                                        </p:cTn>
+                                        <p:tgtEl>
+                                          <p:spTgt spid="15"/>
+                                        </p:tgtEl>
+                                        <p:attrNameLst>
+                                          <p:attrName>style.visibility</p:attrName>
+                                        </p:attrNameLst>
+                                      </p:cBhvr>
+                                      <p:to>
+                                        <p:strVal val="visible"/>
+                                      </p:to>
+                                    </p:set>
+                                  </p:childTnLst>
+                                </p:cTn>
+                              </p:par>
+                              <p:par>
+                                <p:cTn id="27" presetID="1" presetClass="entr" presetSubtype="0" fill="hold" nodeType="withEffect">
+                                  <p:stCondLst>
+                                    <p:cond delay="0"/>
+                                  </p:stCondLst>
+                                  <p:childTnLst>
+                                    <p:set>
+                                      <p:cBhvr>
+                                        <p:cTn id="28" dur="1" fill="hold">
+                                          <p:stCondLst>
+                                            <p:cond delay="0"/>
+                                          </p:stCondLst>
+                                        </p:cTn>
+                                        <p:tgtEl>
+                                          <p:spTgt spid="3074"/>
+                                        </p:tgtEl>
+                                        <p:attrNameLst>
+                                          <p:attrName>style.visibility</p:attrName>
+                                        </p:attrNameLst>
+                                      </p:cBhvr>
+                                      <p:to>
+                                        <p:strVal val="visible"/>
+                                      </p:to>
+                                    </p:set>
+                                  </p:childTnLst>
+                                </p:cTn>
+                              </p:par>
+                            </p:childTnLst>
+                          </p:cTn>
+                        </p:par>
+                      </p:childTnLst>
+                    </p:cTn>
+                  </p:par>
+                  <p:par>
+                    <p:cTn id="29" fill="hold">
+                      <p:stCondLst>
+                        <p:cond delay="indefinite"/>
+                      </p:stCondLst>
+                      <p:childTnLst>
+                        <p:par>
+                          <p:cTn id="30" fill="hold">
+                            <p:stCondLst>
+                              <p:cond delay="0"/>
+                            </p:stCondLst>
+                            <p:childTnLst>
+                              <p:par>
+                                <p:cTn id="31" presetID="1" presetClass="entr" presetSubtype="0" fill="hold" nodeType="clickEffect">
+                                  <p:stCondLst>
+                                    <p:cond delay="0"/>
+                                  </p:stCondLst>
+                                  <p:childTnLst>
+                                    <p:set>
+                                      <p:cBhvr>
+                                        <p:cTn id="32" dur="1" fill="hold">
+                                          <p:stCondLst>
+                                            <p:cond delay="0"/>
+                                          </p:stCondLst>
+                                        </p:cTn>
+                                        <p:tgtEl>
+                                          <p:spTgt spid="9"/>
+                                        </p:tgtEl>
+                                        <p:attrNameLst>
+                                          <p:attrName>style.visibility</p:attrName>
+                                        </p:attrNameLst>
+                                      </p:cBhvr>
+                                      <p:to>
+                                        <p:strVal val="visible"/>
+                                      </p:to>
+                                    </p:set>
+                                  </p:childTnLst>
+                                </p:cTn>
+                              </p:par>
+                              <p:par>
+                                <p:cTn id="33" presetID="1" presetClass="entr" presetSubtype="0" fill="hold" grpId="0" nodeType="withEffect">
+                                  <p:stCondLst>
+                                    <p:cond delay="0"/>
+                                  </p:stCondLst>
+                                  <p:childTnLst>
+                                    <p:set>
+                                      <p:cBhvr>
+                                        <p:cTn id="34" dur="1" fill="hold">
+                                          <p:stCondLst>
+                                            <p:cond delay="0"/>
+                                          </p:stCondLst>
+                                        </p:cTn>
+                                        <p:tgtEl>
+                                          <p:spTgt spid="10"/>
+                                        </p:tgtEl>
+                                        <p:attrNameLst>
+                                          <p:attrName>style.visibility</p:attrName>
+                                        </p:attrNameLst>
+                                      </p:cBhvr>
+                                      <p:to>
+                                        <p:strVal val="visible"/>
+                                      </p:to>
+                                    </p:set>
+                                  </p:childTnLst>
+                                </p:cTn>
+                              </p:par>
+                            </p:childTnLst>
+                          </p:cTn>
+                        </p:par>
+                      </p:childTnLst>
+                    </p:cTn>
+                  </p:par>
+                </p:childTnLst>
+              </p:cTn>
+              <p:prevCondLst>
+                <p:cond evt="onPrev" delay="0">
+                  <p:tgtEl>
+                    <p:sldTgt/>
+                  </p:tgtEl>
+                </p:cond>
+              </p:prevCondLst>
+              <p:nextCondLst>
+                <p:cond evt="onNext" delay="0">
+                  <p:tgtEl>
+                    <p:sldTgt/>
+                  </p:tgtEl>
+                </p:cond>
+              </p:nextCondLst>
+            </p:seq>
+          </p:childTnLst>
+        </p:cTn>
+      </p:par>
+    </p:tnLst>
+    <p:bldLst>
+      <p:bldP spid="7" grpId="0" animBg="1"/>
+      <p:bldP spid="10" grpId="0" animBg="1"/>
+      <p:bldP spid="12" grpId="0"/>
+      <p:bldP spid="13" grpId="0"/>
+    </p:bldLst>
+  </p:timing>
+</p:sld>
+</file>
+
+<file path=ppt/slides/slide9.xml><?xml version="1.0" encoding="utf-8"?>
+<p:sld xmlns:a="http://schemas.openxmlformats.org/drawingml/2006/main" xmlns:r="http://schemas.openxmlformats.org/officeDocument/2006/relationships" xmlns:p="http://schemas.openxmlformats.org/presentationml/2006/main">
+  <p:cSld>
+    <p:spTree>
+      <p:nvGrpSpPr>
+        <p:cNvPr id="1" name=""/>
+        <p:cNvGrpSpPr/>
+        <p:nvPr/>
+      </p:nvGrpSpPr>
+      <p:grpSpPr>
+        <a:xfrm>
+          <a:off x="0" y="0"/>
+          <a:ext cx="0" cy="0"/>
+          <a:chOff x="0" y="0"/>
+          <a:chExt cx="0" cy="0"/>
+        </a:xfrm>
+      </p:grpSpPr>
+      <p:sp>
+        <p:nvSpPr>
+          <p:cNvPr id="2" name="제목 1">
+            <a:extLst>
+              <a:ext uri="{FF2B5EF4-FFF2-40B4-BE49-F238E27FC236}">
+                <a16:creationId xmlns:a16="http://schemas.microsoft.com/office/drawing/2014/main" id="{BE9182E0-7D4E-18DC-1C17-DE398B201BB4}"/>
+              </a:ext>
+            </a:extLst>
+          </p:cNvPr>
+          <p:cNvSpPr>
+            <a:spLocks noGrp="1"/>
+          </p:cNvSpPr>
+          <p:nvPr>
+            <p:ph type="title"/>
+          </p:nvPr>
+        </p:nvSpPr>
+        <p:spPr/>
+        <p:txBody>
+          <a:bodyPr/>
+          <a:lstStyle/>
+          <a:p>
+            <a:r>
+              <a:rPr lang="ko-KR" altLang="en-US" dirty="0"/>
+              <a:t>인공신경망</a:t>
+            </a:r>
+          </a:p>
+        </p:txBody>
+      </p:sp>
+      <p:sp>
+        <p:nvSpPr>
+          <p:cNvPr id="4" name="타원 3">
+            <a:extLst>
+              <a:ext uri="{FF2B5EF4-FFF2-40B4-BE49-F238E27FC236}">
+                <a16:creationId xmlns:a16="http://schemas.microsoft.com/office/drawing/2014/main" id="{6AB6493B-3137-D310-469D-6E654C560848}"/>
+              </a:ext>
+            </a:extLst>
+          </p:cNvPr>
+          <p:cNvSpPr/>
+          <p:nvPr/>
+        </p:nvSpPr>
+        <p:spPr>
+          <a:xfrm>
+            <a:off x="1931097" y="1951303"/>
+            <a:ext cx="718458" cy="718458"/>
+          </a:xfrm>
+          <a:prstGeom prst="ellipse">
+            <a:avLst/>
+          </a:prstGeom>
+          <a:solidFill>
+            <a:schemeClr val="bg1"/>
+          </a:solidFill>
+          <a:ln>
+            <a:solidFill>
+              <a:schemeClr val="tx1"/>
+            </a:solidFill>
+          </a:ln>
+        </p:spPr>
+        <p:style>
+          <a:lnRef idx="2">
+            <a:schemeClr val="accent1">
+              <a:shade val="15000"/>
+            </a:schemeClr>
+          </a:lnRef>
+          <a:fillRef idx="1">
+            <a:schemeClr val="accent1"/>
+          </a:fillRef>
+          <a:effectRef idx="0">
+            <a:schemeClr val="accent1"/>
+          </a:effectRef>
+          <a:fontRef idx="minor">
+            <a:schemeClr val="lt1"/>
+          </a:fontRef>
+        </p:style>
+        <p:txBody>
+          <a:bodyPr rtlCol="0" anchor="ctr"/>
+          <a:lstStyle/>
+          <a:p>
+            <a:pPr algn="ctr"/>
+            <a:endParaRPr lang="ko-KR" altLang="en-US"/>
+          </a:p>
+        </p:txBody>
+      </p:sp>
+      <p:sp>
+        <p:nvSpPr>
+          <p:cNvPr id="5" name="타원 4">
+            <a:extLst>
+              <a:ext uri="{FF2B5EF4-FFF2-40B4-BE49-F238E27FC236}">
+                <a16:creationId xmlns:a16="http://schemas.microsoft.com/office/drawing/2014/main" id="{095C12AB-F5D1-20D5-C60F-855FB8E39F38}"/>
+              </a:ext>
+            </a:extLst>
+          </p:cNvPr>
+          <p:cNvSpPr/>
+          <p:nvPr/>
+        </p:nvSpPr>
+        <p:spPr>
+          <a:xfrm>
+            <a:off x="1931097" y="3029621"/>
+            <a:ext cx="718458" cy="718458"/>
+          </a:xfrm>
+          <a:prstGeom prst="ellipse">
+            <a:avLst/>
+          </a:prstGeom>
+          <a:solidFill>
+            <a:schemeClr val="bg1"/>
+          </a:solidFill>
+          <a:ln>
+            <a:solidFill>
+              <a:schemeClr val="tx1"/>
+            </a:solidFill>
+          </a:ln>
+        </p:spPr>
+        <p:style>
+          <a:lnRef idx="2">
+            <a:schemeClr val="accent1">
+              <a:shade val="15000"/>
+            </a:schemeClr>
+          </a:lnRef>
+          <a:fillRef idx="1">
+            <a:schemeClr val="accent1"/>
+          </a:fillRef>
+          <a:effectRef idx="0">
+            <a:schemeClr val="accent1"/>
+          </a:effectRef>
+          <a:fontRef idx="minor">
+            <a:schemeClr val="lt1"/>
+          </a:fontRef>
+        </p:style>
+        <p:txBody>
+          <a:bodyPr rtlCol="0" anchor="ctr"/>
+          <a:lstStyle/>
+          <a:p>
+            <a:pPr algn="ctr"/>
+            <a:endParaRPr lang="ko-KR" altLang="en-US"/>
+          </a:p>
+        </p:txBody>
+      </p:sp>
+      <p:sp>
+        <p:nvSpPr>
+          <p:cNvPr id="6" name="타원 5">
+            <a:extLst>
+              <a:ext uri="{FF2B5EF4-FFF2-40B4-BE49-F238E27FC236}">
+                <a16:creationId xmlns:a16="http://schemas.microsoft.com/office/drawing/2014/main" id="{C4783732-2540-7982-67D5-38FBC3AA0D5F}"/>
+              </a:ext>
+            </a:extLst>
+          </p:cNvPr>
+          <p:cNvSpPr/>
+          <p:nvPr/>
+        </p:nvSpPr>
+        <p:spPr>
+          <a:xfrm>
+            <a:off x="1931097" y="4107939"/>
+            <a:ext cx="718458" cy="718458"/>
+          </a:xfrm>
+          <a:prstGeom prst="ellipse">
+            <a:avLst/>
+          </a:prstGeom>
+          <a:solidFill>
+            <a:schemeClr val="bg1"/>
+          </a:solidFill>
+          <a:ln>
+            <a:solidFill>
+              <a:schemeClr val="tx1"/>
+            </a:solidFill>
+          </a:ln>
+        </p:spPr>
+        <p:style>
+          <a:lnRef idx="2">
+            <a:schemeClr val="accent1">
+              <a:shade val="15000"/>
+            </a:schemeClr>
+          </a:lnRef>
+          <a:fillRef idx="1">
+            <a:schemeClr val="accent1"/>
+          </a:fillRef>
+          <a:effectRef idx="0">
+            <a:schemeClr val="accent1"/>
+          </a:effectRef>
+          <a:fontRef idx="minor">
+            <a:schemeClr val="lt1"/>
+          </a:fontRef>
+        </p:style>
+        <p:txBody>
+          <a:bodyPr rtlCol="0" anchor="ctr"/>
+          <a:lstStyle/>
+          <a:p>
+            <a:pPr algn="ctr"/>
+            <a:endParaRPr lang="ko-KR" altLang="en-US"/>
+          </a:p>
+        </p:txBody>
+      </p:sp>
+      <p:sp>
+        <p:nvSpPr>
+          <p:cNvPr id="7" name="타원 6">
+            <a:extLst>
+              <a:ext uri="{FF2B5EF4-FFF2-40B4-BE49-F238E27FC236}">
+                <a16:creationId xmlns:a16="http://schemas.microsoft.com/office/drawing/2014/main" id="{382ACDF1-3131-5B00-FB18-4A5A1222F8EB}"/>
+              </a:ext>
+            </a:extLst>
+          </p:cNvPr>
+          <p:cNvSpPr/>
+          <p:nvPr/>
+        </p:nvSpPr>
+        <p:spPr>
+          <a:xfrm>
+            <a:off x="1931097" y="5186257"/>
+            <a:ext cx="718458" cy="718458"/>
+          </a:xfrm>
+          <a:prstGeom prst="ellipse">
+            <a:avLst/>
+          </a:prstGeom>
+          <a:solidFill>
+            <a:schemeClr val="bg1"/>
+          </a:solidFill>
+          <a:ln>
+            <a:solidFill>
+              <a:schemeClr val="tx1"/>
+            </a:solidFill>
+          </a:ln>
+        </p:spPr>
+        <p:style>
+          <a:lnRef idx="2">
+            <a:schemeClr val="accent1">
+              <a:shade val="15000"/>
+            </a:schemeClr>
+          </a:lnRef>
+          <a:fillRef idx="1">
+            <a:schemeClr val="accent1"/>
+          </a:fillRef>
+          <a:effectRef idx="0">
+            <a:schemeClr val="accent1"/>
+          </a:effectRef>
+          <a:fontRef idx="minor">
+            <a:schemeClr val="lt1"/>
+          </a:fontRef>
+        </p:style>
+        <p:txBody>
+          <a:bodyPr rtlCol="0" anchor="ctr"/>
+          <a:lstStyle/>
+          <a:p>
+            <a:pPr algn="ctr"/>
+            <a:endParaRPr lang="ko-KR" altLang="en-US"/>
+          </a:p>
+        </p:txBody>
+      </p:sp>
+      <p:grpSp>
+        <p:nvGrpSpPr>
+          <p:cNvPr id="11" name="그룹 10">
+            <a:extLst>
+              <a:ext uri="{FF2B5EF4-FFF2-40B4-BE49-F238E27FC236}">
+                <a16:creationId xmlns:a16="http://schemas.microsoft.com/office/drawing/2014/main" id="{758BC976-C7A1-7F59-35F9-32F0A16A1D07}"/>
+              </a:ext>
+            </a:extLst>
+          </p:cNvPr>
+          <p:cNvGrpSpPr/>
+          <p:nvPr/>
+        </p:nvGrpSpPr>
+        <p:grpSpPr>
+          <a:xfrm>
+            <a:off x="4322844" y="2523580"/>
+            <a:ext cx="718458" cy="2828436"/>
+            <a:chOff x="4472474" y="2398889"/>
+            <a:chExt cx="718458" cy="2828436"/>
+          </a:xfrm>
+        </p:grpSpPr>
+        <p:sp>
+          <p:nvSpPr>
+            <p:cNvPr id="8" name="타원 7">
+              <a:extLst>
+                <a:ext uri="{FF2B5EF4-FFF2-40B4-BE49-F238E27FC236}">
+                  <a16:creationId xmlns:a16="http://schemas.microsoft.com/office/drawing/2014/main" id="{AB8D77B2-47DB-1DB3-DE59-620D40F7C495}"/>
+                </a:ext>
+              </a:extLst>
+            </p:cNvPr>
+            <p:cNvSpPr/>
+            <p:nvPr/>
+          </p:nvSpPr>
+          <p:spPr>
+            <a:xfrm>
+              <a:off x="4472474" y="2398889"/>
+              <a:ext cx="718458" cy="718458"/>
+            </a:xfrm>
+            <a:prstGeom prst="ellipse">
+              <a:avLst/>
+            </a:prstGeom>
+            <a:solidFill>
+              <a:schemeClr val="bg1"/>
+            </a:solidFill>
+            <a:ln>
+              <a:solidFill>
+                <a:schemeClr val="tx1"/>
+              </a:solidFill>
+            </a:ln>
+          </p:spPr>
+          <p:style>
+            <a:lnRef idx="2">
+              <a:schemeClr val="accent1">
+                <a:shade val="15000"/>
+              </a:schemeClr>
+            </a:lnRef>
+            <a:fillRef idx="1">
+              <a:schemeClr val="accent1"/>
+            </a:fillRef>
+            <a:effectRef idx="0">
+              <a:schemeClr val="accent1"/>
+            </a:effectRef>
+            <a:fontRef idx="minor">
+              <a:schemeClr val="lt1"/>
+            </a:fontRef>
+          </p:style>
+          <p:txBody>
+            <a:bodyPr rtlCol="0" anchor="ctr"/>
+            <a:lstStyle/>
+            <a:p>
+              <a:pPr algn="ctr"/>
+              <a:endParaRPr lang="ko-KR" altLang="en-US"/>
+            </a:p>
+          </p:txBody>
+        </p:sp>
+        <p:sp>
+          <p:nvSpPr>
+            <p:cNvPr id="9" name="타원 8">
+              <a:extLst>
+                <a:ext uri="{FF2B5EF4-FFF2-40B4-BE49-F238E27FC236}">
+                  <a16:creationId xmlns:a16="http://schemas.microsoft.com/office/drawing/2014/main" id="{215FC172-534B-E726-99B8-5810202A9130}"/>
+                </a:ext>
+              </a:extLst>
+            </p:cNvPr>
+            <p:cNvSpPr/>
+            <p:nvPr/>
+          </p:nvSpPr>
+          <p:spPr>
+            <a:xfrm>
+              <a:off x="4472474" y="3466319"/>
+              <a:ext cx="718458" cy="718458"/>
+            </a:xfrm>
+            <a:prstGeom prst="ellipse">
+              <a:avLst/>
+            </a:prstGeom>
+            <a:solidFill>
+              <a:schemeClr val="bg1"/>
+            </a:solidFill>
+            <a:ln>
+              <a:solidFill>
+                <a:schemeClr val="tx1"/>
+              </a:solidFill>
+            </a:ln>
+          </p:spPr>
+          <p:style>
+            <a:lnRef idx="2">
+              <a:schemeClr val="accent1">
+                <a:shade val="15000"/>
+              </a:schemeClr>
+            </a:lnRef>
+            <a:fillRef idx="1">
+              <a:schemeClr val="accent1"/>
+            </a:fillRef>
+            <a:effectRef idx="0">
+              <a:schemeClr val="accent1"/>
+            </a:effectRef>
+            <a:fontRef idx="minor">
+              <a:schemeClr val="lt1"/>
+            </a:fontRef>
+          </p:style>
+          <p:txBody>
+            <a:bodyPr rtlCol="0" anchor="ctr"/>
+            <a:lstStyle/>
+            <a:p>
+              <a:pPr algn="ctr"/>
+              <a:endParaRPr lang="ko-KR" altLang="en-US"/>
+            </a:p>
+          </p:txBody>
+        </p:sp>
+        <p:sp>
+          <p:nvSpPr>
+            <p:cNvPr id="10" name="타원 9">
+              <a:extLst>
+                <a:ext uri="{FF2B5EF4-FFF2-40B4-BE49-F238E27FC236}">
+                  <a16:creationId xmlns:a16="http://schemas.microsoft.com/office/drawing/2014/main" id="{E9831CAB-D36B-9BC9-7BE0-74F099D6A11C}"/>
+                </a:ext>
+              </a:extLst>
+            </p:cNvPr>
+            <p:cNvSpPr/>
+            <p:nvPr/>
+          </p:nvSpPr>
+          <p:spPr>
+            <a:xfrm>
+              <a:off x="4472474" y="4508867"/>
+              <a:ext cx="718458" cy="718458"/>
+            </a:xfrm>
+            <a:prstGeom prst="ellipse">
+              <a:avLst/>
+            </a:prstGeom>
+            <a:solidFill>
+              <a:schemeClr val="bg1"/>
+            </a:solidFill>
+            <a:ln>
+              <a:solidFill>
+                <a:schemeClr val="tx1"/>
+              </a:solidFill>
+            </a:ln>
+          </p:spPr>
+          <p:style>
+            <a:lnRef idx="2">
+              <a:schemeClr val="accent1">
+                <a:shade val="15000"/>
+              </a:schemeClr>
+            </a:lnRef>
+            <a:fillRef idx="1">
+              <a:schemeClr val="accent1"/>
+            </a:fillRef>
+            <a:effectRef idx="0">
+              <a:schemeClr val="accent1"/>
+            </a:effectRef>
+            <a:fontRef idx="minor">
+              <a:schemeClr val="lt1"/>
+            </a:fontRef>
+          </p:style>
+          <p:txBody>
+            <a:bodyPr rtlCol="0" anchor="ctr"/>
+            <a:lstStyle/>
+            <a:p>
+              <a:pPr algn="ctr"/>
+              <a:endParaRPr lang="ko-KR" altLang="en-US"/>
+            </a:p>
+          </p:txBody>
+        </p:sp>
+      </p:grpSp>
+      <p:grpSp>
+        <p:nvGrpSpPr>
+          <p:cNvPr id="12" name="그룹 11">
+            <a:extLst>
+              <a:ext uri="{FF2B5EF4-FFF2-40B4-BE49-F238E27FC236}">
+                <a16:creationId xmlns:a16="http://schemas.microsoft.com/office/drawing/2014/main" id="{02F4AD71-91E9-5154-21A2-439863F81E68}"/>
+              </a:ext>
+            </a:extLst>
+          </p:cNvPr>
+          <p:cNvGrpSpPr/>
+          <p:nvPr/>
+        </p:nvGrpSpPr>
+        <p:grpSpPr>
+          <a:xfrm>
+            <a:off x="6248060" y="2536021"/>
+            <a:ext cx="718458" cy="2828436"/>
+            <a:chOff x="4472474" y="2398889"/>
+            <a:chExt cx="718458" cy="2828436"/>
+          </a:xfrm>
+        </p:grpSpPr>
+        <p:sp>
+          <p:nvSpPr>
+            <p:cNvPr id="13" name="타원 12">
+              <a:extLst>
+                <a:ext uri="{FF2B5EF4-FFF2-40B4-BE49-F238E27FC236}">
+                  <a16:creationId xmlns:a16="http://schemas.microsoft.com/office/drawing/2014/main" id="{BB81CCAD-CC2E-8A24-EB61-BC4481E4BDF2}"/>
+                </a:ext>
+              </a:extLst>
+            </p:cNvPr>
+            <p:cNvSpPr/>
+            <p:nvPr/>
+          </p:nvSpPr>
+          <p:spPr>
+            <a:xfrm>
+              <a:off x="4472474" y="2398889"/>
+              <a:ext cx="718458" cy="718458"/>
+            </a:xfrm>
+            <a:prstGeom prst="ellipse">
+              <a:avLst/>
+            </a:prstGeom>
+            <a:solidFill>
+              <a:schemeClr val="bg1"/>
+            </a:solidFill>
+            <a:ln>
+              <a:solidFill>
+                <a:schemeClr val="tx1"/>
+              </a:solidFill>
+            </a:ln>
+          </p:spPr>
+          <p:style>
+            <a:lnRef idx="2">
+              <a:schemeClr val="accent1">
+                <a:shade val="15000"/>
+              </a:schemeClr>
+            </a:lnRef>
+            <a:fillRef idx="1">
+              <a:schemeClr val="accent1"/>
+            </a:fillRef>
+            <a:effectRef idx="0">
+              <a:schemeClr val="accent1"/>
+            </a:effectRef>
+            <a:fontRef idx="minor">
+              <a:schemeClr val="lt1"/>
+            </a:fontRef>
+          </p:style>
+          <p:txBody>
+            <a:bodyPr rtlCol="0" anchor="ctr"/>
+            <a:lstStyle/>
+            <a:p>
+              <a:pPr algn="ctr"/>
+              <a:endParaRPr lang="ko-KR" altLang="en-US"/>
+            </a:p>
+          </p:txBody>
+        </p:sp>
+        <p:sp>
+          <p:nvSpPr>
+            <p:cNvPr id="14" name="타원 13">
+              <a:extLst>
+                <a:ext uri="{FF2B5EF4-FFF2-40B4-BE49-F238E27FC236}">
+                  <a16:creationId xmlns:a16="http://schemas.microsoft.com/office/drawing/2014/main" id="{B4D249BE-7B03-46AF-DB6A-391167AEEB2D}"/>
+                </a:ext>
+              </a:extLst>
+            </p:cNvPr>
+            <p:cNvSpPr/>
+            <p:nvPr/>
+          </p:nvSpPr>
+          <p:spPr>
+            <a:xfrm>
+              <a:off x="4472474" y="3466319"/>
+              <a:ext cx="718458" cy="718458"/>
+            </a:xfrm>
+            <a:prstGeom prst="ellipse">
+              <a:avLst/>
+            </a:prstGeom>
+            <a:solidFill>
+              <a:schemeClr val="bg1"/>
+            </a:solidFill>
+            <a:ln>
+              <a:solidFill>
+                <a:schemeClr val="tx1"/>
+              </a:solidFill>
+            </a:ln>
+          </p:spPr>
+          <p:style>
+            <a:lnRef idx="2">
+              <a:schemeClr val="accent1">
+                <a:shade val="15000"/>
+              </a:schemeClr>
+            </a:lnRef>
+            <a:fillRef idx="1">
+              <a:schemeClr val="accent1"/>
+            </a:fillRef>
+            <a:effectRef idx="0">
+              <a:schemeClr val="accent1"/>
+            </a:effectRef>
+            <a:fontRef idx="minor">
+              <a:schemeClr val="lt1"/>
+            </a:fontRef>
+          </p:style>
+          <p:txBody>
+            <a:bodyPr rtlCol="0" anchor="ctr"/>
+            <a:lstStyle/>
+            <a:p>
+              <a:pPr algn="ctr"/>
+              <a:endParaRPr lang="ko-KR" altLang="en-US"/>
+            </a:p>
+          </p:txBody>
+        </p:sp>
+        <p:sp>
+          <p:nvSpPr>
+            <p:cNvPr id="15" name="타원 14">
+              <a:extLst>
+                <a:ext uri="{FF2B5EF4-FFF2-40B4-BE49-F238E27FC236}">
+                  <a16:creationId xmlns:a16="http://schemas.microsoft.com/office/drawing/2014/main" id="{AA0FA970-4FFC-482A-0BF4-9A9856CC061F}"/>
+                </a:ext>
+              </a:extLst>
+            </p:cNvPr>
+            <p:cNvSpPr/>
+            <p:nvPr/>
+          </p:nvSpPr>
+          <p:spPr>
+            <a:xfrm>
+              <a:off x="4472474" y="4508867"/>
+              <a:ext cx="718458" cy="718458"/>
+            </a:xfrm>
+            <a:prstGeom prst="ellipse">
+              <a:avLst/>
+            </a:prstGeom>
+            <a:solidFill>
+              <a:schemeClr val="bg1"/>
+            </a:solidFill>
+            <a:ln>
+              <a:solidFill>
+                <a:schemeClr val="tx1"/>
+              </a:solidFill>
+            </a:ln>
+          </p:spPr>
+          <p:style>
+            <a:lnRef idx="2">
+              <a:schemeClr val="accent1">
+                <a:shade val="15000"/>
+              </a:schemeClr>
+            </a:lnRef>
+            <a:fillRef idx="1">
+              <a:schemeClr val="accent1"/>
+            </a:fillRef>
+            <a:effectRef idx="0">
+              <a:schemeClr val="accent1"/>
+            </a:effectRef>
+            <a:fontRef idx="minor">
+              <a:schemeClr val="lt1"/>
+            </a:fontRef>
+          </p:style>
+          <p:txBody>
+            <a:bodyPr rtlCol="0" anchor="ctr"/>
+            <a:lstStyle/>
+            <a:p>
+              <a:pPr algn="ctr"/>
+              <a:endParaRPr lang="ko-KR" altLang="en-US"/>
+            </a:p>
+          </p:txBody>
+        </p:sp>
+      </p:grpSp>
+      <p:sp>
+        <p:nvSpPr>
+          <p:cNvPr id="16" name="타원 15">
+            <a:extLst>
+              <a:ext uri="{FF2B5EF4-FFF2-40B4-BE49-F238E27FC236}">
+                <a16:creationId xmlns:a16="http://schemas.microsoft.com/office/drawing/2014/main" id="{6C3E85DC-9D70-5360-AA33-6C3176C66B2D}"/>
+              </a:ext>
+            </a:extLst>
+          </p:cNvPr>
+          <p:cNvSpPr/>
+          <p:nvPr/>
+        </p:nvSpPr>
+        <p:spPr>
+          <a:xfrm>
+            <a:off x="8639807" y="3090270"/>
+            <a:ext cx="718458" cy="718458"/>
+          </a:xfrm>
+          <a:prstGeom prst="ellipse">
+            <a:avLst/>
+          </a:prstGeom>
+          <a:solidFill>
+            <a:schemeClr val="bg1"/>
+          </a:solidFill>
+          <a:ln>
+            <a:solidFill>
+              <a:schemeClr val="tx1"/>
+            </a:solidFill>
+          </a:ln>
+        </p:spPr>
+        <p:style>
+          <a:lnRef idx="2">
+            <a:schemeClr val="accent1">
+              <a:shade val="15000"/>
+            </a:schemeClr>
+          </a:lnRef>
+          <a:fillRef idx="1">
+            <a:schemeClr val="accent1"/>
+          </a:fillRef>
+          <a:effectRef idx="0">
+            <a:schemeClr val="accent1"/>
+          </a:effectRef>
+          <a:fontRef idx="minor">
+            <a:schemeClr val="lt1"/>
+          </a:fontRef>
+        </p:style>
+        <p:txBody>
+          <a:bodyPr rtlCol="0" anchor="ctr"/>
+          <a:lstStyle/>
+          <a:p>
+            <a:pPr algn="ctr"/>
+            <a:endParaRPr lang="ko-KR" altLang="en-US"/>
+          </a:p>
+        </p:txBody>
+      </p:sp>
+      <p:sp>
+        <p:nvSpPr>
+          <p:cNvPr id="17" name="타원 16">
+            <a:extLst>
+              <a:ext uri="{FF2B5EF4-FFF2-40B4-BE49-F238E27FC236}">
+                <a16:creationId xmlns:a16="http://schemas.microsoft.com/office/drawing/2014/main" id="{1768CEA9-758F-F160-D783-B00E6BF97C97}"/>
+              </a:ext>
+            </a:extLst>
+          </p:cNvPr>
+          <p:cNvSpPr/>
+          <p:nvPr/>
+        </p:nvSpPr>
+        <p:spPr>
+          <a:xfrm>
+            <a:off x="8639807" y="4107939"/>
+            <a:ext cx="718458" cy="718458"/>
+          </a:xfrm>
+          <a:prstGeom prst="ellipse">
+            <a:avLst/>
+          </a:prstGeom>
+          <a:solidFill>
+            <a:schemeClr val="bg1"/>
+          </a:solidFill>
+          <a:ln>
+            <a:solidFill>
+              <a:schemeClr val="tx1"/>
+            </a:solidFill>
+          </a:ln>
+        </p:spPr>
+        <p:style>
+          <a:lnRef idx="2">
+            <a:schemeClr val="accent1">
+              <a:shade val="15000"/>
+            </a:schemeClr>
+          </a:lnRef>
+          <a:fillRef idx="1">
+            <a:schemeClr val="accent1"/>
+          </a:fillRef>
+          <a:effectRef idx="0">
+            <a:schemeClr val="accent1"/>
+          </a:effectRef>
+          <a:fontRef idx="minor">
+            <a:schemeClr val="lt1"/>
+          </a:fontRef>
+        </p:style>
+        <p:txBody>
+          <a:bodyPr rtlCol="0" anchor="ctr"/>
+          <a:lstStyle/>
+          <a:p>
+            <a:pPr algn="ctr"/>
+            <a:endParaRPr lang="ko-KR" altLang="en-US"/>
+          </a:p>
+        </p:txBody>
+      </p:sp>
+      <p:cxnSp>
+        <p:nvCxnSpPr>
+          <p:cNvPr id="19" name="직선 연결선 18">
+            <a:extLst>
+              <a:ext uri="{FF2B5EF4-FFF2-40B4-BE49-F238E27FC236}">
+                <a16:creationId xmlns:a16="http://schemas.microsoft.com/office/drawing/2014/main" id="{185993F5-4C3C-DD69-81E5-AA9B277CA428}"/>
+              </a:ext>
+            </a:extLst>
+          </p:cNvPr>
+          <p:cNvCxnSpPr>
+            <a:stCxn id="4" idx="6"/>
+            <a:endCxn id="8" idx="2"/>
+          </p:cNvCxnSpPr>
+          <p:nvPr/>
+        </p:nvCxnSpPr>
+        <p:spPr>
+          <a:xfrm>
+            <a:off x="2649555" y="2310532"/>
+            <a:ext cx="1673289" cy="572277"/>
+          </a:xfrm>
+          <a:prstGeom prst="line">
+            <a:avLst/>
+          </a:prstGeom>
+        </p:spPr>
+        <p:style>
+          <a:lnRef idx="1">
+            <a:schemeClr val="accent1"/>
+          </a:lnRef>
+          <a:fillRef idx="0">
+            <a:schemeClr val="accent1"/>
+          </a:fillRef>
+          <a:effectRef idx="0">
+            <a:schemeClr val="accent1"/>
+          </a:effectRef>
+          <a:fontRef idx="minor">
+            <a:schemeClr val="tx1"/>
+          </a:fontRef>
+        </p:style>
+      </p:cxnSp>
+      <p:cxnSp>
+        <p:nvCxnSpPr>
+          <p:cNvPr id="21" name="직선 연결선 20">
+            <a:extLst>
+              <a:ext uri="{FF2B5EF4-FFF2-40B4-BE49-F238E27FC236}">
+                <a16:creationId xmlns:a16="http://schemas.microsoft.com/office/drawing/2014/main" id="{BF69EE9C-2845-6980-08C8-4262C6512BD1}"/>
+              </a:ext>
+            </a:extLst>
+          </p:cNvPr>
+          <p:cNvCxnSpPr>
+            <a:stCxn id="5" idx="6"/>
+            <a:endCxn id="8" idx="2"/>
+          </p:cNvCxnSpPr>
+          <p:nvPr/>
+        </p:nvCxnSpPr>
+        <p:spPr>
+          <a:xfrm flipV="1">
+            <a:off x="2649555" y="2882809"/>
+            <a:ext cx="1673289" cy="506041"/>
+          </a:xfrm>
+          <a:prstGeom prst="line">
+            <a:avLst/>
+          </a:prstGeom>
+        </p:spPr>
+        <p:style>
+          <a:lnRef idx="1">
+            <a:schemeClr val="accent1"/>
+          </a:lnRef>
+          <a:fillRef idx="0">
+            <a:schemeClr val="accent1"/>
+          </a:fillRef>
+          <a:effectRef idx="0">
+            <a:schemeClr val="accent1"/>
+          </a:effectRef>
+          <a:fontRef idx="minor">
+            <a:schemeClr val="tx1"/>
+          </a:fontRef>
+        </p:style>
+      </p:cxnSp>
+      <p:cxnSp>
+        <p:nvCxnSpPr>
+          <p:cNvPr id="23" name="직선 연결선 22">
+            <a:extLst>
+              <a:ext uri="{FF2B5EF4-FFF2-40B4-BE49-F238E27FC236}">
+                <a16:creationId xmlns:a16="http://schemas.microsoft.com/office/drawing/2014/main" id="{D284B2A1-2C58-09C2-5C13-155FB595C99A}"/>
+              </a:ext>
+            </a:extLst>
+          </p:cNvPr>
+          <p:cNvCxnSpPr>
+            <a:stCxn id="6" idx="6"/>
+            <a:endCxn id="8" idx="2"/>
+          </p:cNvCxnSpPr>
+          <p:nvPr/>
+        </p:nvCxnSpPr>
+        <p:spPr>
+          <a:xfrm flipV="1">
+            <a:off x="2649555" y="2882809"/>
+            <a:ext cx="1673289" cy="1584359"/>
+          </a:xfrm>
+          <a:prstGeom prst="line">
+            <a:avLst/>
+          </a:prstGeom>
+        </p:spPr>
+        <p:style>
+          <a:lnRef idx="1">
+            <a:schemeClr val="accent1"/>
+          </a:lnRef>
+          <a:fillRef idx="0">
+            <a:schemeClr val="accent1"/>
+          </a:fillRef>
+          <a:effectRef idx="0">
+            <a:schemeClr val="accent1"/>
+          </a:effectRef>
+          <a:fontRef idx="minor">
+            <a:schemeClr val="tx1"/>
+          </a:fontRef>
+        </p:style>
+      </p:cxnSp>
+      <p:cxnSp>
+        <p:nvCxnSpPr>
+          <p:cNvPr id="24" name="직선 연결선 23">
+            <a:extLst>
+              <a:ext uri="{FF2B5EF4-FFF2-40B4-BE49-F238E27FC236}">
+                <a16:creationId xmlns:a16="http://schemas.microsoft.com/office/drawing/2014/main" id="{2B831103-E742-7F1D-716D-078F9564D15B}"/>
+              </a:ext>
+            </a:extLst>
+          </p:cNvPr>
+          <p:cNvCxnSpPr>
+            <a:cxnSpLocks/>
+            <a:stCxn id="7" idx="6"/>
+            <a:endCxn id="8" idx="2"/>
+          </p:cNvCxnSpPr>
+          <p:nvPr/>
+        </p:nvCxnSpPr>
+        <p:spPr>
+          <a:xfrm flipV="1">
+            <a:off x="2649555" y="2882809"/>
+            <a:ext cx="1673289" cy="2662677"/>
+          </a:xfrm>
+          <a:prstGeom prst="line">
+            <a:avLst/>
+          </a:prstGeom>
+        </p:spPr>
+        <p:style>
+          <a:lnRef idx="1">
+            <a:schemeClr val="accent1"/>
+          </a:lnRef>
+          <a:fillRef idx="0">
+            <a:schemeClr val="accent1"/>
+          </a:fillRef>
+          <a:effectRef idx="0">
+            <a:schemeClr val="accent1"/>
+          </a:effectRef>
+          <a:fontRef idx="minor">
+            <a:schemeClr val="tx1"/>
+          </a:fontRef>
+        </p:style>
+      </p:cxnSp>
+      <p:cxnSp>
+        <p:nvCxnSpPr>
+          <p:cNvPr id="27" name="직선 연결선 26">
+            <a:extLst>
+              <a:ext uri="{FF2B5EF4-FFF2-40B4-BE49-F238E27FC236}">
+                <a16:creationId xmlns:a16="http://schemas.microsoft.com/office/drawing/2014/main" id="{3CB9945B-21AC-76B3-E444-05BF2106ED2D}"/>
+              </a:ext>
+            </a:extLst>
+          </p:cNvPr>
+          <p:cNvCxnSpPr>
+            <a:cxnSpLocks/>
+            <a:stCxn id="4" idx="6"/>
+            <a:endCxn id="9" idx="2"/>
+          </p:cNvCxnSpPr>
+          <p:nvPr/>
+        </p:nvCxnSpPr>
+        <p:spPr>
+          <a:xfrm>
+            <a:off x="2649555" y="2310532"/>
+            <a:ext cx="1673289" cy="1639707"/>
+          </a:xfrm>
+          <a:prstGeom prst="line">
+            <a:avLst/>
+          </a:prstGeom>
+        </p:spPr>
+        <p:style>
+          <a:lnRef idx="1">
+            <a:schemeClr val="accent1"/>
+          </a:lnRef>
+          <a:fillRef idx="0">
+            <a:schemeClr val="accent1"/>
+          </a:fillRef>
+          <a:effectRef idx="0">
+            <a:schemeClr val="accent1"/>
+          </a:effectRef>
+          <a:fontRef idx="minor">
+            <a:schemeClr val="tx1"/>
+          </a:fontRef>
+        </p:style>
+      </p:cxnSp>
+      <p:cxnSp>
+        <p:nvCxnSpPr>
+          <p:cNvPr id="30" name="직선 연결선 29">
+            <a:extLst>
+              <a:ext uri="{FF2B5EF4-FFF2-40B4-BE49-F238E27FC236}">
+                <a16:creationId xmlns:a16="http://schemas.microsoft.com/office/drawing/2014/main" id="{AA6323ED-3B6E-11D9-F9C5-29755175C22B}"/>
+              </a:ext>
+            </a:extLst>
+          </p:cNvPr>
+          <p:cNvCxnSpPr>
+            <a:cxnSpLocks/>
+            <a:stCxn id="4" idx="6"/>
+            <a:endCxn id="10" idx="2"/>
+          </p:cNvCxnSpPr>
+          <p:nvPr/>
+        </p:nvCxnSpPr>
+        <p:spPr>
+          <a:xfrm>
+            <a:off x="2649555" y="2310532"/>
+            <a:ext cx="1673289" cy="2682255"/>
+          </a:xfrm>
+          <a:prstGeom prst="line">
+            <a:avLst/>
+          </a:prstGeom>
+        </p:spPr>
+        <p:style>
+          <a:lnRef idx="1">
+            <a:schemeClr val="accent1"/>
+          </a:lnRef>
+          <a:fillRef idx="0">
+            <a:schemeClr val="accent1"/>
+          </a:fillRef>
+          <a:effectRef idx="0">
+            <a:schemeClr val="accent1"/>
+          </a:effectRef>
+          <a:fontRef idx="minor">
+            <a:schemeClr val="tx1"/>
+          </a:fontRef>
+        </p:style>
+      </p:cxnSp>
+      <p:cxnSp>
+        <p:nvCxnSpPr>
+          <p:cNvPr id="33" name="직선 연결선 32">
+            <a:extLst>
+              <a:ext uri="{FF2B5EF4-FFF2-40B4-BE49-F238E27FC236}">
+                <a16:creationId xmlns:a16="http://schemas.microsoft.com/office/drawing/2014/main" id="{4386F110-4377-6209-8FAC-DA47FDB7F05F}"/>
+              </a:ext>
+            </a:extLst>
+          </p:cNvPr>
+          <p:cNvCxnSpPr>
+            <a:cxnSpLocks/>
+            <a:stCxn id="5" idx="6"/>
+            <a:endCxn id="9" idx="2"/>
+          </p:cNvCxnSpPr>
+          <p:nvPr/>
+        </p:nvCxnSpPr>
+        <p:spPr>
+          <a:xfrm>
+            <a:off x="2649555" y="3388850"/>
+            <a:ext cx="1673289" cy="561389"/>
+          </a:xfrm>
+          <a:prstGeom prst="line">
+            <a:avLst/>
+          </a:prstGeom>
+        </p:spPr>
+        <p:style>
+          <a:lnRef idx="1">
+            <a:schemeClr val="accent1"/>
+          </a:lnRef>
+          <a:fillRef idx="0">
+            <a:schemeClr val="accent1"/>
+          </a:fillRef>
+          <a:effectRef idx="0">
+            <a:schemeClr val="accent1"/>
+          </a:effectRef>
+          <a:fontRef idx="minor">
+            <a:schemeClr val="tx1"/>
+          </a:fontRef>
+        </p:style>
+      </p:cxnSp>
+      <p:cxnSp>
+        <p:nvCxnSpPr>
+          <p:cNvPr id="36" name="직선 연결선 35">
+            <a:extLst>
+              <a:ext uri="{FF2B5EF4-FFF2-40B4-BE49-F238E27FC236}">
+                <a16:creationId xmlns:a16="http://schemas.microsoft.com/office/drawing/2014/main" id="{A8A58051-D68A-7324-C9AE-438184A8E632}"/>
+              </a:ext>
+            </a:extLst>
+          </p:cNvPr>
+          <p:cNvCxnSpPr>
+            <a:cxnSpLocks/>
+            <a:stCxn id="5" idx="6"/>
+            <a:endCxn id="10" idx="2"/>
+          </p:cNvCxnSpPr>
+          <p:nvPr/>
+        </p:nvCxnSpPr>
+        <p:spPr>
+          <a:xfrm>
+            <a:off x="2649555" y="3388850"/>
+            <a:ext cx="1673289" cy="1603937"/>
+          </a:xfrm>
+          <a:prstGeom prst="line">
+            <a:avLst/>
+          </a:prstGeom>
+        </p:spPr>
+        <p:style>
+          <a:lnRef idx="1">
+            <a:schemeClr val="accent1"/>
+          </a:lnRef>
+          <a:fillRef idx="0">
+            <a:schemeClr val="accent1"/>
+          </a:fillRef>
+          <a:effectRef idx="0">
+            <a:schemeClr val="accent1"/>
+          </a:effectRef>
+          <a:fontRef idx="minor">
+            <a:schemeClr val="tx1"/>
+          </a:fontRef>
+        </p:style>
+      </p:cxnSp>
+      <p:cxnSp>
+        <p:nvCxnSpPr>
+          <p:cNvPr id="39" name="직선 연결선 38">
+            <a:extLst>
+              <a:ext uri="{FF2B5EF4-FFF2-40B4-BE49-F238E27FC236}">
+                <a16:creationId xmlns:a16="http://schemas.microsoft.com/office/drawing/2014/main" id="{458C0DE1-C236-2A75-239E-355A1E1EDDEB}"/>
+              </a:ext>
+            </a:extLst>
+          </p:cNvPr>
+          <p:cNvCxnSpPr>
+            <a:cxnSpLocks/>
+            <a:stCxn id="6" idx="6"/>
+            <a:endCxn id="9" idx="2"/>
+          </p:cNvCxnSpPr>
+          <p:nvPr/>
+        </p:nvCxnSpPr>
+        <p:spPr>
+          <a:xfrm flipV="1">
+            <a:off x="2649555" y="3950239"/>
+            <a:ext cx="1673289" cy="516929"/>
+          </a:xfrm>
+          <a:prstGeom prst="line">
+            <a:avLst/>
+          </a:prstGeom>
+        </p:spPr>
+        <p:style>
+          <a:lnRef idx="1">
+            <a:schemeClr val="accent1"/>
+          </a:lnRef>
+          <a:fillRef idx="0">
+            <a:schemeClr val="accent1"/>
+          </a:fillRef>
+          <a:effectRef idx="0">
+            <a:schemeClr val="accent1"/>
+          </a:effectRef>
+          <a:fontRef idx="minor">
+            <a:schemeClr val="tx1"/>
+          </a:fontRef>
+        </p:style>
+      </p:cxnSp>
+      <p:cxnSp>
+        <p:nvCxnSpPr>
+          <p:cNvPr id="42" name="직선 연결선 41">
+            <a:extLst>
+              <a:ext uri="{FF2B5EF4-FFF2-40B4-BE49-F238E27FC236}">
+                <a16:creationId xmlns:a16="http://schemas.microsoft.com/office/drawing/2014/main" id="{CD7B45D8-2E75-F7B7-8E34-D19E30EDBBE0}"/>
+              </a:ext>
+            </a:extLst>
+          </p:cNvPr>
+          <p:cNvCxnSpPr>
+            <a:cxnSpLocks/>
+            <a:stCxn id="6" idx="6"/>
+            <a:endCxn id="10" idx="2"/>
+          </p:cNvCxnSpPr>
+          <p:nvPr/>
+        </p:nvCxnSpPr>
+        <p:spPr>
+          <a:xfrm>
+            <a:off x="2649555" y="4467168"/>
+            <a:ext cx="1673289" cy="525619"/>
+          </a:xfrm>
+          <a:prstGeom prst="line">
+            <a:avLst/>
+          </a:prstGeom>
+        </p:spPr>
+        <p:style>
+          <a:lnRef idx="1">
+            <a:schemeClr val="accent1"/>
+          </a:lnRef>
+          <a:fillRef idx="0">
+            <a:schemeClr val="accent1"/>
+          </a:fillRef>
+          <a:effectRef idx="0">
+            <a:schemeClr val="accent1"/>
+          </a:effectRef>
+          <a:fontRef idx="minor">
+            <a:schemeClr val="tx1"/>
+          </a:fontRef>
+        </p:style>
+      </p:cxnSp>
+      <p:cxnSp>
+        <p:nvCxnSpPr>
+          <p:cNvPr id="45" name="직선 연결선 44">
+            <a:extLst>
+              <a:ext uri="{FF2B5EF4-FFF2-40B4-BE49-F238E27FC236}">
+                <a16:creationId xmlns:a16="http://schemas.microsoft.com/office/drawing/2014/main" id="{B14BA9C0-E686-3AE8-4818-6125D0EDA1FC}"/>
+              </a:ext>
+            </a:extLst>
+          </p:cNvPr>
+          <p:cNvCxnSpPr>
+            <a:cxnSpLocks/>
+            <a:stCxn id="7" idx="6"/>
+            <a:endCxn id="9" idx="2"/>
+          </p:cNvCxnSpPr>
+          <p:nvPr/>
+        </p:nvCxnSpPr>
+        <p:spPr>
+          <a:xfrm flipV="1">
+            <a:off x="2649555" y="3950239"/>
+            <a:ext cx="1673289" cy="1595247"/>
+          </a:xfrm>
+          <a:prstGeom prst="line">
+            <a:avLst/>
+          </a:prstGeom>
+        </p:spPr>
+        <p:style>
+          <a:lnRef idx="1">
+            <a:schemeClr val="accent1"/>
+          </a:lnRef>
+          <a:fillRef idx="0">
+            <a:schemeClr val="accent1"/>
+          </a:fillRef>
+          <a:effectRef idx="0">
+            <a:schemeClr val="accent1"/>
+          </a:effectRef>
+          <a:fontRef idx="minor">
+            <a:schemeClr val="tx1"/>
+          </a:fontRef>
+        </p:style>
+      </p:cxnSp>
+      <p:cxnSp>
+        <p:nvCxnSpPr>
+          <p:cNvPr id="48" name="직선 연결선 47">
+            <a:extLst>
+              <a:ext uri="{FF2B5EF4-FFF2-40B4-BE49-F238E27FC236}">
+                <a16:creationId xmlns:a16="http://schemas.microsoft.com/office/drawing/2014/main" id="{6031B451-F5E3-AFFF-6A74-16C2B163CCF2}"/>
+              </a:ext>
+            </a:extLst>
+          </p:cNvPr>
+          <p:cNvCxnSpPr>
+            <a:cxnSpLocks/>
+            <a:stCxn id="7" idx="6"/>
+            <a:endCxn id="10" idx="2"/>
+          </p:cNvCxnSpPr>
+          <p:nvPr/>
+        </p:nvCxnSpPr>
+        <p:spPr>
+          <a:xfrm flipV="1">
+            <a:off x="2649555" y="4992787"/>
+            <a:ext cx="1673289" cy="552699"/>
+          </a:xfrm>
+          <a:prstGeom prst="line">
+            <a:avLst/>
+          </a:prstGeom>
+        </p:spPr>
+        <p:style>
+          <a:lnRef idx="1">
+            <a:schemeClr val="accent1"/>
+          </a:lnRef>
+          <a:fillRef idx="0">
+            <a:schemeClr val="accent1"/>
+          </a:fillRef>
+          <a:effectRef idx="0">
+            <a:schemeClr val="accent1"/>
+          </a:effectRef>
+          <a:fontRef idx="minor">
+            <a:schemeClr val="tx1"/>
+          </a:fontRef>
+        </p:style>
+      </p:cxnSp>
+      <p:cxnSp>
+        <p:nvCxnSpPr>
+          <p:cNvPr id="51" name="직선 연결선 50">
+            <a:extLst>
+              <a:ext uri="{FF2B5EF4-FFF2-40B4-BE49-F238E27FC236}">
+                <a16:creationId xmlns:a16="http://schemas.microsoft.com/office/drawing/2014/main" id="{B53A5535-8B3D-5AC0-9F51-4358C0E5B505}"/>
+              </a:ext>
+            </a:extLst>
+          </p:cNvPr>
+          <p:cNvCxnSpPr>
+            <a:cxnSpLocks/>
+            <a:stCxn id="8" idx="6"/>
+            <a:endCxn id="13" idx="2"/>
+          </p:cNvCxnSpPr>
+          <p:nvPr/>
+        </p:nvCxnSpPr>
+        <p:spPr>
+          <a:xfrm>
+            <a:off x="5041302" y="2882809"/>
+            <a:ext cx="1206758" cy="12441"/>
+          </a:xfrm>
+          <a:prstGeom prst="line">
+            <a:avLst/>
+          </a:prstGeom>
+        </p:spPr>
+        <p:style>
+          <a:lnRef idx="1">
+            <a:schemeClr val="accent1"/>
+          </a:lnRef>
+          <a:fillRef idx="0">
+            <a:schemeClr val="accent1"/>
+          </a:fillRef>
+          <a:effectRef idx="0">
+            <a:schemeClr val="accent1"/>
+          </a:effectRef>
+          <a:fontRef idx="minor">
+            <a:schemeClr val="tx1"/>
+          </a:fontRef>
+        </p:style>
+      </p:cxnSp>
+      <p:cxnSp>
+        <p:nvCxnSpPr>
+          <p:cNvPr id="54" name="직선 연결선 53">
+            <a:extLst>
+              <a:ext uri="{FF2B5EF4-FFF2-40B4-BE49-F238E27FC236}">
+                <a16:creationId xmlns:a16="http://schemas.microsoft.com/office/drawing/2014/main" id="{AE63DFA0-DDD9-00DE-E52E-2B6A8BEAF42C}"/>
+              </a:ext>
+            </a:extLst>
+          </p:cNvPr>
+          <p:cNvCxnSpPr>
+            <a:cxnSpLocks/>
+            <a:stCxn id="8" idx="6"/>
+            <a:endCxn id="14" idx="2"/>
+          </p:cNvCxnSpPr>
+          <p:nvPr/>
+        </p:nvCxnSpPr>
+        <p:spPr>
+          <a:xfrm>
+            <a:off x="5041302" y="2882809"/>
+            <a:ext cx="1206758" cy="1079871"/>
+          </a:xfrm>
+          <a:prstGeom prst="line">
+            <a:avLst/>
+          </a:prstGeom>
+        </p:spPr>
+        <p:style>
+          <a:lnRef idx="1">
+            <a:schemeClr val="accent1"/>
+          </a:lnRef>
+          <a:fillRef idx="0">
+            <a:schemeClr val="accent1"/>
+          </a:fillRef>
+          <a:effectRef idx="0">
+            <a:schemeClr val="accent1"/>
+          </a:effectRef>
+          <a:fontRef idx="minor">
+            <a:schemeClr val="tx1"/>
+          </a:fontRef>
+        </p:style>
+      </p:cxnSp>
+      <p:cxnSp>
+        <p:nvCxnSpPr>
+          <p:cNvPr id="57" name="직선 연결선 56">
+            <a:extLst>
+              <a:ext uri="{FF2B5EF4-FFF2-40B4-BE49-F238E27FC236}">
+                <a16:creationId xmlns:a16="http://schemas.microsoft.com/office/drawing/2014/main" id="{98C8BFBF-4146-9374-4105-1F1033EF8D8C}"/>
+              </a:ext>
+            </a:extLst>
+          </p:cNvPr>
+          <p:cNvCxnSpPr>
+            <a:cxnSpLocks/>
+            <a:stCxn id="8" idx="6"/>
+            <a:endCxn id="15" idx="2"/>
+          </p:cNvCxnSpPr>
+          <p:nvPr/>
+        </p:nvCxnSpPr>
+        <p:spPr>
+          <a:xfrm>
+            <a:off x="5041302" y="2882809"/>
+            <a:ext cx="1206758" cy="2122419"/>
+          </a:xfrm>
+          <a:prstGeom prst="line">
+            <a:avLst/>
+          </a:prstGeom>
+        </p:spPr>
+        <p:style>
+          <a:lnRef idx="1">
+            <a:schemeClr val="accent1"/>
+          </a:lnRef>
+          <a:fillRef idx="0">
+            <a:schemeClr val="accent1"/>
+          </a:fillRef>
+          <a:effectRef idx="0">
+            <a:schemeClr val="accent1"/>
+          </a:effectRef>
+          <a:fontRef idx="minor">
+            <a:schemeClr val="tx1"/>
+          </a:fontRef>
+        </p:style>
+      </p:cxnSp>
+      <p:cxnSp>
+        <p:nvCxnSpPr>
+          <p:cNvPr id="60" name="직선 연결선 59">
+            <a:extLst>
+              <a:ext uri="{FF2B5EF4-FFF2-40B4-BE49-F238E27FC236}">
+                <a16:creationId xmlns:a16="http://schemas.microsoft.com/office/drawing/2014/main" id="{978C6A37-0518-9F13-75FD-3C4AE7CA3BBF}"/>
+              </a:ext>
+            </a:extLst>
+          </p:cNvPr>
+          <p:cNvCxnSpPr>
+            <a:cxnSpLocks/>
+            <a:stCxn id="9" idx="6"/>
+            <a:endCxn id="13" idx="2"/>
+          </p:cNvCxnSpPr>
+          <p:nvPr/>
+        </p:nvCxnSpPr>
+        <p:spPr>
+          <a:xfrm flipV="1">
+            <a:off x="5041302" y="2895250"/>
+            <a:ext cx="1206758" cy="1054989"/>
+          </a:xfrm>
+          <a:prstGeom prst="line">
+            <a:avLst/>
+          </a:prstGeom>
+        </p:spPr>
+        <p:style>
+          <a:lnRef idx="1">
+            <a:schemeClr val="accent1"/>
+          </a:lnRef>
+          <a:fillRef idx="0">
+            <a:schemeClr val="accent1"/>
+          </a:fillRef>
+          <a:effectRef idx="0">
+            <a:schemeClr val="accent1"/>
+          </a:effectRef>
+          <a:fontRef idx="minor">
+            <a:schemeClr val="tx1"/>
+          </a:fontRef>
+        </p:style>
+      </p:cxnSp>
+      <p:cxnSp>
+        <p:nvCxnSpPr>
+          <p:cNvPr id="63" name="직선 연결선 62">
+            <a:extLst>
+              <a:ext uri="{FF2B5EF4-FFF2-40B4-BE49-F238E27FC236}">
+                <a16:creationId xmlns:a16="http://schemas.microsoft.com/office/drawing/2014/main" id="{498A98AC-CB23-EF1C-EDA1-A2829601CA6E}"/>
+              </a:ext>
+            </a:extLst>
+          </p:cNvPr>
+          <p:cNvCxnSpPr>
+            <a:cxnSpLocks/>
+            <a:stCxn id="9" idx="6"/>
+            <a:endCxn id="14" idx="2"/>
+          </p:cNvCxnSpPr>
+          <p:nvPr/>
+        </p:nvCxnSpPr>
+        <p:spPr>
+          <a:xfrm>
+            <a:off x="5041302" y="3950239"/>
+            <a:ext cx="1206758" cy="12441"/>
+          </a:xfrm>
+          <a:prstGeom prst="line">
+            <a:avLst/>
+          </a:prstGeom>
+        </p:spPr>
+        <p:style>
+          <a:lnRef idx="1">
+            <a:schemeClr val="accent1"/>
+          </a:lnRef>
+          <a:fillRef idx="0">
+            <a:schemeClr val="accent1"/>
+          </a:fillRef>
+          <a:effectRef idx="0">
+            <a:schemeClr val="accent1"/>
+          </a:effectRef>
+          <a:fontRef idx="minor">
+            <a:schemeClr val="tx1"/>
+          </a:fontRef>
+        </p:style>
+      </p:cxnSp>
+      <p:cxnSp>
+        <p:nvCxnSpPr>
+          <p:cNvPr id="66" name="직선 연결선 65">
+            <a:extLst>
+              <a:ext uri="{FF2B5EF4-FFF2-40B4-BE49-F238E27FC236}">
+                <a16:creationId xmlns:a16="http://schemas.microsoft.com/office/drawing/2014/main" id="{B785EEC4-3CB7-22C1-5B6A-5C40963BD168}"/>
+              </a:ext>
+            </a:extLst>
+          </p:cNvPr>
+          <p:cNvCxnSpPr>
+            <a:cxnSpLocks/>
+            <a:stCxn id="9" idx="6"/>
+            <a:endCxn id="15" idx="2"/>
+          </p:cNvCxnSpPr>
+          <p:nvPr/>
+        </p:nvCxnSpPr>
+        <p:spPr>
+          <a:xfrm>
+            <a:off x="5041302" y="3950239"/>
+            <a:ext cx="1206758" cy="1054989"/>
+          </a:xfrm>
+          <a:prstGeom prst="line">
+            <a:avLst/>
+          </a:prstGeom>
+        </p:spPr>
+        <p:style>
+          <a:lnRef idx="1">
+            <a:schemeClr val="accent1"/>
+          </a:lnRef>
+          <a:fillRef idx="0">
+            <a:schemeClr val="accent1"/>
+          </a:fillRef>
+          <a:effectRef idx="0">
+            <a:schemeClr val="accent1"/>
+          </a:effectRef>
+          <a:fontRef idx="minor">
+            <a:schemeClr val="tx1"/>
+          </a:fontRef>
+        </p:style>
+      </p:cxnSp>
+      <p:cxnSp>
+        <p:nvCxnSpPr>
+          <p:cNvPr id="69" name="직선 연결선 68">
+            <a:extLst>
+              <a:ext uri="{FF2B5EF4-FFF2-40B4-BE49-F238E27FC236}">
+                <a16:creationId xmlns:a16="http://schemas.microsoft.com/office/drawing/2014/main" id="{E05DE332-E4E7-4EC3-0D69-23FA83981918}"/>
+              </a:ext>
+            </a:extLst>
+          </p:cNvPr>
+          <p:cNvCxnSpPr>
+            <a:cxnSpLocks/>
+            <a:stCxn id="10" idx="6"/>
+            <a:endCxn id="13" idx="2"/>
+          </p:cNvCxnSpPr>
+          <p:nvPr/>
+        </p:nvCxnSpPr>
+        <p:spPr>
+          <a:xfrm flipV="1">
+            <a:off x="5041302" y="2895250"/>
+            <a:ext cx="1206758" cy="2097537"/>
+          </a:xfrm>
+          <a:prstGeom prst="line">
+            <a:avLst/>
+          </a:prstGeom>
+        </p:spPr>
+        <p:style>
+          <a:lnRef idx="1">
+            <a:schemeClr val="accent1"/>
+          </a:lnRef>
+          <a:fillRef idx="0">
+            <a:schemeClr val="accent1"/>
+          </a:fillRef>
+          <a:effectRef idx="0">
+            <a:schemeClr val="accent1"/>
+          </a:effectRef>
+          <a:fontRef idx="minor">
+            <a:schemeClr val="tx1"/>
+          </a:fontRef>
+        </p:style>
+      </p:cxnSp>
+      <p:cxnSp>
+        <p:nvCxnSpPr>
+          <p:cNvPr id="72" name="직선 연결선 71">
+            <a:extLst>
+              <a:ext uri="{FF2B5EF4-FFF2-40B4-BE49-F238E27FC236}">
+                <a16:creationId xmlns:a16="http://schemas.microsoft.com/office/drawing/2014/main" id="{6E20362D-E0CE-1632-02B2-A7D07A3FAA0F}"/>
+              </a:ext>
+            </a:extLst>
+          </p:cNvPr>
+          <p:cNvCxnSpPr>
+            <a:cxnSpLocks/>
+            <a:stCxn id="10" idx="6"/>
+            <a:endCxn id="14" idx="2"/>
+          </p:cNvCxnSpPr>
+          <p:nvPr/>
+        </p:nvCxnSpPr>
+        <p:spPr>
+          <a:xfrm flipV="1">
+            <a:off x="5041302" y="3962680"/>
+            <a:ext cx="1206758" cy="1030107"/>
+          </a:xfrm>
+          <a:prstGeom prst="line">
+            <a:avLst/>
+          </a:prstGeom>
+        </p:spPr>
+        <p:style>
+          <a:lnRef idx="1">
+            <a:schemeClr val="accent1"/>
+          </a:lnRef>
+          <a:fillRef idx="0">
+            <a:schemeClr val="accent1"/>
+          </a:fillRef>
+          <a:effectRef idx="0">
+            <a:schemeClr val="accent1"/>
+          </a:effectRef>
+          <a:fontRef idx="minor">
+            <a:schemeClr val="tx1"/>
+          </a:fontRef>
+        </p:style>
+      </p:cxnSp>
+      <p:cxnSp>
+        <p:nvCxnSpPr>
+          <p:cNvPr id="75" name="직선 연결선 74">
+            <a:extLst>
+              <a:ext uri="{FF2B5EF4-FFF2-40B4-BE49-F238E27FC236}">
+                <a16:creationId xmlns:a16="http://schemas.microsoft.com/office/drawing/2014/main" id="{23F6DEA6-E29E-0B50-F312-808B6A15D16B}"/>
+              </a:ext>
+            </a:extLst>
+          </p:cNvPr>
+          <p:cNvCxnSpPr>
+            <a:cxnSpLocks/>
+            <a:stCxn id="10" idx="6"/>
+            <a:endCxn id="15" idx="2"/>
+          </p:cNvCxnSpPr>
+          <p:nvPr/>
+        </p:nvCxnSpPr>
+        <p:spPr>
+          <a:xfrm>
+            <a:off x="5041302" y="4992787"/>
+            <a:ext cx="1206758" cy="12441"/>
+          </a:xfrm>
+          <a:prstGeom prst="line">
+            <a:avLst/>
+          </a:prstGeom>
+        </p:spPr>
+        <p:style>
+          <a:lnRef idx="1">
+            <a:schemeClr val="accent1"/>
+          </a:lnRef>
+          <a:fillRef idx="0">
+            <a:schemeClr val="accent1"/>
+          </a:fillRef>
+          <a:effectRef idx="0">
+            <a:schemeClr val="accent1"/>
+          </a:effectRef>
+          <a:fontRef idx="minor">
+            <a:schemeClr val="tx1"/>
+          </a:fontRef>
+        </p:style>
+      </p:cxnSp>
+      <p:cxnSp>
+        <p:nvCxnSpPr>
+          <p:cNvPr id="78" name="직선 연결선 77">
+            <a:extLst>
+              <a:ext uri="{FF2B5EF4-FFF2-40B4-BE49-F238E27FC236}">
+                <a16:creationId xmlns:a16="http://schemas.microsoft.com/office/drawing/2014/main" id="{E7D470B1-9876-6FD7-E28C-5503F49C08BE}"/>
+              </a:ext>
+            </a:extLst>
+          </p:cNvPr>
+          <p:cNvCxnSpPr>
+            <a:cxnSpLocks/>
+            <a:stCxn id="13" idx="6"/>
+            <a:endCxn id="16" idx="2"/>
+          </p:cNvCxnSpPr>
+          <p:nvPr/>
+        </p:nvCxnSpPr>
+        <p:spPr>
+          <a:xfrm>
+            <a:off x="6966518" y="2895250"/>
+            <a:ext cx="1673289" cy="554249"/>
+          </a:xfrm>
+          <a:prstGeom prst="line">
+            <a:avLst/>
+          </a:prstGeom>
+        </p:spPr>
+        <p:style>
+          <a:lnRef idx="1">
+            <a:schemeClr val="accent1"/>
+          </a:lnRef>
+          <a:fillRef idx="0">
+            <a:schemeClr val="accent1"/>
+          </a:fillRef>
+          <a:effectRef idx="0">
+            <a:schemeClr val="accent1"/>
+          </a:effectRef>
+          <a:fontRef idx="minor">
+            <a:schemeClr val="tx1"/>
+          </a:fontRef>
+        </p:style>
+      </p:cxnSp>
+      <p:cxnSp>
+        <p:nvCxnSpPr>
+          <p:cNvPr id="81" name="직선 연결선 80">
+            <a:extLst>
+              <a:ext uri="{FF2B5EF4-FFF2-40B4-BE49-F238E27FC236}">
+                <a16:creationId xmlns:a16="http://schemas.microsoft.com/office/drawing/2014/main" id="{6682AF0D-E76B-290A-ABBB-F2F2CD5D50DF}"/>
+              </a:ext>
+            </a:extLst>
+          </p:cNvPr>
+          <p:cNvCxnSpPr>
+            <a:cxnSpLocks/>
+            <a:stCxn id="13" idx="6"/>
+            <a:endCxn id="17" idx="2"/>
+          </p:cNvCxnSpPr>
+          <p:nvPr/>
+        </p:nvCxnSpPr>
+        <p:spPr>
+          <a:xfrm>
+            <a:off x="6966518" y="2895250"/>
+            <a:ext cx="1673289" cy="1571918"/>
+          </a:xfrm>
+          <a:prstGeom prst="line">
+            <a:avLst/>
+          </a:prstGeom>
+        </p:spPr>
+        <p:style>
+          <a:lnRef idx="1">
+            <a:schemeClr val="accent1"/>
+          </a:lnRef>
+          <a:fillRef idx="0">
+            <a:schemeClr val="accent1"/>
+          </a:fillRef>
+          <a:effectRef idx="0">
+            <a:schemeClr val="accent1"/>
+          </a:effectRef>
+          <a:fontRef idx="minor">
+            <a:schemeClr val="tx1"/>
+          </a:fontRef>
+        </p:style>
+      </p:cxnSp>
+      <p:cxnSp>
+        <p:nvCxnSpPr>
+          <p:cNvPr id="84" name="직선 연결선 83">
+            <a:extLst>
+              <a:ext uri="{FF2B5EF4-FFF2-40B4-BE49-F238E27FC236}">
+                <a16:creationId xmlns:a16="http://schemas.microsoft.com/office/drawing/2014/main" id="{743A0D91-CE63-2D69-799E-6125E1C88F23}"/>
+              </a:ext>
+            </a:extLst>
+          </p:cNvPr>
+          <p:cNvCxnSpPr>
+            <a:cxnSpLocks/>
+            <a:stCxn id="14" idx="6"/>
+            <a:endCxn id="16" idx="2"/>
+          </p:cNvCxnSpPr>
+          <p:nvPr/>
+        </p:nvCxnSpPr>
+        <p:spPr>
+          <a:xfrm flipV="1">
+            <a:off x="6966518" y="3449499"/>
+            <a:ext cx="1673289" cy="513181"/>
+          </a:xfrm>
+          <a:prstGeom prst="line">
+            <a:avLst/>
+          </a:prstGeom>
+        </p:spPr>
+        <p:style>
+          <a:lnRef idx="1">
+            <a:schemeClr val="accent1"/>
+          </a:lnRef>
+          <a:fillRef idx="0">
+            <a:schemeClr val="accent1"/>
+          </a:fillRef>
+          <a:effectRef idx="0">
+            <a:schemeClr val="accent1"/>
+          </a:effectRef>
+          <a:fontRef idx="minor">
+            <a:schemeClr val="tx1"/>
+          </a:fontRef>
+        </p:style>
+      </p:cxnSp>
+      <p:cxnSp>
+        <p:nvCxnSpPr>
+          <p:cNvPr id="87" name="직선 연결선 86">
+            <a:extLst>
+              <a:ext uri="{FF2B5EF4-FFF2-40B4-BE49-F238E27FC236}">
+                <a16:creationId xmlns:a16="http://schemas.microsoft.com/office/drawing/2014/main" id="{FD612A92-63A5-C4A8-A292-E840B30A8327}"/>
+              </a:ext>
+            </a:extLst>
+          </p:cNvPr>
+          <p:cNvCxnSpPr>
+            <a:cxnSpLocks/>
+            <a:stCxn id="14" idx="6"/>
+            <a:endCxn id="17" idx="2"/>
+          </p:cNvCxnSpPr>
+          <p:nvPr/>
+        </p:nvCxnSpPr>
+        <p:spPr>
+          <a:xfrm>
+            <a:off x="6966518" y="3962680"/>
+            <a:ext cx="1673289" cy="504488"/>
+          </a:xfrm>
+          <a:prstGeom prst="line">
+            <a:avLst/>
+          </a:prstGeom>
+        </p:spPr>
+        <p:style>
+          <a:lnRef idx="1">
+            <a:schemeClr val="accent1"/>
+          </a:lnRef>
+          <a:fillRef idx="0">
+            <a:schemeClr val="accent1"/>
+          </a:fillRef>
+          <a:effectRef idx="0">
+            <a:schemeClr val="accent1"/>
+          </a:effectRef>
+          <a:fontRef idx="minor">
+            <a:schemeClr val="tx1"/>
+          </a:fontRef>
+        </p:style>
+      </p:cxnSp>
+      <p:cxnSp>
+        <p:nvCxnSpPr>
+          <p:cNvPr id="90" name="직선 연결선 89">
+            <a:extLst>
+              <a:ext uri="{FF2B5EF4-FFF2-40B4-BE49-F238E27FC236}">
+                <a16:creationId xmlns:a16="http://schemas.microsoft.com/office/drawing/2014/main" id="{2A336BE3-FC7E-BFF5-0656-864006E1774F}"/>
+              </a:ext>
+            </a:extLst>
+          </p:cNvPr>
+          <p:cNvCxnSpPr>
+            <a:cxnSpLocks/>
+            <a:stCxn id="15" idx="6"/>
+            <a:endCxn id="16" idx="2"/>
+          </p:cNvCxnSpPr>
+          <p:nvPr/>
+        </p:nvCxnSpPr>
+        <p:spPr>
+          <a:xfrm flipV="1">
+            <a:off x="6966518" y="3449499"/>
+            <a:ext cx="1673289" cy="1555729"/>
+          </a:xfrm>
+          <a:prstGeom prst="line">
+            <a:avLst/>
+          </a:prstGeom>
+        </p:spPr>
+        <p:style>
+          <a:lnRef idx="1">
+            <a:schemeClr val="accent1"/>
+          </a:lnRef>
+          <a:fillRef idx="0">
+            <a:schemeClr val="accent1"/>
+          </a:fillRef>
+          <a:effectRef idx="0">
+            <a:schemeClr val="accent1"/>
+          </a:effectRef>
+          <a:fontRef idx="minor">
+            <a:schemeClr val="tx1"/>
+          </a:fontRef>
+        </p:style>
+      </p:cxnSp>
+      <p:cxnSp>
+        <p:nvCxnSpPr>
+          <p:cNvPr id="93" name="직선 연결선 92">
+            <a:extLst>
+              <a:ext uri="{FF2B5EF4-FFF2-40B4-BE49-F238E27FC236}">
+                <a16:creationId xmlns:a16="http://schemas.microsoft.com/office/drawing/2014/main" id="{C1E499A1-BF55-B341-E903-3FA2449EC398}"/>
+              </a:ext>
+            </a:extLst>
+          </p:cNvPr>
+          <p:cNvCxnSpPr>
+            <a:cxnSpLocks/>
+            <a:stCxn id="15" idx="6"/>
+            <a:endCxn id="17" idx="2"/>
+          </p:cNvCxnSpPr>
+          <p:nvPr/>
+        </p:nvCxnSpPr>
+        <p:spPr>
+          <a:xfrm flipV="1">
+            <a:off x="6966518" y="4467168"/>
+            <a:ext cx="1673289" cy="538060"/>
+          </a:xfrm>
+          <a:prstGeom prst="line">
+            <a:avLst/>
+          </a:prstGeom>
+        </p:spPr>
+        <p:style>
+          <a:lnRef idx="1">
+            <a:schemeClr val="accent1"/>
+          </a:lnRef>
+          <a:fillRef idx="0">
+            <a:schemeClr val="accent1"/>
+          </a:fillRef>
+          <a:effectRef idx="0">
+            <a:schemeClr val="accent1"/>
+          </a:effectRef>
+          <a:fontRef idx="minor">
+            <a:schemeClr val="tx1"/>
+          </a:fontRef>
+        </p:style>
+      </p:cxnSp>
+      <p:sp>
+        <p:nvSpPr>
+          <p:cNvPr id="3" name="직사각형 2">
+            <a:extLst>
+              <a:ext uri="{FF2B5EF4-FFF2-40B4-BE49-F238E27FC236}">
+                <a16:creationId xmlns:a16="http://schemas.microsoft.com/office/drawing/2014/main" id="{2383FF5D-05B5-B6F1-FD9E-0E67C8A2794F}"/>
+              </a:ext>
+            </a:extLst>
+          </p:cNvPr>
+          <p:cNvSpPr/>
+          <p:nvPr/>
+        </p:nvSpPr>
+        <p:spPr>
+          <a:xfrm>
+            <a:off x="1454727" y="6043353"/>
+            <a:ext cx="1673289" cy="718458"/>
+          </a:xfrm>
+          <a:prstGeom prst="rect">
+            <a:avLst/>
+          </a:prstGeom>
+          <a:solidFill>
+            <a:schemeClr val="bg1"/>
+          </a:solidFill>
+          <a:ln>
+            <a:solidFill>
+              <a:schemeClr val="tx1"/>
+            </a:solidFill>
+          </a:ln>
+        </p:spPr>
+        <p:style>
+          <a:lnRef idx="2">
+            <a:schemeClr val="accent1">
+              <a:shade val="15000"/>
+            </a:schemeClr>
+          </a:lnRef>
+          <a:fillRef idx="1">
+            <a:schemeClr val="accent1"/>
+          </a:fillRef>
+          <a:effectRef idx="0">
+            <a:schemeClr val="accent1"/>
+          </a:effectRef>
+          <a:fontRef idx="minor">
+            <a:schemeClr val="lt1"/>
+          </a:fontRef>
+        </p:style>
+        <p:txBody>
+          <a:bodyPr rtlCol="0" anchor="ctr"/>
+          <a:lstStyle/>
+          <a:p>
+            <a:pPr algn="ctr"/>
+            <a:r>
+              <a:rPr lang="ko-KR" altLang="en-US" dirty="0" err="1">
+                <a:solidFill>
+                  <a:sysClr val="windowText" lastClr="000000"/>
+                </a:solidFill>
+              </a:rPr>
+              <a:t>입력층</a:t>
+            </a:r>
+            <a:endParaRPr lang="ko-KR" altLang="en-US" dirty="0">
+              <a:solidFill>
+                <a:sysClr val="windowText" lastClr="000000"/>
+              </a:solidFill>
+            </a:endParaRPr>
+          </a:p>
+        </p:txBody>
+      </p:sp>
+      <p:sp>
+        <p:nvSpPr>
+          <p:cNvPr id="18" name="직사각형 17">
+            <a:extLst>
+              <a:ext uri="{FF2B5EF4-FFF2-40B4-BE49-F238E27FC236}">
+                <a16:creationId xmlns:a16="http://schemas.microsoft.com/office/drawing/2014/main" id="{77FEA00F-3A38-548D-434E-9ABD6EC3C434}"/>
+              </a:ext>
+            </a:extLst>
+          </p:cNvPr>
+          <p:cNvSpPr/>
+          <p:nvPr/>
+        </p:nvSpPr>
+        <p:spPr>
+          <a:xfrm>
+            <a:off x="4808036" y="5983112"/>
+            <a:ext cx="1673289" cy="718458"/>
+          </a:xfrm>
+          <a:prstGeom prst="rect">
+            <a:avLst/>
+          </a:prstGeom>
+          <a:solidFill>
+            <a:schemeClr val="bg1"/>
+          </a:solidFill>
+          <a:ln>
+            <a:solidFill>
+              <a:schemeClr val="tx1"/>
+            </a:solidFill>
+          </a:ln>
+        </p:spPr>
+        <p:style>
+          <a:lnRef idx="2">
+            <a:schemeClr val="accent1">
+              <a:shade val="15000"/>
+            </a:schemeClr>
+          </a:lnRef>
+          <a:fillRef idx="1">
+            <a:schemeClr val="accent1"/>
+          </a:fillRef>
+          <a:effectRef idx="0">
+            <a:schemeClr val="accent1"/>
+          </a:effectRef>
+          <a:fontRef idx="minor">
+            <a:schemeClr val="lt1"/>
+          </a:fontRef>
+        </p:style>
+        <p:txBody>
+          <a:bodyPr rtlCol="0" anchor="ctr"/>
+          <a:lstStyle/>
+          <a:p>
+            <a:pPr algn="ctr"/>
+            <a:r>
+              <a:rPr lang="ko-KR" altLang="en-US" dirty="0" err="1">
+                <a:solidFill>
+                  <a:sysClr val="windowText" lastClr="000000"/>
+                </a:solidFill>
+              </a:rPr>
+              <a:t>은닉층</a:t>
+            </a:r>
+            <a:endParaRPr lang="ko-KR" altLang="en-US" dirty="0">
+              <a:solidFill>
+                <a:sysClr val="windowText" lastClr="000000"/>
+              </a:solidFill>
+            </a:endParaRPr>
+          </a:p>
+        </p:txBody>
+      </p:sp>
+      <p:sp>
+        <p:nvSpPr>
+          <p:cNvPr id="20" name="직사각형 19">
+            <a:extLst>
+              <a:ext uri="{FF2B5EF4-FFF2-40B4-BE49-F238E27FC236}">
+                <a16:creationId xmlns:a16="http://schemas.microsoft.com/office/drawing/2014/main" id="{9FCFDD6F-6FDA-83E7-8124-72CFF209A10F}"/>
+              </a:ext>
+            </a:extLst>
+          </p:cNvPr>
+          <p:cNvSpPr/>
+          <p:nvPr/>
+        </p:nvSpPr>
+        <p:spPr>
+          <a:xfrm>
+            <a:off x="8173276" y="4988603"/>
+            <a:ext cx="1673289" cy="718458"/>
+          </a:xfrm>
+          <a:prstGeom prst="rect">
+            <a:avLst/>
+          </a:prstGeom>
+          <a:solidFill>
+            <a:schemeClr val="bg1"/>
+          </a:solidFill>
+          <a:ln>
+            <a:solidFill>
+              <a:schemeClr val="tx1"/>
+            </a:solidFill>
+          </a:ln>
+        </p:spPr>
+        <p:style>
+          <a:lnRef idx="2">
+            <a:schemeClr val="accent1">
+              <a:shade val="15000"/>
+            </a:schemeClr>
+          </a:lnRef>
+          <a:fillRef idx="1">
+            <a:schemeClr val="accent1"/>
+          </a:fillRef>
+          <a:effectRef idx="0">
+            <a:schemeClr val="accent1"/>
+          </a:effectRef>
+          <a:fontRef idx="minor">
+            <a:schemeClr val="lt1"/>
+          </a:fontRef>
+        </p:style>
+        <p:txBody>
+          <a:bodyPr rtlCol="0" anchor="ctr"/>
+          <a:lstStyle/>
+          <a:p>
+            <a:pPr algn="ctr"/>
+            <a:r>
+              <a:rPr lang="ko-KR" altLang="en-US" dirty="0" err="1">
+                <a:solidFill>
+                  <a:sysClr val="windowText" lastClr="000000"/>
+                </a:solidFill>
+              </a:rPr>
+              <a:t>출력층</a:t>
+            </a:r>
+            <a:endParaRPr lang="ko-KR" altLang="en-US" dirty="0">
+              <a:solidFill>
+                <a:sysClr val="windowText" lastClr="000000"/>
+              </a:solidFill>
+            </a:endParaRPr>
+          </a:p>
+        </p:txBody>
+      </p:sp>
+    </p:spTree>
+    <p:extLst>
+      <p:ext uri="{BB962C8B-B14F-4D97-AF65-F5344CB8AC3E}">
+        <p14:creationId xmlns:p14="http://schemas.microsoft.com/office/powerpoint/2010/main" val="2813943526"/>
+      </p:ext>
+    </p:extLst>
+  </p:cSld>
+  <p:clrMapOvr>
+    <a:masterClrMapping/>
+  </p:clrMapOvr>
 </p:sld>
 </file>
 
